--- a/Diploma paper/Figures.pptx
+++ b/Diploma paper/Figures.pptx
@@ -5,7 +5,7 @@
     <p:sldMasterId id="2147483648" r:id="rId1"/>
   </p:sldMasterIdLst>
   <p:notesMasterIdLst>
-    <p:notesMasterId r:id="rId39"/>
+    <p:notesMasterId r:id="rId45"/>
   </p:notesMasterIdLst>
   <p:sldIdLst>
     <p:sldId id="256" r:id="rId2"/>
@@ -45,6 +45,12 @@
     <p:sldId id="291" r:id="rId36"/>
     <p:sldId id="292" r:id="rId37"/>
     <p:sldId id="293" r:id="rId38"/>
+    <p:sldId id="294" r:id="rId39"/>
+    <p:sldId id="295" r:id="rId40"/>
+    <p:sldId id="296" r:id="rId41"/>
+    <p:sldId id="297" r:id="rId42"/>
+    <p:sldId id="298" r:id="rId43"/>
+    <p:sldId id="299" r:id="rId44"/>
   </p:sldIdLst>
   <p:sldSz cx="12192000" cy="6858000"/>
   <p:notesSz cx="6858000" cy="9144000"/>
@@ -1382,7 +1388,7 @@
           <a:p>
             <a:fld id="{A43A1234-6667-4DE0-865A-9C5BC084BE07}" type="datetimeFigureOut">
               <a:rPr lang="zh-CN" altLang="en-US" smtClean="0"/>
-              <a:t>2015/12/31</a:t>
+              <a:t>2016/1/3</a:t>
             </a:fld>
             <a:endParaRPr lang="zh-CN" altLang="en-US"/>
           </a:p>
@@ -1967,7 +1973,7 @@
           <a:p>
             <a:fld id="{2F9DF95A-80B2-48A9-AE83-225FFA8B48F6}" type="datetimeFigureOut">
               <a:rPr lang="zh-CN" altLang="en-US" smtClean="0"/>
-              <a:t>2015/12/31</a:t>
+              <a:t>2016/1/3</a:t>
             </a:fld>
             <a:endParaRPr lang="zh-CN" altLang="en-US"/>
           </a:p>
@@ -2137,7 +2143,7 @@
           <a:p>
             <a:fld id="{2F9DF95A-80B2-48A9-AE83-225FFA8B48F6}" type="datetimeFigureOut">
               <a:rPr lang="zh-CN" altLang="en-US" smtClean="0"/>
-              <a:t>2015/12/31</a:t>
+              <a:t>2016/1/3</a:t>
             </a:fld>
             <a:endParaRPr lang="zh-CN" altLang="en-US"/>
           </a:p>
@@ -2317,7 +2323,7 @@
           <a:p>
             <a:fld id="{2F9DF95A-80B2-48A9-AE83-225FFA8B48F6}" type="datetimeFigureOut">
               <a:rPr lang="zh-CN" altLang="en-US" smtClean="0"/>
-              <a:t>2015/12/31</a:t>
+              <a:t>2016/1/3</a:t>
             </a:fld>
             <a:endParaRPr lang="zh-CN" altLang="en-US"/>
           </a:p>
@@ -2487,7 +2493,7 @@
           <a:p>
             <a:fld id="{2F9DF95A-80B2-48A9-AE83-225FFA8B48F6}" type="datetimeFigureOut">
               <a:rPr lang="zh-CN" altLang="en-US" smtClean="0"/>
-              <a:t>2015/12/31</a:t>
+              <a:t>2016/1/3</a:t>
             </a:fld>
             <a:endParaRPr lang="zh-CN" altLang="en-US"/>
           </a:p>
@@ -2733,7 +2739,7 @@
           <a:p>
             <a:fld id="{2F9DF95A-80B2-48A9-AE83-225FFA8B48F6}" type="datetimeFigureOut">
               <a:rPr lang="zh-CN" altLang="en-US" smtClean="0"/>
-              <a:t>2015/12/31</a:t>
+              <a:t>2016/1/3</a:t>
             </a:fld>
             <a:endParaRPr lang="zh-CN" altLang="en-US"/>
           </a:p>
@@ -2965,7 +2971,7 @@
           <a:p>
             <a:fld id="{2F9DF95A-80B2-48A9-AE83-225FFA8B48F6}" type="datetimeFigureOut">
               <a:rPr lang="zh-CN" altLang="en-US" smtClean="0"/>
-              <a:t>2015/12/31</a:t>
+              <a:t>2016/1/3</a:t>
             </a:fld>
             <a:endParaRPr lang="zh-CN" altLang="en-US"/>
           </a:p>
@@ -3332,7 +3338,7 @@
           <a:p>
             <a:fld id="{2F9DF95A-80B2-48A9-AE83-225FFA8B48F6}" type="datetimeFigureOut">
               <a:rPr lang="zh-CN" altLang="en-US" smtClean="0"/>
-              <a:t>2015/12/31</a:t>
+              <a:t>2016/1/3</a:t>
             </a:fld>
             <a:endParaRPr lang="zh-CN" altLang="en-US"/>
           </a:p>
@@ -3450,7 +3456,7 @@
           <a:p>
             <a:fld id="{2F9DF95A-80B2-48A9-AE83-225FFA8B48F6}" type="datetimeFigureOut">
               <a:rPr lang="zh-CN" altLang="en-US" smtClean="0"/>
-              <a:t>2015/12/31</a:t>
+              <a:t>2016/1/3</a:t>
             </a:fld>
             <a:endParaRPr lang="zh-CN" altLang="en-US"/>
           </a:p>
@@ -3545,7 +3551,7 @@
           <a:p>
             <a:fld id="{2F9DF95A-80B2-48A9-AE83-225FFA8B48F6}" type="datetimeFigureOut">
               <a:rPr lang="zh-CN" altLang="en-US" smtClean="0"/>
-              <a:t>2015/12/31</a:t>
+              <a:t>2016/1/3</a:t>
             </a:fld>
             <a:endParaRPr lang="zh-CN" altLang="en-US"/>
           </a:p>
@@ -3822,7 +3828,7 @@
           <a:p>
             <a:fld id="{2F9DF95A-80B2-48A9-AE83-225FFA8B48F6}" type="datetimeFigureOut">
               <a:rPr lang="zh-CN" altLang="en-US" smtClean="0"/>
-              <a:t>2015/12/31</a:t>
+              <a:t>2016/1/3</a:t>
             </a:fld>
             <a:endParaRPr lang="zh-CN" altLang="en-US"/>
           </a:p>
@@ -4075,7 +4081,7 @@
           <a:p>
             <a:fld id="{2F9DF95A-80B2-48A9-AE83-225FFA8B48F6}" type="datetimeFigureOut">
               <a:rPr lang="zh-CN" altLang="en-US" smtClean="0"/>
-              <a:t>2015/12/31</a:t>
+              <a:t>2016/1/3</a:t>
             </a:fld>
             <a:endParaRPr lang="zh-CN" altLang="en-US"/>
           </a:p>
@@ -4288,7 +4294,7 @@
           <a:p>
             <a:fld id="{2F9DF95A-80B2-48A9-AE83-225FFA8B48F6}" type="datetimeFigureOut">
               <a:rPr lang="zh-CN" altLang="en-US" smtClean="0"/>
-              <a:t>2015/12/31</a:t>
+              <a:t>2016/1/3</a:t>
             </a:fld>
             <a:endParaRPr lang="zh-CN" altLang="en-US"/>
           </a:p>
@@ -13674,1041 +13680,6 @@
       </p:grpSpPr>
       <p:sp>
         <p:nvSpPr>
-          <p:cNvPr id="125" name="矩形 124"/>
-          <p:cNvSpPr/>
-          <p:nvPr/>
-        </p:nvSpPr>
-        <p:spPr>
-          <a:xfrm>
-            <a:off x="0" y="4055766"/>
-            <a:ext cx="12192000" cy="2817091"/>
-          </a:xfrm>
-          <a:prstGeom prst="rect">
-            <a:avLst/>
-          </a:prstGeom>
-          <a:solidFill>
-            <a:schemeClr val="accent6">
-              <a:lumMod val="40000"/>
-              <a:lumOff val="60000"/>
-            </a:schemeClr>
-          </a:solidFill>
-          <a:ln>
-            <a:noFill/>
-            <a:prstDash val="dash"/>
-          </a:ln>
-        </p:spPr>
-        <p:style>
-          <a:lnRef idx="2">
-            <a:schemeClr val="accent1">
-              <a:shade val="50000"/>
-            </a:schemeClr>
-          </a:lnRef>
-          <a:fillRef idx="1">
-            <a:schemeClr val="accent1"/>
-          </a:fillRef>
-          <a:effectRef idx="0">
-            <a:schemeClr val="accent1"/>
-          </a:effectRef>
-          <a:fontRef idx="minor">
-            <a:schemeClr val="lt1"/>
-          </a:fontRef>
-        </p:style>
-        <p:txBody>
-          <a:bodyPr rtlCol="0" anchor="ctr"/>
-          <a:lstStyle/>
-          <a:p>
-            <a:r>
-              <a:rPr lang="zh-CN" altLang="en-US" b="1" dirty="0" smtClean="0">
-                <a:solidFill>
-                  <a:srgbClr val="002060"/>
-                </a:solidFill>
-              </a:rPr>
-              <a:t>平台服务</a:t>
-            </a:r>
-            <a:endParaRPr lang="zh-CN" altLang="en-US" b="1" dirty="0">
-              <a:solidFill>
-                <a:srgbClr val="002060"/>
-              </a:solidFill>
-            </a:endParaRPr>
-          </a:p>
-        </p:txBody>
-      </p:sp>
-      <p:sp>
-        <p:nvSpPr>
-          <p:cNvPr id="126" name="圆角矩形 125"/>
-          <p:cNvSpPr/>
-          <p:nvPr/>
-        </p:nvSpPr>
-        <p:spPr>
-          <a:xfrm>
-            <a:off x="1350056" y="5856172"/>
-            <a:ext cx="5653989" cy="1001828"/>
-          </a:xfrm>
-          <a:prstGeom prst="roundRect">
-            <a:avLst/>
-          </a:prstGeom>
-          <a:noFill/>
-          <a:ln>
-            <a:solidFill>
-              <a:schemeClr val="accent1">
-                <a:shade val="50000"/>
-              </a:schemeClr>
-            </a:solidFill>
-            <a:prstDash val="dash"/>
-          </a:ln>
-        </p:spPr>
-        <p:style>
-          <a:lnRef idx="2">
-            <a:schemeClr val="accent1">
-              <a:shade val="50000"/>
-            </a:schemeClr>
-          </a:lnRef>
-          <a:fillRef idx="1">
-            <a:schemeClr val="accent1"/>
-          </a:fillRef>
-          <a:effectRef idx="0">
-            <a:schemeClr val="accent1"/>
-          </a:effectRef>
-          <a:fontRef idx="minor">
-            <a:schemeClr val="lt1"/>
-          </a:fontRef>
-        </p:style>
-        <p:txBody>
-          <a:bodyPr rtlCol="0" anchor="t"/>
-          <a:lstStyle/>
-          <a:p>
-            <a:pPr algn="ctr"/>
-            <a:r>
-              <a:rPr lang="zh-CN" altLang="en-US" dirty="0" smtClean="0">
-                <a:solidFill>
-                  <a:srgbClr val="002060"/>
-                </a:solidFill>
-              </a:rPr>
-              <a:t>支持长服务的资源管理</a:t>
-            </a:r>
-            <a:r>
-              <a:rPr lang="zh-CN" altLang="en-US" dirty="0">
-                <a:solidFill>
-                  <a:srgbClr val="002060"/>
-                </a:solidFill>
-              </a:rPr>
-              <a:t>子系统</a:t>
-            </a:r>
-          </a:p>
-        </p:txBody>
-      </p:sp>
-      <p:sp>
-        <p:nvSpPr>
-          <p:cNvPr id="127" name="圆角矩形 126"/>
-          <p:cNvSpPr/>
-          <p:nvPr/>
-        </p:nvSpPr>
-        <p:spPr>
-          <a:xfrm>
-            <a:off x="1537081" y="6306191"/>
-            <a:ext cx="1671986" cy="409436"/>
-          </a:xfrm>
-          <a:prstGeom prst="roundRect">
-            <a:avLst/>
-          </a:prstGeom>
-          <a:solidFill>
-            <a:schemeClr val="accent6">
-              <a:lumMod val="75000"/>
-            </a:schemeClr>
-          </a:solidFill>
-        </p:spPr>
-        <p:style>
-          <a:lnRef idx="2">
-            <a:schemeClr val="accent1">
-              <a:shade val="50000"/>
-            </a:schemeClr>
-          </a:lnRef>
-          <a:fillRef idx="1">
-            <a:schemeClr val="accent1"/>
-          </a:fillRef>
-          <a:effectRef idx="0">
-            <a:schemeClr val="accent1"/>
-          </a:effectRef>
-          <a:fontRef idx="minor">
-            <a:schemeClr val="lt1"/>
-          </a:fontRef>
-        </p:style>
-        <p:txBody>
-          <a:bodyPr rtlCol="0" anchor="ctr"/>
-          <a:lstStyle/>
-          <a:p>
-            <a:pPr algn="ctr"/>
-            <a:r>
-              <a:rPr lang="zh-CN" altLang="en-US" dirty="0" smtClean="0"/>
-              <a:t>服务部署</a:t>
-            </a:r>
-            <a:endParaRPr lang="zh-CN" altLang="en-US" dirty="0"/>
-          </a:p>
-        </p:txBody>
-      </p:sp>
-      <p:sp>
-        <p:nvSpPr>
-          <p:cNvPr id="128" name="圆角矩形 127"/>
-          <p:cNvSpPr/>
-          <p:nvPr/>
-        </p:nvSpPr>
-        <p:spPr>
-          <a:xfrm>
-            <a:off x="3326410" y="6333900"/>
-            <a:ext cx="1565856" cy="371311"/>
-          </a:xfrm>
-          <a:prstGeom prst="roundRect">
-            <a:avLst/>
-          </a:prstGeom>
-          <a:solidFill>
-            <a:schemeClr val="accent6">
-              <a:lumMod val="75000"/>
-            </a:schemeClr>
-          </a:solidFill>
-        </p:spPr>
-        <p:style>
-          <a:lnRef idx="2">
-            <a:schemeClr val="accent1">
-              <a:shade val="50000"/>
-            </a:schemeClr>
-          </a:lnRef>
-          <a:fillRef idx="1">
-            <a:schemeClr val="accent1"/>
-          </a:fillRef>
-          <a:effectRef idx="0">
-            <a:schemeClr val="accent1"/>
-          </a:effectRef>
-          <a:fontRef idx="minor">
-            <a:schemeClr val="lt1"/>
-          </a:fontRef>
-        </p:style>
-        <p:txBody>
-          <a:bodyPr rtlCol="0" anchor="ctr"/>
-          <a:lstStyle/>
-          <a:p>
-            <a:pPr algn="ctr"/>
-            <a:r>
-              <a:rPr lang="zh-CN" altLang="en-US" dirty="0" smtClean="0"/>
-              <a:t>日志管理</a:t>
-            </a:r>
-            <a:endParaRPr lang="zh-CN" altLang="en-US" dirty="0"/>
-          </a:p>
-        </p:txBody>
-      </p:sp>
-      <p:sp>
-        <p:nvSpPr>
-          <p:cNvPr id="131" name="圆角矩形 130"/>
-          <p:cNvSpPr/>
-          <p:nvPr/>
-        </p:nvSpPr>
-        <p:spPr>
-          <a:xfrm>
-            <a:off x="4984726" y="6333899"/>
-            <a:ext cx="1887258" cy="371311"/>
-          </a:xfrm>
-          <a:prstGeom prst="roundRect">
-            <a:avLst/>
-          </a:prstGeom>
-          <a:solidFill>
-            <a:schemeClr val="accent6">
-              <a:lumMod val="75000"/>
-            </a:schemeClr>
-          </a:solidFill>
-        </p:spPr>
-        <p:style>
-          <a:lnRef idx="2">
-            <a:schemeClr val="accent1">
-              <a:shade val="50000"/>
-            </a:schemeClr>
-          </a:lnRef>
-          <a:fillRef idx="1">
-            <a:schemeClr val="accent1"/>
-          </a:fillRef>
-          <a:effectRef idx="0">
-            <a:schemeClr val="accent1"/>
-          </a:effectRef>
-          <a:fontRef idx="minor">
-            <a:schemeClr val="lt1"/>
-          </a:fontRef>
-        </p:style>
-        <p:txBody>
-          <a:bodyPr rtlCol="0" anchor="ctr"/>
-          <a:lstStyle/>
-          <a:p>
-            <a:pPr algn="ctr"/>
-            <a:r>
-              <a:rPr lang="zh-CN" altLang="en-US" dirty="0" smtClean="0"/>
-              <a:t>容器资源变更</a:t>
-            </a:r>
-            <a:endParaRPr lang="zh-CN" altLang="en-US" dirty="0"/>
-          </a:p>
-        </p:txBody>
-      </p:sp>
-      <p:sp>
-        <p:nvSpPr>
-          <p:cNvPr id="132" name="圆角矩形 131"/>
-          <p:cNvSpPr/>
-          <p:nvPr/>
-        </p:nvSpPr>
-        <p:spPr>
-          <a:xfrm>
-            <a:off x="1350056" y="4236009"/>
-            <a:ext cx="5634027" cy="1499773"/>
-          </a:xfrm>
-          <a:prstGeom prst="roundRect">
-            <a:avLst/>
-          </a:prstGeom>
-          <a:noFill/>
-          <a:ln>
-            <a:solidFill>
-              <a:schemeClr val="accent1">
-                <a:shade val="50000"/>
-              </a:schemeClr>
-            </a:solidFill>
-            <a:prstDash val="dash"/>
-          </a:ln>
-        </p:spPr>
-        <p:style>
-          <a:lnRef idx="2">
-            <a:schemeClr val="accent1">
-              <a:shade val="50000"/>
-            </a:schemeClr>
-          </a:lnRef>
-          <a:fillRef idx="1">
-            <a:schemeClr val="accent1"/>
-          </a:fillRef>
-          <a:effectRef idx="0">
-            <a:schemeClr val="accent1"/>
-          </a:effectRef>
-          <a:fontRef idx="minor">
-            <a:schemeClr val="lt1"/>
-          </a:fontRef>
-        </p:style>
-        <p:txBody>
-          <a:bodyPr rtlCol="0" anchor="t"/>
-          <a:lstStyle/>
-          <a:p>
-            <a:pPr algn="ctr"/>
-            <a:r>
-              <a:rPr lang="zh-CN" altLang="en-US" dirty="0" smtClean="0">
-                <a:solidFill>
-                  <a:srgbClr val="002060"/>
-                </a:solidFill>
-              </a:rPr>
-              <a:t>微服务治理</a:t>
-            </a:r>
-            <a:endParaRPr lang="zh-CN" altLang="en-US" dirty="0">
-              <a:solidFill>
-                <a:srgbClr val="002060"/>
-              </a:solidFill>
-            </a:endParaRPr>
-          </a:p>
-        </p:txBody>
-      </p:sp>
-      <p:sp>
-        <p:nvSpPr>
-          <p:cNvPr id="133" name="圆角矩形 132"/>
-          <p:cNvSpPr/>
-          <p:nvPr/>
-        </p:nvSpPr>
-        <p:spPr>
-          <a:xfrm>
-            <a:off x="1777109" y="4655297"/>
-            <a:ext cx="1441216" cy="409436"/>
-          </a:xfrm>
-          <a:prstGeom prst="roundRect">
-            <a:avLst/>
-          </a:prstGeom>
-          <a:solidFill>
-            <a:schemeClr val="accent6">
-              <a:lumMod val="75000"/>
-            </a:schemeClr>
-          </a:solidFill>
-        </p:spPr>
-        <p:style>
-          <a:lnRef idx="2">
-            <a:schemeClr val="accent1">
-              <a:shade val="50000"/>
-            </a:schemeClr>
-          </a:lnRef>
-          <a:fillRef idx="1">
-            <a:schemeClr val="accent1"/>
-          </a:fillRef>
-          <a:effectRef idx="0">
-            <a:schemeClr val="accent1"/>
-          </a:effectRef>
-          <a:fontRef idx="minor">
-            <a:schemeClr val="lt1"/>
-          </a:fontRef>
-        </p:style>
-        <p:txBody>
-          <a:bodyPr rtlCol="0" anchor="ctr"/>
-          <a:lstStyle/>
-          <a:p>
-            <a:pPr algn="ctr"/>
-            <a:r>
-              <a:rPr lang="zh-CN" altLang="en-US" dirty="0" smtClean="0"/>
-              <a:t>服务注册</a:t>
-            </a:r>
-            <a:endParaRPr lang="zh-CN" altLang="en-US" dirty="0"/>
-          </a:p>
-        </p:txBody>
-      </p:sp>
-      <p:sp>
-        <p:nvSpPr>
-          <p:cNvPr id="134" name="圆角矩形 133"/>
-          <p:cNvSpPr/>
-          <p:nvPr/>
-        </p:nvSpPr>
-        <p:spPr>
-          <a:xfrm>
-            <a:off x="3644900" y="4703508"/>
-            <a:ext cx="1481282" cy="409436"/>
-          </a:xfrm>
-          <a:prstGeom prst="roundRect">
-            <a:avLst/>
-          </a:prstGeom>
-          <a:solidFill>
-            <a:schemeClr val="accent6">
-              <a:lumMod val="75000"/>
-            </a:schemeClr>
-          </a:solidFill>
-        </p:spPr>
-        <p:style>
-          <a:lnRef idx="2">
-            <a:schemeClr val="accent1">
-              <a:shade val="50000"/>
-            </a:schemeClr>
-          </a:lnRef>
-          <a:fillRef idx="1">
-            <a:schemeClr val="accent1"/>
-          </a:fillRef>
-          <a:effectRef idx="0">
-            <a:schemeClr val="accent1"/>
-          </a:effectRef>
-          <a:fontRef idx="minor">
-            <a:schemeClr val="lt1"/>
-          </a:fontRef>
-        </p:style>
-        <p:txBody>
-          <a:bodyPr rtlCol="0" anchor="ctr"/>
-          <a:lstStyle/>
-          <a:p>
-            <a:pPr algn="ctr"/>
-            <a:r>
-              <a:rPr lang="zh-CN" altLang="en-US" dirty="0" smtClean="0"/>
-              <a:t>服务发现</a:t>
-            </a:r>
-            <a:endParaRPr lang="zh-CN" altLang="en-US" dirty="0"/>
-          </a:p>
-        </p:txBody>
-      </p:sp>
-      <p:sp>
-        <p:nvSpPr>
-          <p:cNvPr id="135" name="圆角矩形 134"/>
-          <p:cNvSpPr/>
-          <p:nvPr/>
-        </p:nvSpPr>
-        <p:spPr>
-          <a:xfrm>
-            <a:off x="1777108" y="5164708"/>
-            <a:ext cx="1441217" cy="409436"/>
-          </a:xfrm>
-          <a:prstGeom prst="roundRect">
-            <a:avLst/>
-          </a:prstGeom>
-          <a:solidFill>
-            <a:schemeClr val="accent6">
-              <a:lumMod val="75000"/>
-            </a:schemeClr>
-          </a:solidFill>
-        </p:spPr>
-        <p:style>
-          <a:lnRef idx="2">
-            <a:schemeClr val="accent1">
-              <a:shade val="50000"/>
-            </a:schemeClr>
-          </a:lnRef>
-          <a:fillRef idx="1">
-            <a:schemeClr val="accent1"/>
-          </a:fillRef>
-          <a:effectRef idx="0">
-            <a:schemeClr val="accent1"/>
-          </a:effectRef>
-          <a:fontRef idx="minor">
-            <a:schemeClr val="lt1"/>
-          </a:fontRef>
-        </p:style>
-        <p:txBody>
-          <a:bodyPr rtlCol="0" anchor="ctr"/>
-          <a:lstStyle/>
-          <a:p>
-            <a:pPr algn="ctr"/>
-            <a:r>
-              <a:rPr lang="zh-CN" altLang="en-US" dirty="0" smtClean="0"/>
-              <a:t>服务监控</a:t>
-            </a:r>
-            <a:endParaRPr lang="zh-CN" altLang="en-US" dirty="0"/>
-          </a:p>
-        </p:txBody>
-      </p:sp>
-      <p:sp>
-        <p:nvSpPr>
-          <p:cNvPr id="136" name="圆角矩形 135"/>
-          <p:cNvSpPr/>
-          <p:nvPr/>
-        </p:nvSpPr>
-        <p:spPr>
-          <a:xfrm>
-            <a:off x="5415238" y="4730550"/>
-            <a:ext cx="1456746" cy="409436"/>
-          </a:xfrm>
-          <a:prstGeom prst="roundRect">
-            <a:avLst/>
-          </a:prstGeom>
-          <a:solidFill>
-            <a:schemeClr val="accent6">
-              <a:lumMod val="75000"/>
-            </a:schemeClr>
-          </a:solidFill>
-        </p:spPr>
-        <p:style>
-          <a:lnRef idx="2">
-            <a:schemeClr val="accent1">
-              <a:shade val="50000"/>
-            </a:schemeClr>
-          </a:lnRef>
-          <a:fillRef idx="1">
-            <a:schemeClr val="accent1"/>
-          </a:fillRef>
-          <a:effectRef idx="0">
-            <a:schemeClr val="accent1"/>
-          </a:effectRef>
-          <a:fontRef idx="minor">
-            <a:schemeClr val="lt1"/>
-          </a:fontRef>
-        </p:style>
-        <p:txBody>
-          <a:bodyPr rtlCol="0" anchor="ctr"/>
-          <a:lstStyle/>
-          <a:p>
-            <a:pPr algn="ctr"/>
-            <a:r>
-              <a:rPr lang="zh-CN" altLang="en-US" dirty="0" smtClean="0"/>
-              <a:t>调用统计</a:t>
-            </a:r>
-            <a:endParaRPr lang="zh-CN" altLang="en-US" dirty="0"/>
-          </a:p>
-        </p:txBody>
-      </p:sp>
-      <p:sp>
-        <p:nvSpPr>
-          <p:cNvPr id="137" name="圆角矩形 136"/>
-          <p:cNvSpPr/>
-          <p:nvPr/>
-        </p:nvSpPr>
-        <p:spPr>
-          <a:xfrm>
-            <a:off x="5400450" y="5211452"/>
-            <a:ext cx="1471534" cy="409436"/>
-          </a:xfrm>
-          <a:prstGeom prst="roundRect">
-            <a:avLst/>
-          </a:prstGeom>
-          <a:solidFill>
-            <a:schemeClr val="accent6">
-              <a:lumMod val="75000"/>
-            </a:schemeClr>
-          </a:solidFill>
-        </p:spPr>
-        <p:style>
-          <a:lnRef idx="2">
-            <a:schemeClr val="accent1">
-              <a:shade val="50000"/>
-            </a:schemeClr>
-          </a:lnRef>
-          <a:fillRef idx="1">
-            <a:schemeClr val="accent1"/>
-          </a:fillRef>
-          <a:effectRef idx="0">
-            <a:schemeClr val="accent1"/>
-          </a:effectRef>
-          <a:fontRef idx="minor">
-            <a:schemeClr val="lt1"/>
-          </a:fontRef>
-        </p:style>
-        <p:txBody>
-          <a:bodyPr rtlCol="0" anchor="ctr"/>
-          <a:lstStyle/>
-          <a:p>
-            <a:pPr algn="ctr"/>
-            <a:r>
-              <a:rPr lang="zh-CN" altLang="en-US" dirty="0" smtClean="0"/>
-              <a:t>容量评估</a:t>
-            </a:r>
-            <a:endParaRPr lang="zh-CN" altLang="en-US" dirty="0"/>
-          </a:p>
-        </p:txBody>
-      </p:sp>
-      <p:sp>
-        <p:nvSpPr>
-          <p:cNvPr id="138" name="圆角矩形 137"/>
-          <p:cNvSpPr/>
-          <p:nvPr/>
-        </p:nvSpPr>
-        <p:spPr>
-          <a:xfrm>
-            <a:off x="3644900" y="5177729"/>
-            <a:ext cx="1481281" cy="409436"/>
-          </a:xfrm>
-          <a:prstGeom prst="roundRect">
-            <a:avLst/>
-          </a:prstGeom>
-          <a:solidFill>
-            <a:schemeClr val="accent6">
-              <a:lumMod val="75000"/>
-            </a:schemeClr>
-          </a:solidFill>
-        </p:spPr>
-        <p:style>
-          <a:lnRef idx="2">
-            <a:schemeClr val="accent1">
-              <a:shade val="50000"/>
-            </a:schemeClr>
-          </a:lnRef>
-          <a:fillRef idx="1">
-            <a:schemeClr val="accent1"/>
-          </a:fillRef>
-          <a:effectRef idx="0">
-            <a:schemeClr val="accent1"/>
-          </a:effectRef>
-          <a:fontRef idx="minor">
-            <a:schemeClr val="lt1"/>
-          </a:fontRef>
-        </p:style>
-        <p:txBody>
-          <a:bodyPr rtlCol="0" anchor="ctr"/>
-          <a:lstStyle/>
-          <a:p>
-            <a:pPr algn="ctr"/>
-            <a:r>
-              <a:rPr lang="zh-CN" altLang="en-US" dirty="0" smtClean="0"/>
-              <a:t>水平扩展</a:t>
-            </a:r>
-            <a:endParaRPr lang="zh-CN" altLang="en-US" dirty="0"/>
-          </a:p>
-        </p:txBody>
-      </p:sp>
-      <p:sp>
-        <p:nvSpPr>
-          <p:cNvPr id="139" name="圆角矩形 138"/>
-          <p:cNvSpPr/>
-          <p:nvPr/>
-        </p:nvSpPr>
-        <p:spPr>
-          <a:xfrm>
-            <a:off x="7130849" y="4227760"/>
-            <a:ext cx="1987751" cy="2630239"/>
-          </a:xfrm>
-          <a:prstGeom prst="roundRect">
-            <a:avLst/>
-          </a:prstGeom>
-          <a:noFill/>
-          <a:ln>
-            <a:solidFill>
-              <a:schemeClr val="accent1">
-                <a:shade val="50000"/>
-              </a:schemeClr>
-            </a:solidFill>
-            <a:prstDash val="dash"/>
-          </a:ln>
-        </p:spPr>
-        <p:style>
-          <a:lnRef idx="2">
-            <a:schemeClr val="accent1">
-              <a:shade val="50000"/>
-            </a:schemeClr>
-          </a:lnRef>
-          <a:fillRef idx="1">
-            <a:schemeClr val="accent1"/>
-          </a:fillRef>
-          <a:effectRef idx="0">
-            <a:schemeClr val="accent1"/>
-          </a:effectRef>
-          <a:fontRef idx="minor">
-            <a:schemeClr val="lt1"/>
-          </a:fontRef>
-        </p:style>
-        <p:txBody>
-          <a:bodyPr rtlCol="0" anchor="t"/>
-          <a:lstStyle/>
-          <a:p>
-            <a:pPr algn="ctr"/>
-            <a:endParaRPr lang="zh-CN" altLang="en-US" dirty="0">
-              <a:solidFill>
-                <a:srgbClr val="002060"/>
-              </a:solidFill>
-            </a:endParaRPr>
-          </a:p>
-        </p:txBody>
-      </p:sp>
-      <p:sp>
-        <p:nvSpPr>
-          <p:cNvPr id="140" name="圆角矩形 139"/>
-          <p:cNvSpPr/>
-          <p:nvPr/>
-        </p:nvSpPr>
-        <p:spPr>
-          <a:xfrm>
-            <a:off x="7285780" y="4792532"/>
-            <a:ext cx="1636237" cy="623638"/>
-          </a:xfrm>
-          <a:prstGeom prst="roundRect">
-            <a:avLst/>
-          </a:prstGeom>
-          <a:solidFill>
-            <a:schemeClr val="accent6">
-              <a:lumMod val="75000"/>
-            </a:schemeClr>
-          </a:solidFill>
-        </p:spPr>
-        <p:style>
-          <a:lnRef idx="2">
-            <a:schemeClr val="accent1">
-              <a:shade val="50000"/>
-            </a:schemeClr>
-          </a:lnRef>
-          <a:fillRef idx="1">
-            <a:schemeClr val="accent1"/>
-          </a:fillRef>
-          <a:effectRef idx="0">
-            <a:schemeClr val="accent1"/>
-          </a:effectRef>
-          <a:fontRef idx="minor">
-            <a:schemeClr val="lt1"/>
-          </a:fontRef>
-        </p:style>
-        <p:txBody>
-          <a:bodyPr rtlCol="0" anchor="ctr"/>
-          <a:lstStyle/>
-          <a:p>
-            <a:pPr algn="ctr"/>
-            <a:r>
-              <a:rPr lang="zh-CN" altLang="en-US" dirty="0" smtClean="0"/>
-              <a:t>消息队列服务</a:t>
-            </a:r>
-            <a:endParaRPr lang="zh-CN" altLang="en-US" dirty="0"/>
-          </a:p>
-        </p:txBody>
-      </p:sp>
-      <p:sp>
-        <p:nvSpPr>
-          <p:cNvPr id="141" name="圆角矩形 140"/>
-          <p:cNvSpPr/>
-          <p:nvPr/>
-        </p:nvSpPr>
-        <p:spPr>
-          <a:xfrm>
-            <a:off x="9378532" y="4227761"/>
-            <a:ext cx="2718872" cy="2487866"/>
-          </a:xfrm>
-          <a:prstGeom prst="roundRect">
-            <a:avLst/>
-          </a:prstGeom>
-          <a:noFill/>
-          <a:ln>
-            <a:solidFill>
-              <a:schemeClr val="accent1">
-                <a:shade val="50000"/>
-              </a:schemeClr>
-            </a:solidFill>
-            <a:prstDash val="dash"/>
-          </a:ln>
-        </p:spPr>
-        <p:style>
-          <a:lnRef idx="2">
-            <a:schemeClr val="accent1">
-              <a:shade val="50000"/>
-            </a:schemeClr>
-          </a:lnRef>
-          <a:fillRef idx="1">
-            <a:schemeClr val="accent1"/>
-          </a:fillRef>
-          <a:effectRef idx="0">
-            <a:schemeClr val="accent1"/>
-          </a:effectRef>
-          <a:fontRef idx="minor">
-            <a:schemeClr val="lt1"/>
-          </a:fontRef>
-        </p:style>
-        <p:txBody>
-          <a:bodyPr rtlCol="0" anchor="t"/>
-          <a:lstStyle/>
-          <a:p>
-            <a:pPr algn="ctr"/>
-            <a:r>
-              <a:rPr lang="zh-CN" altLang="en-US" dirty="0" smtClean="0">
-                <a:solidFill>
-                  <a:srgbClr val="002060"/>
-                </a:solidFill>
-              </a:rPr>
-              <a:t>数据存储服务</a:t>
-            </a:r>
-            <a:endParaRPr lang="zh-CN" altLang="en-US" dirty="0">
-              <a:solidFill>
-                <a:srgbClr val="002060"/>
-              </a:solidFill>
-            </a:endParaRPr>
-          </a:p>
-        </p:txBody>
-      </p:sp>
-      <p:sp>
-        <p:nvSpPr>
-          <p:cNvPr id="142" name="圆角矩形 141"/>
-          <p:cNvSpPr/>
-          <p:nvPr/>
-        </p:nvSpPr>
-        <p:spPr>
-          <a:xfrm>
-            <a:off x="9494263" y="5020374"/>
-            <a:ext cx="1186437" cy="449813"/>
-          </a:xfrm>
-          <a:prstGeom prst="roundRect">
-            <a:avLst/>
-          </a:prstGeom>
-          <a:solidFill>
-            <a:schemeClr val="accent6">
-              <a:lumMod val="75000"/>
-            </a:schemeClr>
-          </a:solidFill>
-        </p:spPr>
-        <p:style>
-          <a:lnRef idx="2">
-            <a:schemeClr val="accent1">
-              <a:shade val="50000"/>
-            </a:schemeClr>
-          </a:lnRef>
-          <a:fillRef idx="1">
-            <a:schemeClr val="accent1"/>
-          </a:fillRef>
-          <a:effectRef idx="0">
-            <a:schemeClr val="accent1"/>
-          </a:effectRef>
-          <a:fontRef idx="minor">
-            <a:schemeClr val="lt1"/>
-          </a:fontRef>
-        </p:style>
-        <p:txBody>
-          <a:bodyPr rtlCol="0" anchor="ctr"/>
-          <a:lstStyle/>
-          <a:p>
-            <a:pPr algn="ctr"/>
-            <a:r>
-              <a:rPr lang="zh-CN" altLang="en-US" dirty="0" smtClean="0"/>
-              <a:t>数据缓存</a:t>
-            </a:r>
-            <a:endParaRPr lang="zh-CN" altLang="en-US" dirty="0"/>
-          </a:p>
-        </p:txBody>
-      </p:sp>
-      <p:sp>
-        <p:nvSpPr>
-          <p:cNvPr id="143" name="圆角矩形 142"/>
-          <p:cNvSpPr/>
-          <p:nvPr/>
-        </p:nvSpPr>
-        <p:spPr>
-          <a:xfrm>
-            <a:off x="9513431" y="5711115"/>
-            <a:ext cx="1186437" cy="738180"/>
-          </a:xfrm>
-          <a:prstGeom prst="roundRect">
-            <a:avLst/>
-          </a:prstGeom>
-          <a:solidFill>
-            <a:schemeClr val="accent6">
-              <a:lumMod val="75000"/>
-            </a:schemeClr>
-          </a:solidFill>
-        </p:spPr>
-        <p:style>
-          <a:lnRef idx="2">
-            <a:schemeClr val="accent1">
-              <a:shade val="50000"/>
-            </a:schemeClr>
-          </a:lnRef>
-          <a:fillRef idx="1">
-            <a:schemeClr val="accent1"/>
-          </a:fillRef>
-          <a:effectRef idx="0">
-            <a:schemeClr val="accent1"/>
-          </a:effectRef>
-          <a:fontRef idx="minor">
-            <a:schemeClr val="lt1"/>
-          </a:fontRef>
-        </p:style>
-        <p:txBody>
-          <a:bodyPr rtlCol="0" anchor="ctr"/>
-          <a:lstStyle/>
-          <a:p>
-            <a:pPr algn="ctr"/>
-            <a:r>
-              <a:rPr lang="zh-CN" altLang="en-US" dirty="0" smtClean="0"/>
-              <a:t>关系型数据存储</a:t>
-            </a:r>
-            <a:endParaRPr lang="zh-CN" altLang="en-US" dirty="0"/>
-          </a:p>
-        </p:txBody>
-      </p:sp>
-      <p:sp>
-        <p:nvSpPr>
-          <p:cNvPr id="144" name="圆角矩形 143"/>
-          <p:cNvSpPr/>
-          <p:nvPr/>
-        </p:nvSpPr>
-        <p:spPr>
-          <a:xfrm>
-            <a:off x="10795236" y="5712695"/>
-            <a:ext cx="1186437" cy="738180"/>
-          </a:xfrm>
-          <a:prstGeom prst="roundRect">
-            <a:avLst/>
-          </a:prstGeom>
-          <a:solidFill>
-            <a:schemeClr val="accent6">
-              <a:lumMod val="75000"/>
-            </a:schemeClr>
-          </a:solidFill>
-        </p:spPr>
-        <p:style>
-          <a:lnRef idx="2">
-            <a:schemeClr val="accent1">
-              <a:shade val="50000"/>
-            </a:schemeClr>
-          </a:lnRef>
-          <a:fillRef idx="1">
-            <a:schemeClr val="accent1"/>
-          </a:fillRef>
-          <a:effectRef idx="0">
-            <a:schemeClr val="accent1"/>
-          </a:effectRef>
-          <a:fontRef idx="minor">
-            <a:schemeClr val="lt1"/>
-          </a:fontRef>
-        </p:style>
-        <p:txBody>
-          <a:bodyPr rtlCol="0" anchor="ctr"/>
-          <a:lstStyle/>
-          <a:p>
-            <a:pPr algn="ctr"/>
-            <a:r>
-              <a:rPr lang="zh-CN" altLang="en-US" dirty="0" smtClean="0"/>
-              <a:t>文档型数据存储</a:t>
-            </a:r>
-            <a:endParaRPr lang="zh-CN" altLang="en-US" dirty="0"/>
-          </a:p>
-        </p:txBody>
-      </p:sp>
-      <p:sp>
-        <p:nvSpPr>
-          <p:cNvPr id="145" name="圆角矩形 144"/>
-          <p:cNvSpPr/>
-          <p:nvPr/>
-        </p:nvSpPr>
-        <p:spPr>
-          <a:xfrm>
-            <a:off x="10795236" y="5015163"/>
-            <a:ext cx="1186437" cy="449813"/>
-          </a:xfrm>
-          <a:prstGeom prst="roundRect">
-            <a:avLst/>
-          </a:prstGeom>
-          <a:solidFill>
-            <a:schemeClr val="accent6">
-              <a:lumMod val="75000"/>
-            </a:schemeClr>
-          </a:solidFill>
-        </p:spPr>
-        <p:style>
-          <a:lnRef idx="2">
-            <a:schemeClr val="accent1">
-              <a:shade val="50000"/>
-            </a:schemeClr>
-          </a:lnRef>
-          <a:fillRef idx="1">
-            <a:schemeClr val="accent1"/>
-          </a:fillRef>
-          <a:effectRef idx="0">
-            <a:schemeClr val="accent1"/>
-          </a:effectRef>
-          <a:fontRef idx="minor">
-            <a:schemeClr val="lt1"/>
-          </a:fontRef>
-        </p:style>
-        <p:txBody>
-          <a:bodyPr rtlCol="0" anchor="ctr"/>
-          <a:lstStyle/>
-          <a:p>
-            <a:pPr algn="ctr"/>
-            <a:r>
-              <a:rPr lang="zh-CN" altLang="en-US" dirty="0" smtClean="0"/>
-              <a:t>文件存储</a:t>
-            </a:r>
-            <a:endParaRPr lang="zh-CN" altLang="en-US" dirty="0"/>
-          </a:p>
-        </p:txBody>
-      </p:sp>
-      <p:sp>
-        <p:nvSpPr>
-          <p:cNvPr id="146" name="圆角矩形 145"/>
-          <p:cNvSpPr/>
-          <p:nvPr/>
-        </p:nvSpPr>
-        <p:spPr>
-          <a:xfrm>
-            <a:off x="7306605" y="6000006"/>
-            <a:ext cx="1636237" cy="564591"/>
-          </a:xfrm>
-          <a:prstGeom prst="roundRect">
-            <a:avLst/>
-          </a:prstGeom>
-          <a:solidFill>
-            <a:schemeClr val="accent6">
-              <a:lumMod val="75000"/>
-            </a:schemeClr>
-          </a:solidFill>
-        </p:spPr>
-        <p:style>
-          <a:lnRef idx="2">
-            <a:schemeClr val="accent1">
-              <a:shade val="50000"/>
-            </a:schemeClr>
-          </a:lnRef>
-          <a:fillRef idx="1">
-            <a:schemeClr val="accent1"/>
-          </a:fillRef>
-          <a:effectRef idx="0">
-            <a:schemeClr val="accent1"/>
-          </a:effectRef>
-          <a:fontRef idx="minor">
-            <a:schemeClr val="lt1"/>
-          </a:fontRef>
-        </p:style>
-        <p:txBody>
-          <a:bodyPr rtlCol="0" anchor="ctr"/>
-          <a:lstStyle/>
-          <a:p>
-            <a:pPr algn="ctr"/>
-            <a:r>
-              <a:rPr lang="zh-CN" altLang="en-US" dirty="0" smtClean="0"/>
-              <a:t>应用协调服务</a:t>
-            </a:r>
-            <a:endParaRPr lang="zh-CN" altLang="en-US" dirty="0"/>
-          </a:p>
-        </p:txBody>
-      </p:sp>
-      <p:sp>
-        <p:nvSpPr>
           <p:cNvPr id="148" name="矩形 147"/>
           <p:cNvSpPr/>
           <p:nvPr/>
@@ -14716,7 +13687,7 @@
         <p:spPr>
           <a:xfrm>
             <a:off x="0" y="1434893"/>
-            <a:ext cx="12192000" cy="2726704"/>
+            <a:ext cx="12192000" cy="5423106"/>
           </a:xfrm>
           <a:prstGeom prst="rect">
             <a:avLst/>
@@ -14758,28 +13729,987 @@
                   <a:srgbClr val="002060"/>
                 </a:solidFill>
               </a:rPr>
-              <a:t>应用</a:t>
-            </a:r>
-            <a:endParaRPr lang="en-US" altLang="zh-CN" b="1" dirty="0" smtClean="0">
-              <a:solidFill>
-                <a:srgbClr val="002060"/>
-              </a:solidFill>
-            </a:endParaRPr>
-          </a:p>
-          <a:p>
-            <a:r>
-              <a:rPr lang="zh-CN" altLang="en-US" b="1" dirty="0" smtClean="0">
-                <a:solidFill>
-                  <a:srgbClr val="002060"/>
-                </a:solidFill>
-              </a:rPr>
-              <a:t>通用服务</a:t>
+              <a:t>平台服务</a:t>
             </a:r>
             <a:endParaRPr lang="zh-CN" altLang="en-US" b="1" dirty="0">
               <a:solidFill>
                 <a:srgbClr val="002060"/>
               </a:solidFill>
             </a:endParaRPr>
+          </a:p>
+        </p:txBody>
+      </p:sp>
+      <p:sp>
+        <p:nvSpPr>
+          <p:cNvPr id="126" name="圆角矩形 125"/>
+          <p:cNvSpPr/>
+          <p:nvPr/>
+        </p:nvSpPr>
+        <p:spPr>
+          <a:xfrm>
+            <a:off x="1350056" y="5856172"/>
+            <a:ext cx="5653989" cy="1001828"/>
+          </a:xfrm>
+          <a:prstGeom prst="roundRect">
+            <a:avLst/>
+          </a:prstGeom>
+          <a:noFill/>
+          <a:ln>
+            <a:solidFill>
+              <a:schemeClr val="accent1">
+                <a:shade val="50000"/>
+              </a:schemeClr>
+            </a:solidFill>
+            <a:prstDash val="dash"/>
+          </a:ln>
+        </p:spPr>
+        <p:style>
+          <a:lnRef idx="2">
+            <a:schemeClr val="accent1">
+              <a:shade val="50000"/>
+            </a:schemeClr>
+          </a:lnRef>
+          <a:fillRef idx="1">
+            <a:schemeClr val="accent1"/>
+          </a:fillRef>
+          <a:effectRef idx="0">
+            <a:schemeClr val="accent1"/>
+          </a:effectRef>
+          <a:fontRef idx="minor">
+            <a:schemeClr val="lt1"/>
+          </a:fontRef>
+        </p:style>
+        <p:txBody>
+          <a:bodyPr rtlCol="0" anchor="t"/>
+          <a:lstStyle/>
+          <a:p>
+            <a:pPr algn="ctr"/>
+            <a:r>
+              <a:rPr lang="zh-CN" altLang="en-US" dirty="0" smtClean="0">
+                <a:solidFill>
+                  <a:srgbClr val="002060"/>
+                </a:solidFill>
+              </a:rPr>
+              <a:t>支持长服务的资源管理</a:t>
+            </a:r>
+            <a:r>
+              <a:rPr lang="zh-CN" altLang="en-US" dirty="0">
+                <a:solidFill>
+                  <a:srgbClr val="002060"/>
+                </a:solidFill>
+              </a:rPr>
+              <a:t>子系统</a:t>
+            </a:r>
+          </a:p>
+        </p:txBody>
+      </p:sp>
+      <p:sp>
+        <p:nvSpPr>
+          <p:cNvPr id="127" name="圆角矩形 126"/>
+          <p:cNvSpPr/>
+          <p:nvPr/>
+        </p:nvSpPr>
+        <p:spPr>
+          <a:xfrm>
+            <a:off x="1537081" y="6306191"/>
+            <a:ext cx="1671986" cy="409436"/>
+          </a:xfrm>
+          <a:prstGeom prst="roundRect">
+            <a:avLst/>
+          </a:prstGeom>
+          <a:solidFill>
+            <a:schemeClr val="accent6">
+              <a:lumMod val="75000"/>
+            </a:schemeClr>
+          </a:solidFill>
+        </p:spPr>
+        <p:style>
+          <a:lnRef idx="2">
+            <a:schemeClr val="accent1">
+              <a:shade val="50000"/>
+            </a:schemeClr>
+          </a:lnRef>
+          <a:fillRef idx="1">
+            <a:schemeClr val="accent1"/>
+          </a:fillRef>
+          <a:effectRef idx="0">
+            <a:schemeClr val="accent1"/>
+          </a:effectRef>
+          <a:fontRef idx="minor">
+            <a:schemeClr val="lt1"/>
+          </a:fontRef>
+        </p:style>
+        <p:txBody>
+          <a:bodyPr rtlCol="0" anchor="ctr"/>
+          <a:lstStyle/>
+          <a:p>
+            <a:pPr algn="ctr"/>
+            <a:r>
+              <a:rPr lang="zh-CN" altLang="en-US" dirty="0" smtClean="0"/>
+              <a:t>服务部署</a:t>
+            </a:r>
+            <a:endParaRPr lang="zh-CN" altLang="en-US" dirty="0"/>
+          </a:p>
+        </p:txBody>
+      </p:sp>
+      <p:sp>
+        <p:nvSpPr>
+          <p:cNvPr id="128" name="圆角矩形 127"/>
+          <p:cNvSpPr/>
+          <p:nvPr/>
+        </p:nvSpPr>
+        <p:spPr>
+          <a:xfrm>
+            <a:off x="3326410" y="6333900"/>
+            <a:ext cx="1565856" cy="371311"/>
+          </a:xfrm>
+          <a:prstGeom prst="roundRect">
+            <a:avLst/>
+          </a:prstGeom>
+          <a:solidFill>
+            <a:schemeClr val="accent6">
+              <a:lumMod val="75000"/>
+            </a:schemeClr>
+          </a:solidFill>
+        </p:spPr>
+        <p:style>
+          <a:lnRef idx="2">
+            <a:schemeClr val="accent1">
+              <a:shade val="50000"/>
+            </a:schemeClr>
+          </a:lnRef>
+          <a:fillRef idx="1">
+            <a:schemeClr val="accent1"/>
+          </a:fillRef>
+          <a:effectRef idx="0">
+            <a:schemeClr val="accent1"/>
+          </a:effectRef>
+          <a:fontRef idx="minor">
+            <a:schemeClr val="lt1"/>
+          </a:fontRef>
+        </p:style>
+        <p:txBody>
+          <a:bodyPr rtlCol="0" anchor="ctr"/>
+          <a:lstStyle/>
+          <a:p>
+            <a:pPr algn="ctr"/>
+            <a:r>
+              <a:rPr lang="zh-CN" altLang="en-US" dirty="0" smtClean="0"/>
+              <a:t>日志管理</a:t>
+            </a:r>
+            <a:endParaRPr lang="zh-CN" altLang="en-US" dirty="0"/>
+          </a:p>
+        </p:txBody>
+      </p:sp>
+      <p:sp>
+        <p:nvSpPr>
+          <p:cNvPr id="131" name="圆角矩形 130"/>
+          <p:cNvSpPr/>
+          <p:nvPr/>
+        </p:nvSpPr>
+        <p:spPr>
+          <a:xfrm>
+            <a:off x="4984726" y="6333899"/>
+            <a:ext cx="1887258" cy="371311"/>
+          </a:xfrm>
+          <a:prstGeom prst="roundRect">
+            <a:avLst/>
+          </a:prstGeom>
+          <a:solidFill>
+            <a:schemeClr val="accent6">
+              <a:lumMod val="75000"/>
+            </a:schemeClr>
+          </a:solidFill>
+        </p:spPr>
+        <p:style>
+          <a:lnRef idx="2">
+            <a:schemeClr val="accent1">
+              <a:shade val="50000"/>
+            </a:schemeClr>
+          </a:lnRef>
+          <a:fillRef idx="1">
+            <a:schemeClr val="accent1"/>
+          </a:fillRef>
+          <a:effectRef idx="0">
+            <a:schemeClr val="accent1"/>
+          </a:effectRef>
+          <a:fontRef idx="minor">
+            <a:schemeClr val="lt1"/>
+          </a:fontRef>
+        </p:style>
+        <p:txBody>
+          <a:bodyPr rtlCol="0" anchor="ctr"/>
+          <a:lstStyle/>
+          <a:p>
+            <a:pPr algn="ctr"/>
+            <a:r>
+              <a:rPr lang="zh-CN" altLang="en-US" dirty="0" smtClean="0"/>
+              <a:t>容器资源变更</a:t>
+            </a:r>
+            <a:endParaRPr lang="zh-CN" altLang="en-US" dirty="0"/>
+          </a:p>
+        </p:txBody>
+      </p:sp>
+      <p:sp>
+        <p:nvSpPr>
+          <p:cNvPr id="132" name="圆角矩形 131"/>
+          <p:cNvSpPr/>
+          <p:nvPr/>
+        </p:nvSpPr>
+        <p:spPr>
+          <a:xfrm>
+            <a:off x="1350056" y="4236009"/>
+            <a:ext cx="5634027" cy="1499773"/>
+          </a:xfrm>
+          <a:prstGeom prst="roundRect">
+            <a:avLst/>
+          </a:prstGeom>
+          <a:noFill/>
+          <a:ln>
+            <a:solidFill>
+              <a:schemeClr val="accent1">
+                <a:shade val="50000"/>
+              </a:schemeClr>
+            </a:solidFill>
+            <a:prstDash val="dash"/>
+          </a:ln>
+        </p:spPr>
+        <p:style>
+          <a:lnRef idx="2">
+            <a:schemeClr val="accent1">
+              <a:shade val="50000"/>
+            </a:schemeClr>
+          </a:lnRef>
+          <a:fillRef idx="1">
+            <a:schemeClr val="accent1"/>
+          </a:fillRef>
+          <a:effectRef idx="0">
+            <a:schemeClr val="accent1"/>
+          </a:effectRef>
+          <a:fontRef idx="minor">
+            <a:schemeClr val="lt1"/>
+          </a:fontRef>
+        </p:style>
+        <p:txBody>
+          <a:bodyPr rtlCol="0" anchor="t"/>
+          <a:lstStyle/>
+          <a:p>
+            <a:pPr algn="ctr"/>
+            <a:r>
+              <a:rPr lang="zh-CN" altLang="en-US" dirty="0" smtClean="0">
+                <a:solidFill>
+                  <a:srgbClr val="002060"/>
+                </a:solidFill>
+              </a:rPr>
+              <a:t>微服务治理</a:t>
+            </a:r>
+            <a:endParaRPr lang="zh-CN" altLang="en-US" dirty="0">
+              <a:solidFill>
+                <a:srgbClr val="002060"/>
+              </a:solidFill>
+            </a:endParaRPr>
+          </a:p>
+        </p:txBody>
+      </p:sp>
+      <p:sp>
+        <p:nvSpPr>
+          <p:cNvPr id="133" name="圆角矩形 132"/>
+          <p:cNvSpPr/>
+          <p:nvPr/>
+        </p:nvSpPr>
+        <p:spPr>
+          <a:xfrm>
+            <a:off x="1777109" y="4655297"/>
+            <a:ext cx="1441216" cy="409436"/>
+          </a:xfrm>
+          <a:prstGeom prst="roundRect">
+            <a:avLst/>
+          </a:prstGeom>
+          <a:solidFill>
+            <a:schemeClr val="accent6">
+              <a:lumMod val="75000"/>
+            </a:schemeClr>
+          </a:solidFill>
+        </p:spPr>
+        <p:style>
+          <a:lnRef idx="2">
+            <a:schemeClr val="accent1">
+              <a:shade val="50000"/>
+            </a:schemeClr>
+          </a:lnRef>
+          <a:fillRef idx="1">
+            <a:schemeClr val="accent1"/>
+          </a:fillRef>
+          <a:effectRef idx="0">
+            <a:schemeClr val="accent1"/>
+          </a:effectRef>
+          <a:fontRef idx="minor">
+            <a:schemeClr val="lt1"/>
+          </a:fontRef>
+        </p:style>
+        <p:txBody>
+          <a:bodyPr rtlCol="0" anchor="ctr"/>
+          <a:lstStyle/>
+          <a:p>
+            <a:pPr algn="ctr"/>
+            <a:r>
+              <a:rPr lang="zh-CN" altLang="en-US" dirty="0" smtClean="0"/>
+              <a:t>服务注册</a:t>
+            </a:r>
+            <a:endParaRPr lang="zh-CN" altLang="en-US" dirty="0"/>
+          </a:p>
+        </p:txBody>
+      </p:sp>
+      <p:sp>
+        <p:nvSpPr>
+          <p:cNvPr id="134" name="圆角矩形 133"/>
+          <p:cNvSpPr/>
+          <p:nvPr/>
+        </p:nvSpPr>
+        <p:spPr>
+          <a:xfrm>
+            <a:off x="3644900" y="4703508"/>
+            <a:ext cx="1481282" cy="409436"/>
+          </a:xfrm>
+          <a:prstGeom prst="roundRect">
+            <a:avLst/>
+          </a:prstGeom>
+          <a:solidFill>
+            <a:schemeClr val="accent6">
+              <a:lumMod val="75000"/>
+            </a:schemeClr>
+          </a:solidFill>
+        </p:spPr>
+        <p:style>
+          <a:lnRef idx="2">
+            <a:schemeClr val="accent1">
+              <a:shade val="50000"/>
+            </a:schemeClr>
+          </a:lnRef>
+          <a:fillRef idx="1">
+            <a:schemeClr val="accent1"/>
+          </a:fillRef>
+          <a:effectRef idx="0">
+            <a:schemeClr val="accent1"/>
+          </a:effectRef>
+          <a:fontRef idx="minor">
+            <a:schemeClr val="lt1"/>
+          </a:fontRef>
+        </p:style>
+        <p:txBody>
+          <a:bodyPr rtlCol="0" anchor="ctr"/>
+          <a:lstStyle/>
+          <a:p>
+            <a:pPr algn="ctr"/>
+            <a:r>
+              <a:rPr lang="zh-CN" altLang="en-US" dirty="0" smtClean="0"/>
+              <a:t>服务发现</a:t>
+            </a:r>
+            <a:endParaRPr lang="zh-CN" altLang="en-US" dirty="0"/>
+          </a:p>
+        </p:txBody>
+      </p:sp>
+      <p:sp>
+        <p:nvSpPr>
+          <p:cNvPr id="135" name="圆角矩形 134"/>
+          <p:cNvSpPr/>
+          <p:nvPr/>
+        </p:nvSpPr>
+        <p:spPr>
+          <a:xfrm>
+            <a:off x="1777108" y="5164708"/>
+            <a:ext cx="1441217" cy="409436"/>
+          </a:xfrm>
+          <a:prstGeom prst="roundRect">
+            <a:avLst/>
+          </a:prstGeom>
+          <a:solidFill>
+            <a:schemeClr val="accent6">
+              <a:lumMod val="75000"/>
+            </a:schemeClr>
+          </a:solidFill>
+        </p:spPr>
+        <p:style>
+          <a:lnRef idx="2">
+            <a:schemeClr val="accent1">
+              <a:shade val="50000"/>
+            </a:schemeClr>
+          </a:lnRef>
+          <a:fillRef idx="1">
+            <a:schemeClr val="accent1"/>
+          </a:fillRef>
+          <a:effectRef idx="0">
+            <a:schemeClr val="accent1"/>
+          </a:effectRef>
+          <a:fontRef idx="minor">
+            <a:schemeClr val="lt1"/>
+          </a:fontRef>
+        </p:style>
+        <p:txBody>
+          <a:bodyPr rtlCol="0" anchor="ctr"/>
+          <a:lstStyle/>
+          <a:p>
+            <a:pPr algn="ctr"/>
+            <a:r>
+              <a:rPr lang="zh-CN" altLang="en-US" dirty="0" smtClean="0"/>
+              <a:t>服务监控</a:t>
+            </a:r>
+            <a:endParaRPr lang="zh-CN" altLang="en-US" dirty="0"/>
+          </a:p>
+        </p:txBody>
+      </p:sp>
+      <p:sp>
+        <p:nvSpPr>
+          <p:cNvPr id="136" name="圆角矩形 135"/>
+          <p:cNvSpPr/>
+          <p:nvPr/>
+        </p:nvSpPr>
+        <p:spPr>
+          <a:xfrm>
+            <a:off x="5415238" y="4730550"/>
+            <a:ext cx="1456746" cy="409436"/>
+          </a:xfrm>
+          <a:prstGeom prst="roundRect">
+            <a:avLst/>
+          </a:prstGeom>
+          <a:solidFill>
+            <a:schemeClr val="accent6">
+              <a:lumMod val="75000"/>
+            </a:schemeClr>
+          </a:solidFill>
+        </p:spPr>
+        <p:style>
+          <a:lnRef idx="2">
+            <a:schemeClr val="accent1">
+              <a:shade val="50000"/>
+            </a:schemeClr>
+          </a:lnRef>
+          <a:fillRef idx="1">
+            <a:schemeClr val="accent1"/>
+          </a:fillRef>
+          <a:effectRef idx="0">
+            <a:schemeClr val="accent1"/>
+          </a:effectRef>
+          <a:fontRef idx="minor">
+            <a:schemeClr val="lt1"/>
+          </a:fontRef>
+        </p:style>
+        <p:txBody>
+          <a:bodyPr rtlCol="0" anchor="ctr"/>
+          <a:lstStyle/>
+          <a:p>
+            <a:pPr algn="ctr"/>
+            <a:r>
+              <a:rPr lang="zh-CN" altLang="en-US" dirty="0" smtClean="0"/>
+              <a:t>调用统计</a:t>
+            </a:r>
+            <a:endParaRPr lang="zh-CN" altLang="en-US" dirty="0"/>
+          </a:p>
+        </p:txBody>
+      </p:sp>
+      <p:sp>
+        <p:nvSpPr>
+          <p:cNvPr id="137" name="圆角矩形 136"/>
+          <p:cNvSpPr/>
+          <p:nvPr/>
+        </p:nvSpPr>
+        <p:spPr>
+          <a:xfrm>
+            <a:off x="5400450" y="5211452"/>
+            <a:ext cx="1471534" cy="409436"/>
+          </a:xfrm>
+          <a:prstGeom prst="roundRect">
+            <a:avLst/>
+          </a:prstGeom>
+          <a:solidFill>
+            <a:schemeClr val="accent6">
+              <a:lumMod val="75000"/>
+            </a:schemeClr>
+          </a:solidFill>
+        </p:spPr>
+        <p:style>
+          <a:lnRef idx="2">
+            <a:schemeClr val="accent1">
+              <a:shade val="50000"/>
+            </a:schemeClr>
+          </a:lnRef>
+          <a:fillRef idx="1">
+            <a:schemeClr val="accent1"/>
+          </a:fillRef>
+          <a:effectRef idx="0">
+            <a:schemeClr val="accent1"/>
+          </a:effectRef>
+          <a:fontRef idx="minor">
+            <a:schemeClr val="lt1"/>
+          </a:fontRef>
+        </p:style>
+        <p:txBody>
+          <a:bodyPr rtlCol="0" anchor="ctr"/>
+          <a:lstStyle/>
+          <a:p>
+            <a:pPr algn="ctr"/>
+            <a:r>
+              <a:rPr lang="zh-CN" altLang="en-US" dirty="0" smtClean="0"/>
+              <a:t>容量评估</a:t>
+            </a:r>
+            <a:endParaRPr lang="zh-CN" altLang="en-US" dirty="0"/>
+          </a:p>
+        </p:txBody>
+      </p:sp>
+      <p:sp>
+        <p:nvSpPr>
+          <p:cNvPr id="138" name="圆角矩形 137"/>
+          <p:cNvSpPr/>
+          <p:nvPr/>
+        </p:nvSpPr>
+        <p:spPr>
+          <a:xfrm>
+            <a:off x="3644900" y="5177729"/>
+            <a:ext cx="1481281" cy="409436"/>
+          </a:xfrm>
+          <a:prstGeom prst="roundRect">
+            <a:avLst/>
+          </a:prstGeom>
+          <a:solidFill>
+            <a:schemeClr val="accent6">
+              <a:lumMod val="75000"/>
+            </a:schemeClr>
+          </a:solidFill>
+        </p:spPr>
+        <p:style>
+          <a:lnRef idx="2">
+            <a:schemeClr val="accent1">
+              <a:shade val="50000"/>
+            </a:schemeClr>
+          </a:lnRef>
+          <a:fillRef idx="1">
+            <a:schemeClr val="accent1"/>
+          </a:fillRef>
+          <a:effectRef idx="0">
+            <a:schemeClr val="accent1"/>
+          </a:effectRef>
+          <a:fontRef idx="minor">
+            <a:schemeClr val="lt1"/>
+          </a:fontRef>
+        </p:style>
+        <p:txBody>
+          <a:bodyPr rtlCol="0" anchor="ctr"/>
+          <a:lstStyle/>
+          <a:p>
+            <a:pPr algn="ctr"/>
+            <a:r>
+              <a:rPr lang="zh-CN" altLang="en-US" dirty="0" smtClean="0"/>
+              <a:t>水平扩展</a:t>
+            </a:r>
+            <a:endParaRPr lang="zh-CN" altLang="en-US" dirty="0"/>
+          </a:p>
+        </p:txBody>
+      </p:sp>
+      <p:sp>
+        <p:nvSpPr>
+          <p:cNvPr id="139" name="圆角矩形 138"/>
+          <p:cNvSpPr/>
+          <p:nvPr/>
+        </p:nvSpPr>
+        <p:spPr>
+          <a:xfrm>
+            <a:off x="7130849" y="4227760"/>
+            <a:ext cx="1987751" cy="2630239"/>
+          </a:xfrm>
+          <a:prstGeom prst="roundRect">
+            <a:avLst/>
+          </a:prstGeom>
+          <a:noFill/>
+          <a:ln>
+            <a:solidFill>
+              <a:schemeClr val="accent1">
+                <a:shade val="50000"/>
+              </a:schemeClr>
+            </a:solidFill>
+            <a:prstDash val="dash"/>
+          </a:ln>
+        </p:spPr>
+        <p:style>
+          <a:lnRef idx="2">
+            <a:schemeClr val="accent1">
+              <a:shade val="50000"/>
+            </a:schemeClr>
+          </a:lnRef>
+          <a:fillRef idx="1">
+            <a:schemeClr val="accent1"/>
+          </a:fillRef>
+          <a:effectRef idx="0">
+            <a:schemeClr val="accent1"/>
+          </a:effectRef>
+          <a:fontRef idx="minor">
+            <a:schemeClr val="lt1"/>
+          </a:fontRef>
+        </p:style>
+        <p:txBody>
+          <a:bodyPr rtlCol="0" anchor="t"/>
+          <a:lstStyle/>
+          <a:p>
+            <a:pPr algn="ctr"/>
+            <a:endParaRPr lang="zh-CN" altLang="en-US" dirty="0">
+              <a:solidFill>
+                <a:srgbClr val="002060"/>
+              </a:solidFill>
+            </a:endParaRPr>
+          </a:p>
+        </p:txBody>
+      </p:sp>
+      <p:sp>
+        <p:nvSpPr>
+          <p:cNvPr id="140" name="圆角矩形 139"/>
+          <p:cNvSpPr/>
+          <p:nvPr/>
+        </p:nvSpPr>
+        <p:spPr>
+          <a:xfrm>
+            <a:off x="7285780" y="4792532"/>
+            <a:ext cx="1636237" cy="623638"/>
+          </a:xfrm>
+          <a:prstGeom prst="roundRect">
+            <a:avLst/>
+          </a:prstGeom>
+          <a:solidFill>
+            <a:schemeClr val="accent6">
+              <a:lumMod val="75000"/>
+            </a:schemeClr>
+          </a:solidFill>
+        </p:spPr>
+        <p:style>
+          <a:lnRef idx="2">
+            <a:schemeClr val="accent1">
+              <a:shade val="50000"/>
+            </a:schemeClr>
+          </a:lnRef>
+          <a:fillRef idx="1">
+            <a:schemeClr val="accent1"/>
+          </a:fillRef>
+          <a:effectRef idx="0">
+            <a:schemeClr val="accent1"/>
+          </a:effectRef>
+          <a:fontRef idx="minor">
+            <a:schemeClr val="lt1"/>
+          </a:fontRef>
+        </p:style>
+        <p:txBody>
+          <a:bodyPr rtlCol="0" anchor="ctr"/>
+          <a:lstStyle/>
+          <a:p>
+            <a:pPr algn="ctr"/>
+            <a:r>
+              <a:rPr lang="zh-CN" altLang="en-US" dirty="0" smtClean="0"/>
+              <a:t>消息队列服务</a:t>
+            </a:r>
+            <a:endParaRPr lang="zh-CN" altLang="en-US" dirty="0"/>
+          </a:p>
+        </p:txBody>
+      </p:sp>
+      <p:sp>
+        <p:nvSpPr>
+          <p:cNvPr id="141" name="圆角矩形 140"/>
+          <p:cNvSpPr/>
+          <p:nvPr/>
+        </p:nvSpPr>
+        <p:spPr>
+          <a:xfrm>
+            <a:off x="9378532" y="4227761"/>
+            <a:ext cx="2718872" cy="2487866"/>
+          </a:xfrm>
+          <a:prstGeom prst="roundRect">
+            <a:avLst/>
+          </a:prstGeom>
+          <a:noFill/>
+          <a:ln>
+            <a:solidFill>
+              <a:schemeClr val="accent1">
+                <a:shade val="50000"/>
+              </a:schemeClr>
+            </a:solidFill>
+            <a:prstDash val="dash"/>
+          </a:ln>
+        </p:spPr>
+        <p:style>
+          <a:lnRef idx="2">
+            <a:schemeClr val="accent1">
+              <a:shade val="50000"/>
+            </a:schemeClr>
+          </a:lnRef>
+          <a:fillRef idx="1">
+            <a:schemeClr val="accent1"/>
+          </a:fillRef>
+          <a:effectRef idx="0">
+            <a:schemeClr val="accent1"/>
+          </a:effectRef>
+          <a:fontRef idx="minor">
+            <a:schemeClr val="lt1"/>
+          </a:fontRef>
+        </p:style>
+        <p:txBody>
+          <a:bodyPr rtlCol="0" anchor="t"/>
+          <a:lstStyle/>
+          <a:p>
+            <a:pPr algn="ctr"/>
+            <a:r>
+              <a:rPr lang="zh-CN" altLang="en-US" dirty="0" smtClean="0">
+                <a:solidFill>
+                  <a:srgbClr val="002060"/>
+                </a:solidFill>
+              </a:rPr>
+              <a:t>数据存储服务</a:t>
+            </a:r>
+            <a:endParaRPr lang="zh-CN" altLang="en-US" dirty="0">
+              <a:solidFill>
+                <a:srgbClr val="002060"/>
+              </a:solidFill>
+            </a:endParaRPr>
+          </a:p>
+        </p:txBody>
+      </p:sp>
+      <p:sp>
+        <p:nvSpPr>
+          <p:cNvPr id="142" name="圆角矩形 141"/>
+          <p:cNvSpPr/>
+          <p:nvPr/>
+        </p:nvSpPr>
+        <p:spPr>
+          <a:xfrm>
+            <a:off x="9494263" y="5020374"/>
+            <a:ext cx="1186437" cy="449813"/>
+          </a:xfrm>
+          <a:prstGeom prst="roundRect">
+            <a:avLst/>
+          </a:prstGeom>
+          <a:solidFill>
+            <a:schemeClr val="accent6">
+              <a:lumMod val="75000"/>
+            </a:schemeClr>
+          </a:solidFill>
+        </p:spPr>
+        <p:style>
+          <a:lnRef idx="2">
+            <a:schemeClr val="accent1">
+              <a:shade val="50000"/>
+            </a:schemeClr>
+          </a:lnRef>
+          <a:fillRef idx="1">
+            <a:schemeClr val="accent1"/>
+          </a:fillRef>
+          <a:effectRef idx="0">
+            <a:schemeClr val="accent1"/>
+          </a:effectRef>
+          <a:fontRef idx="minor">
+            <a:schemeClr val="lt1"/>
+          </a:fontRef>
+        </p:style>
+        <p:txBody>
+          <a:bodyPr rtlCol="0" anchor="ctr"/>
+          <a:lstStyle/>
+          <a:p>
+            <a:pPr algn="ctr"/>
+            <a:r>
+              <a:rPr lang="zh-CN" altLang="en-US" dirty="0" smtClean="0"/>
+              <a:t>数据缓存</a:t>
+            </a:r>
+            <a:endParaRPr lang="zh-CN" altLang="en-US" dirty="0"/>
+          </a:p>
+        </p:txBody>
+      </p:sp>
+      <p:sp>
+        <p:nvSpPr>
+          <p:cNvPr id="143" name="圆角矩形 142"/>
+          <p:cNvSpPr/>
+          <p:nvPr/>
+        </p:nvSpPr>
+        <p:spPr>
+          <a:xfrm>
+            <a:off x="9513431" y="5711115"/>
+            <a:ext cx="1186437" cy="738180"/>
+          </a:xfrm>
+          <a:prstGeom prst="roundRect">
+            <a:avLst/>
+          </a:prstGeom>
+          <a:solidFill>
+            <a:schemeClr val="accent6">
+              <a:lumMod val="75000"/>
+            </a:schemeClr>
+          </a:solidFill>
+        </p:spPr>
+        <p:style>
+          <a:lnRef idx="2">
+            <a:schemeClr val="accent1">
+              <a:shade val="50000"/>
+            </a:schemeClr>
+          </a:lnRef>
+          <a:fillRef idx="1">
+            <a:schemeClr val="accent1"/>
+          </a:fillRef>
+          <a:effectRef idx="0">
+            <a:schemeClr val="accent1"/>
+          </a:effectRef>
+          <a:fontRef idx="minor">
+            <a:schemeClr val="lt1"/>
+          </a:fontRef>
+        </p:style>
+        <p:txBody>
+          <a:bodyPr rtlCol="0" anchor="ctr"/>
+          <a:lstStyle/>
+          <a:p>
+            <a:pPr algn="ctr"/>
+            <a:r>
+              <a:rPr lang="zh-CN" altLang="en-US" dirty="0" smtClean="0"/>
+              <a:t>关系型数据存储</a:t>
+            </a:r>
+            <a:endParaRPr lang="zh-CN" altLang="en-US" dirty="0"/>
+          </a:p>
+        </p:txBody>
+      </p:sp>
+      <p:sp>
+        <p:nvSpPr>
+          <p:cNvPr id="144" name="圆角矩形 143"/>
+          <p:cNvSpPr/>
+          <p:nvPr/>
+        </p:nvSpPr>
+        <p:spPr>
+          <a:xfrm>
+            <a:off x="10795236" y="5712695"/>
+            <a:ext cx="1186437" cy="738180"/>
+          </a:xfrm>
+          <a:prstGeom prst="roundRect">
+            <a:avLst/>
+          </a:prstGeom>
+          <a:solidFill>
+            <a:schemeClr val="accent6">
+              <a:lumMod val="75000"/>
+            </a:schemeClr>
+          </a:solidFill>
+        </p:spPr>
+        <p:style>
+          <a:lnRef idx="2">
+            <a:schemeClr val="accent1">
+              <a:shade val="50000"/>
+            </a:schemeClr>
+          </a:lnRef>
+          <a:fillRef idx="1">
+            <a:schemeClr val="accent1"/>
+          </a:fillRef>
+          <a:effectRef idx="0">
+            <a:schemeClr val="accent1"/>
+          </a:effectRef>
+          <a:fontRef idx="minor">
+            <a:schemeClr val="lt1"/>
+          </a:fontRef>
+        </p:style>
+        <p:txBody>
+          <a:bodyPr rtlCol="0" anchor="ctr"/>
+          <a:lstStyle/>
+          <a:p>
+            <a:pPr algn="ctr"/>
+            <a:r>
+              <a:rPr lang="zh-CN" altLang="en-US" dirty="0" smtClean="0"/>
+              <a:t>文档型数据存储</a:t>
+            </a:r>
+            <a:endParaRPr lang="zh-CN" altLang="en-US" dirty="0"/>
+          </a:p>
+        </p:txBody>
+      </p:sp>
+      <p:sp>
+        <p:nvSpPr>
+          <p:cNvPr id="145" name="圆角矩形 144"/>
+          <p:cNvSpPr/>
+          <p:nvPr/>
+        </p:nvSpPr>
+        <p:spPr>
+          <a:xfrm>
+            <a:off x="10795236" y="5015163"/>
+            <a:ext cx="1186437" cy="449813"/>
+          </a:xfrm>
+          <a:prstGeom prst="roundRect">
+            <a:avLst/>
+          </a:prstGeom>
+          <a:solidFill>
+            <a:schemeClr val="accent6">
+              <a:lumMod val="75000"/>
+            </a:schemeClr>
+          </a:solidFill>
+        </p:spPr>
+        <p:style>
+          <a:lnRef idx="2">
+            <a:schemeClr val="accent1">
+              <a:shade val="50000"/>
+            </a:schemeClr>
+          </a:lnRef>
+          <a:fillRef idx="1">
+            <a:schemeClr val="accent1"/>
+          </a:fillRef>
+          <a:effectRef idx="0">
+            <a:schemeClr val="accent1"/>
+          </a:effectRef>
+          <a:fontRef idx="minor">
+            <a:schemeClr val="lt1"/>
+          </a:fontRef>
+        </p:style>
+        <p:txBody>
+          <a:bodyPr rtlCol="0" anchor="ctr"/>
+          <a:lstStyle/>
+          <a:p>
+            <a:pPr algn="ctr"/>
+            <a:r>
+              <a:rPr lang="zh-CN" altLang="en-US" dirty="0" smtClean="0"/>
+              <a:t>文件存储</a:t>
+            </a:r>
+            <a:endParaRPr lang="zh-CN" altLang="en-US" dirty="0"/>
+          </a:p>
+        </p:txBody>
+      </p:sp>
+      <p:sp>
+        <p:nvSpPr>
+          <p:cNvPr id="146" name="圆角矩形 145"/>
+          <p:cNvSpPr/>
+          <p:nvPr/>
+        </p:nvSpPr>
+        <p:spPr>
+          <a:xfrm>
+            <a:off x="7306605" y="6000006"/>
+            <a:ext cx="1636237" cy="564591"/>
+          </a:xfrm>
+          <a:prstGeom prst="roundRect">
+            <a:avLst/>
+          </a:prstGeom>
+          <a:solidFill>
+            <a:schemeClr val="accent6">
+              <a:lumMod val="75000"/>
+            </a:schemeClr>
+          </a:solidFill>
+        </p:spPr>
+        <p:style>
+          <a:lnRef idx="2">
+            <a:schemeClr val="accent1">
+              <a:shade val="50000"/>
+            </a:schemeClr>
+          </a:lnRef>
+          <a:fillRef idx="1">
+            <a:schemeClr val="accent1"/>
+          </a:fillRef>
+          <a:effectRef idx="0">
+            <a:schemeClr val="accent1"/>
+          </a:effectRef>
+          <a:fontRef idx="minor">
+            <a:schemeClr val="lt1"/>
+          </a:fontRef>
+        </p:style>
+        <p:txBody>
+          <a:bodyPr rtlCol="0" anchor="ctr"/>
+          <a:lstStyle/>
+          <a:p>
+            <a:pPr algn="ctr"/>
+            <a:r>
+              <a:rPr lang="zh-CN" altLang="en-US" dirty="0" smtClean="0"/>
+              <a:t>应用协调服务</a:t>
+            </a:r>
+            <a:endParaRPr lang="zh-CN" altLang="en-US" dirty="0"/>
           </a:p>
         </p:txBody>
       </p:sp>
@@ -17444,6 +17374,53 @@
                 <a:schemeClr val="tx1"/>
               </a:solidFill>
             </a:endParaRPr>
+          </a:p>
+        </p:txBody>
+      </p:sp>
+      <p:sp>
+        <p:nvSpPr>
+          <p:cNvPr id="74" name="圆角矩形 73"/>
+          <p:cNvSpPr/>
+          <p:nvPr/>
+        </p:nvSpPr>
+        <p:spPr>
+          <a:xfrm>
+            <a:off x="-46219" y="6863465"/>
+            <a:ext cx="12238219" cy="596022"/>
+          </a:xfrm>
+          <a:prstGeom prst="roundRect">
+            <a:avLst/>
+          </a:prstGeom>
+          <a:ln w="28575">
+            <a:prstDash val="dash"/>
+          </a:ln>
+        </p:spPr>
+        <p:style>
+          <a:lnRef idx="2">
+            <a:schemeClr val="accent3">
+              <a:shade val="50000"/>
+            </a:schemeClr>
+          </a:lnRef>
+          <a:fillRef idx="1">
+            <a:schemeClr val="accent3"/>
+          </a:fillRef>
+          <a:effectRef idx="0">
+            <a:schemeClr val="accent3"/>
+          </a:effectRef>
+          <a:fontRef idx="minor">
+            <a:schemeClr val="lt1"/>
+          </a:fontRef>
+        </p:style>
+        <p:txBody>
+          <a:bodyPr rtlCol="0" anchor="ctr"/>
+          <a:lstStyle/>
+          <a:p>
+            <a:pPr algn="ctr"/>
+            <a:r>
+              <a:rPr lang="en-US" altLang="zh-CN" dirty="0" smtClean="0"/>
+              <a:t>Infrastructure as a service</a:t>
+            </a:r>
+            <a:endParaRPr lang="zh-CN" altLang="en-US" dirty="0"/>
           </a:p>
         </p:txBody>
       </p:sp>
@@ -35083,22 +35060,16 @@
           <a:lstStyle/>
           <a:p>
             <a:r>
-              <a:rPr lang="zh-CN" altLang="en-US" sz="1600" b="1">
+              <a:rPr lang="zh-CN" altLang="en-US" sz="1600" b="1" dirty="0">
                 <a:latin typeface="Consolas" panose="020B0609020204030204" pitchFamily="49" charset="0"/>
               </a:rPr>
               <a:t>服务</a:t>
-            </a:r>
-            <a:r>
-              <a:rPr lang="zh-CN" altLang="en-US" sz="1600" b="1" smtClean="0">
-                <a:latin typeface="Consolas" panose="020B0609020204030204" pitchFamily="49" charset="0"/>
-              </a:rPr>
-              <a:t>负载</a:t>
             </a:r>
             <a:r>
               <a:rPr lang="zh-CN" altLang="en-US" sz="1600" b="1" dirty="0" smtClean="0">
                 <a:latin typeface="Consolas" panose="020B0609020204030204" pitchFamily="49" charset="0"/>
               </a:rPr>
-              <a:t>均衡配置</a:t>
+              <a:t>负载均衡配置</a:t>
             </a:r>
             <a:r>
               <a:rPr lang="en-US" altLang="zh-CN" sz="1600" dirty="0" smtClean="0">
@@ -35438,6 +35409,1331 @@
           <a:chExt cx="0" cy="0"/>
         </a:xfrm>
       </p:grpSpPr>
+      <p:pic>
+        <p:nvPicPr>
+          <p:cNvPr id="2" name="图片 1"/>
+          <p:cNvPicPr>
+            <a:picLocks noChangeAspect="1"/>
+          </p:cNvPicPr>
+          <p:nvPr/>
+        </p:nvPicPr>
+        <p:blipFill>
+          <a:blip r:embed="rId2" cstate="print">
+            <a:extLst>
+              <a:ext uri="{28A0092B-C50C-407E-A947-70E740481C1C}">
+                <a14:useLocalDpi xmlns:a14="http://schemas.microsoft.com/office/drawing/2010/main" val="0"/>
+              </a:ext>
+            </a:extLst>
+          </a:blip>
+          <a:stretch>
+            <a:fillRect/>
+          </a:stretch>
+        </p:blipFill>
+        <p:spPr>
+          <a:xfrm>
+            <a:off x="420494" y="1322988"/>
+            <a:ext cx="780596" cy="780596"/>
+          </a:xfrm>
+          <a:prstGeom prst="rect">
+            <a:avLst/>
+          </a:prstGeom>
+        </p:spPr>
+      </p:pic>
+      <p:pic>
+        <p:nvPicPr>
+          <p:cNvPr id="3" name="图片 2"/>
+          <p:cNvPicPr>
+            <a:picLocks noChangeAspect="1"/>
+          </p:cNvPicPr>
+          <p:nvPr/>
+        </p:nvPicPr>
+        <p:blipFill>
+          <a:blip r:embed="rId3" cstate="print">
+            <a:extLst>
+              <a:ext uri="{28A0092B-C50C-407E-A947-70E740481C1C}">
+                <a14:useLocalDpi xmlns:a14="http://schemas.microsoft.com/office/drawing/2010/main" val="0"/>
+              </a:ext>
+            </a:extLst>
+          </a:blip>
+          <a:stretch>
+            <a:fillRect/>
+          </a:stretch>
+        </p:blipFill>
+        <p:spPr>
+          <a:xfrm>
+            <a:off x="420494" y="2391825"/>
+            <a:ext cx="940677" cy="626873"/>
+          </a:xfrm>
+          <a:prstGeom prst="rect">
+            <a:avLst/>
+          </a:prstGeom>
+        </p:spPr>
+      </p:pic>
+      <p:grpSp>
+        <p:nvGrpSpPr>
+          <p:cNvPr id="4" name="组合 3"/>
+          <p:cNvGrpSpPr/>
+          <p:nvPr/>
+        </p:nvGrpSpPr>
+        <p:grpSpPr>
+          <a:xfrm>
+            <a:off x="2385742" y="1590354"/>
+            <a:ext cx="1664253" cy="978720"/>
+            <a:chOff x="2824682" y="1861461"/>
+            <a:chExt cx="1664253" cy="978720"/>
+          </a:xfrm>
+        </p:grpSpPr>
+        <p:sp>
+          <p:nvSpPr>
+            <p:cNvPr id="5" name="圆角矩形 4"/>
+            <p:cNvSpPr/>
+            <p:nvPr/>
+          </p:nvSpPr>
+          <p:spPr>
+            <a:xfrm>
+              <a:off x="2824682" y="1861461"/>
+              <a:ext cx="1471017" cy="978720"/>
+            </a:xfrm>
+            <a:prstGeom prst="roundRect">
+              <a:avLst/>
+            </a:prstGeom>
+            <a:noFill/>
+            <a:ln w="25400">
+              <a:solidFill>
+                <a:schemeClr val="accent2"/>
+              </a:solidFill>
+              <a:prstDash val="solid"/>
+            </a:ln>
+          </p:spPr>
+          <p:style>
+            <a:lnRef idx="2">
+              <a:schemeClr val="accent1">
+                <a:shade val="50000"/>
+              </a:schemeClr>
+            </a:lnRef>
+            <a:fillRef idx="1">
+              <a:schemeClr val="accent1"/>
+            </a:fillRef>
+            <a:effectRef idx="0">
+              <a:schemeClr val="accent1"/>
+            </a:effectRef>
+            <a:fontRef idx="minor">
+              <a:schemeClr val="lt1"/>
+            </a:fontRef>
+          </p:style>
+          <p:txBody>
+            <a:bodyPr rtlCol="0" anchor="ctr"/>
+            <a:lstStyle/>
+            <a:p>
+              <a:pPr algn="ctr"/>
+              <a:endParaRPr lang="zh-CN" altLang="en-US"/>
+            </a:p>
+          </p:txBody>
+        </p:sp>
+        <p:pic>
+          <p:nvPicPr>
+            <p:cNvPr id="6" name="图片 5"/>
+            <p:cNvPicPr>
+              <a:picLocks noChangeAspect="1"/>
+            </p:cNvPicPr>
+            <p:nvPr/>
+          </p:nvPicPr>
+          <p:blipFill>
+            <a:blip r:embed="rId4" cstate="print">
+              <a:extLst>
+                <a:ext uri="{28A0092B-C50C-407E-A947-70E740481C1C}">
+                  <a14:useLocalDpi xmlns:a14="http://schemas.microsoft.com/office/drawing/2010/main" val="0"/>
+                </a:ext>
+              </a:extLst>
+            </a:blip>
+            <a:stretch>
+              <a:fillRect/>
+            </a:stretch>
+          </p:blipFill>
+          <p:spPr>
+            <a:xfrm>
+              <a:off x="3399929" y="1963447"/>
+              <a:ext cx="352439" cy="543931"/>
+            </a:xfrm>
+            <a:prstGeom prst="rect">
+              <a:avLst/>
+            </a:prstGeom>
+          </p:spPr>
+        </p:pic>
+        <p:sp>
+          <p:nvSpPr>
+            <p:cNvPr id="7" name="文本框 6"/>
+            <p:cNvSpPr txBox="1"/>
+            <p:nvPr/>
+          </p:nvSpPr>
+          <p:spPr>
+            <a:xfrm>
+              <a:off x="3140369" y="2530014"/>
+              <a:ext cx="1348566" cy="246221"/>
+            </a:xfrm>
+            <a:prstGeom prst="rect">
+              <a:avLst/>
+            </a:prstGeom>
+            <a:noFill/>
+          </p:spPr>
+          <p:txBody>
+            <a:bodyPr wrap="square" rtlCol="0">
+              <a:spAutoFit/>
+            </a:bodyPr>
+            <a:lstStyle/>
+            <a:p>
+              <a:r>
+                <a:rPr lang="zh-CN" altLang="en-US" sz="1000" dirty="0" smtClean="0"/>
+                <a:t>接入服务器</a:t>
+              </a:r>
+              <a:endParaRPr lang="zh-CN" altLang="en-US" sz="1000" dirty="0"/>
+            </a:p>
+          </p:txBody>
+        </p:sp>
+      </p:grpSp>
+      <p:grpSp>
+        <p:nvGrpSpPr>
+          <p:cNvPr id="8" name="组合 7"/>
+          <p:cNvGrpSpPr/>
+          <p:nvPr/>
+        </p:nvGrpSpPr>
+        <p:grpSpPr>
+          <a:xfrm>
+            <a:off x="5100642" y="471518"/>
+            <a:ext cx="2384015" cy="978720"/>
+            <a:chOff x="5922717" y="2748512"/>
+            <a:chExt cx="2384015" cy="978720"/>
+          </a:xfrm>
+        </p:grpSpPr>
+        <p:sp>
+          <p:nvSpPr>
+            <p:cNvPr id="9" name="文本框 8"/>
+            <p:cNvSpPr txBox="1"/>
+            <p:nvPr/>
+          </p:nvSpPr>
+          <p:spPr>
+            <a:xfrm>
+              <a:off x="6181203" y="3442326"/>
+              <a:ext cx="2125529" cy="246221"/>
+            </a:xfrm>
+            <a:prstGeom prst="rect">
+              <a:avLst/>
+            </a:prstGeom>
+            <a:noFill/>
+          </p:spPr>
+          <p:txBody>
+            <a:bodyPr wrap="square" rtlCol="0">
+              <a:spAutoFit/>
+            </a:bodyPr>
+            <a:lstStyle/>
+            <a:p>
+              <a:r>
+                <a:rPr lang="zh-CN" altLang="en-US" sz="1000" dirty="0" smtClean="0"/>
+                <a:t>消息队列</a:t>
+              </a:r>
+              <a:endParaRPr lang="zh-CN" altLang="en-US" sz="1000" dirty="0"/>
+            </a:p>
+          </p:txBody>
+        </p:sp>
+        <p:sp>
+          <p:nvSpPr>
+            <p:cNvPr id="10" name="圆角矩形 9"/>
+            <p:cNvSpPr/>
+            <p:nvPr/>
+          </p:nvSpPr>
+          <p:spPr>
+            <a:xfrm>
+              <a:off x="5922717" y="2748512"/>
+              <a:ext cx="1381854" cy="978720"/>
+            </a:xfrm>
+            <a:prstGeom prst="roundRect">
+              <a:avLst/>
+            </a:prstGeom>
+            <a:noFill/>
+            <a:ln w="25400">
+              <a:solidFill>
+                <a:schemeClr val="bg2">
+                  <a:lumMod val="75000"/>
+                </a:schemeClr>
+              </a:solidFill>
+              <a:prstDash val="solid"/>
+            </a:ln>
+          </p:spPr>
+          <p:style>
+            <a:lnRef idx="2">
+              <a:schemeClr val="accent1">
+                <a:shade val="50000"/>
+              </a:schemeClr>
+            </a:lnRef>
+            <a:fillRef idx="1">
+              <a:schemeClr val="accent1"/>
+            </a:fillRef>
+            <a:effectRef idx="0">
+              <a:schemeClr val="accent1"/>
+            </a:effectRef>
+            <a:fontRef idx="minor">
+              <a:schemeClr val="lt1"/>
+            </a:fontRef>
+          </p:style>
+          <p:txBody>
+            <a:bodyPr rtlCol="0" anchor="ctr"/>
+            <a:lstStyle/>
+            <a:p>
+              <a:pPr algn="ctr"/>
+              <a:endParaRPr lang="zh-CN" altLang="en-US"/>
+            </a:p>
+          </p:txBody>
+        </p:sp>
+        <p:pic>
+          <p:nvPicPr>
+            <p:cNvPr id="11" name="图片 10"/>
+            <p:cNvPicPr>
+              <a:picLocks noChangeAspect="1"/>
+            </p:cNvPicPr>
+            <p:nvPr/>
+          </p:nvPicPr>
+          <p:blipFill>
+            <a:blip r:embed="rId4" cstate="print">
+              <a:extLst>
+                <a:ext uri="{28A0092B-C50C-407E-A947-70E740481C1C}">
+                  <a14:useLocalDpi xmlns:a14="http://schemas.microsoft.com/office/drawing/2010/main" val="0"/>
+                </a:ext>
+              </a:extLst>
+            </a:blip>
+            <a:stretch>
+              <a:fillRect/>
+            </a:stretch>
+          </p:blipFill>
+          <p:spPr>
+            <a:xfrm>
+              <a:off x="6437424" y="2863004"/>
+              <a:ext cx="352439" cy="543931"/>
+            </a:xfrm>
+            <a:prstGeom prst="rect">
+              <a:avLst/>
+            </a:prstGeom>
+          </p:spPr>
+        </p:pic>
+      </p:grpSp>
+      <p:grpSp>
+        <p:nvGrpSpPr>
+          <p:cNvPr id="12" name="组合 11"/>
+          <p:cNvGrpSpPr/>
+          <p:nvPr/>
+        </p:nvGrpSpPr>
+        <p:grpSpPr>
+          <a:xfrm>
+            <a:off x="10127158" y="483142"/>
+            <a:ext cx="2384015" cy="978720"/>
+            <a:chOff x="5922717" y="2748512"/>
+            <a:chExt cx="2384015" cy="978720"/>
+          </a:xfrm>
+        </p:grpSpPr>
+        <p:sp>
+          <p:nvSpPr>
+            <p:cNvPr id="13" name="文本框 12"/>
+            <p:cNvSpPr txBox="1"/>
+            <p:nvPr/>
+          </p:nvSpPr>
+          <p:spPr>
+            <a:xfrm>
+              <a:off x="6181203" y="3442326"/>
+              <a:ext cx="2125529" cy="246221"/>
+            </a:xfrm>
+            <a:prstGeom prst="rect">
+              <a:avLst/>
+            </a:prstGeom>
+            <a:noFill/>
+          </p:spPr>
+          <p:txBody>
+            <a:bodyPr wrap="square" rtlCol="0">
+              <a:spAutoFit/>
+            </a:bodyPr>
+            <a:lstStyle/>
+            <a:p>
+              <a:r>
+                <a:rPr lang="en-US" altLang="zh-CN" sz="1000" dirty="0" err="1" smtClean="0"/>
+                <a:t>Redis</a:t>
+              </a:r>
+              <a:r>
+                <a:rPr lang="zh-CN" altLang="en-US" sz="1000" dirty="0" smtClean="0"/>
+                <a:t>存储集群</a:t>
+              </a:r>
+              <a:endParaRPr lang="zh-CN" altLang="en-US" sz="1000" dirty="0"/>
+            </a:p>
+          </p:txBody>
+        </p:sp>
+        <p:sp>
+          <p:nvSpPr>
+            <p:cNvPr id="14" name="圆角矩形 13"/>
+            <p:cNvSpPr/>
+            <p:nvPr/>
+          </p:nvSpPr>
+          <p:spPr>
+            <a:xfrm>
+              <a:off x="5922717" y="2748512"/>
+              <a:ext cx="1381854" cy="978720"/>
+            </a:xfrm>
+            <a:prstGeom prst="roundRect">
+              <a:avLst/>
+            </a:prstGeom>
+            <a:noFill/>
+            <a:ln w="25400">
+              <a:solidFill>
+                <a:srgbClr val="92D050"/>
+              </a:solidFill>
+              <a:prstDash val="solid"/>
+            </a:ln>
+          </p:spPr>
+          <p:style>
+            <a:lnRef idx="2">
+              <a:schemeClr val="accent1">
+                <a:shade val="50000"/>
+              </a:schemeClr>
+            </a:lnRef>
+            <a:fillRef idx="1">
+              <a:schemeClr val="accent1"/>
+            </a:fillRef>
+            <a:effectRef idx="0">
+              <a:schemeClr val="accent1"/>
+            </a:effectRef>
+            <a:fontRef idx="minor">
+              <a:schemeClr val="lt1"/>
+            </a:fontRef>
+          </p:style>
+          <p:txBody>
+            <a:bodyPr rtlCol="0" anchor="ctr"/>
+            <a:lstStyle/>
+            <a:p>
+              <a:pPr algn="ctr"/>
+              <a:endParaRPr lang="zh-CN" altLang="en-US"/>
+            </a:p>
+          </p:txBody>
+        </p:sp>
+        <p:pic>
+          <p:nvPicPr>
+            <p:cNvPr id="15" name="图片 14"/>
+            <p:cNvPicPr>
+              <a:picLocks noChangeAspect="1"/>
+            </p:cNvPicPr>
+            <p:nvPr/>
+          </p:nvPicPr>
+          <p:blipFill>
+            <a:blip r:embed="rId4" cstate="print">
+              <a:extLst>
+                <a:ext uri="{28A0092B-C50C-407E-A947-70E740481C1C}">
+                  <a14:useLocalDpi xmlns:a14="http://schemas.microsoft.com/office/drawing/2010/main" val="0"/>
+                </a:ext>
+              </a:extLst>
+            </a:blip>
+            <a:stretch>
+              <a:fillRect/>
+            </a:stretch>
+          </p:blipFill>
+          <p:spPr>
+            <a:xfrm>
+              <a:off x="6437424" y="2863004"/>
+              <a:ext cx="352439" cy="543931"/>
+            </a:xfrm>
+            <a:prstGeom prst="rect">
+              <a:avLst/>
+            </a:prstGeom>
+          </p:spPr>
+        </p:pic>
+      </p:grpSp>
+      <p:cxnSp>
+        <p:nvCxnSpPr>
+          <p:cNvPr id="16" name="直接箭头连接符 15"/>
+          <p:cNvCxnSpPr/>
+          <p:nvPr/>
+        </p:nvCxnSpPr>
+        <p:spPr>
+          <a:xfrm>
+            <a:off x="1299624" y="2010070"/>
+            <a:ext cx="963105" cy="25355"/>
+          </a:xfrm>
+          <a:prstGeom prst="straightConnector1">
+            <a:avLst/>
+          </a:prstGeom>
+          <a:ln w="28575">
+            <a:solidFill>
+              <a:schemeClr val="accent1">
+                <a:lumMod val="75000"/>
+              </a:schemeClr>
+            </a:solidFill>
+            <a:tailEnd type="triangle"/>
+          </a:ln>
+        </p:spPr>
+        <p:style>
+          <a:lnRef idx="1">
+            <a:schemeClr val="accent1"/>
+          </a:lnRef>
+          <a:fillRef idx="0">
+            <a:schemeClr val="accent1"/>
+          </a:fillRef>
+          <a:effectRef idx="0">
+            <a:schemeClr val="accent1"/>
+          </a:effectRef>
+          <a:fontRef idx="minor">
+            <a:schemeClr val="tx1"/>
+          </a:fontRef>
+        </p:style>
+      </p:cxnSp>
+      <p:cxnSp>
+        <p:nvCxnSpPr>
+          <p:cNvPr id="17" name="直接箭头连接符 16"/>
+          <p:cNvCxnSpPr/>
+          <p:nvPr/>
+        </p:nvCxnSpPr>
+        <p:spPr>
+          <a:xfrm flipV="1">
+            <a:off x="3921894" y="1036070"/>
+            <a:ext cx="1046771" cy="908217"/>
+          </a:xfrm>
+          <a:prstGeom prst="straightConnector1">
+            <a:avLst/>
+          </a:prstGeom>
+          <a:ln w="28575">
+            <a:solidFill>
+              <a:schemeClr val="accent1">
+                <a:lumMod val="75000"/>
+              </a:schemeClr>
+            </a:solidFill>
+            <a:tailEnd type="triangle"/>
+          </a:ln>
+        </p:spPr>
+        <p:style>
+          <a:lnRef idx="1">
+            <a:schemeClr val="accent1"/>
+          </a:lnRef>
+          <a:fillRef idx="0">
+            <a:schemeClr val="accent1"/>
+          </a:fillRef>
+          <a:effectRef idx="0">
+            <a:schemeClr val="accent1"/>
+          </a:effectRef>
+          <a:fontRef idx="minor">
+            <a:schemeClr val="tx1"/>
+          </a:fontRef>
+        </p:style>
+      </p:cxnSp>
+      <p:cxnSp>
+        <p:nvCxnSpPr>
+          <p:cNvPr id="18" name="直接箭头连接符 17"/>
+          <p:cNvCxnSpPr/>
+          <p:nvPr/>
+        </p:nvCxnSpPr>
+        <p:spPr>
+          <a:xfrm>
+            <a:off x="6480268" y="3754121"/>
+            <a:ext cx="1914036" cy="10340"/>
+          </a:xfrm>
+          <a:prstGeom prst="straightConnector1">
+            <a:avLst/>
+          </a:prstGeom>
+          <a:ln w="28575">
+            <a:solidFill>
+              <a:schemeClr val="accent1">
+                <a:lumMod val="75000"/>
+              </a:schemeClr>
+            </a:solidFill>
+            <a:tailEnd type="triangle"/>
+          </a:ln>
+        </p:spPr>
+        <p:style>
+          <a:lnRef idx="1">
+            <a:schemeClr val="accent1"/>
+          </a:lnRef>
+          <a:fillRef idx="0">
+            <a:schemeClr val="accent1"/>
+          </a:fillRef>
+          <a:effectRef idx="0">
+            <a:schemeClr val="accent1"/>
+          </a:effectRef>
+          <a:fontRef idx="minor">
+            <a:schemeClr val="tx1"/>
+          </a:fontRef>
+        </p:style>
+      </p:cxnSp>
+      <p:grpSp>
+        <p:nvGrpSpPr>
+          <p:cNvPr id="19" name="组合 18"/>
+          <p:cNvGrpSpPr/>
+          <p:nvPr/>
+        </p:nvGrpSpPr>
+        <p:grpSpPr>
+          <a:xfrm>
+            <a:off x="5028749" y="3254189"/>
+            <a:ext cx="2384015" cy="978720"/>
+            <a:chOff x="5922717" y="2748512"/>
+            <a:chExt cx="2384015" cy="978720"/>
+          </a:xfrm>
+        </p:grpSpPr>
+        <p:sp>
+          <p:nvSpPr>
+            <p:cNvPr id="20" name="文本框 19"/>
+            <p:cNvSpPr txBox="1"/>
+            <p:nvPr/>
+          </p:nvSpPr>
+          <p:spPr>
+            <a:xfrm>
+              <a:off x="6181203" y="3442326"/>
+              <a:ext cx="2125529" cy="246221"/>
+            </a:xfrm>
+            <a:prstGeom prst="rect">
+              <a:avLst/>
+            </a:prstGeom>
+            <a:noFill/>
+          </p:spPr>
+          <p:txBody>
+            <a:bodyPr wrap="square" rtlCol="0">
+              <a:spAutoFit/>
+            </a:bodyPr>
+            <a:lstStyle/>
+            <a:p>
+              <a:r>
+                <a:rPr lang="zh-CN" altLang="en-US" sz="1000" dirty="0" smtClean="0"/>
+                <a:t>信息分发服务</a:t>
+              </a:r>
+              <a:endParaRPr lang="zh-CN" altLang="en-US" sz="1000" dirty="0"/>
+            </a:p>
+          </p:txBody>
+        </p:sp>
+        <p:sp>
+          <p:nvSpPr>
+            <p:cNvPr id="21" name="圆角矩形 20"/>
+            <p:cNvSpPr/>
+            <p:nvPr/>
+          </p:nvSpPr>
+          <p:spPr>
+            <a:xfrm>
+              <a:off x="5922717" y="2748512"/>
+              <a:ext cx="1381854" cy="978720"/>
+            </a:xfrm>
+            <a:prstGeom prst="roundRect">
+              <a:avLst/>
+            </a:prstGeom>
+            <a:noFill/>
+            <a:ln w="25400">
+              <a:solidFill>
+                <a:schemeClr val="bg2">
+                  <a:lumMod val="75000"/>
+                </a:schemeClr>
+              </a:solidFill>
+              <a:prstDash val="solid"/>
+            </a:ln>
+          </p:spPr>
+          <p:style>
+            <a:lnRef idx="2">
+              <a:schemeClr val="accent1">
+                <a:shade val="50000"/>
+              </a:schemeClr>
+            </a:lnRef>
+            <a:fillRef idx="1">
+              <a:schemeClr val="accent1"/>
+            </a:fillRef>
+            <a:effectRef idx="0">
+              <a:schemeClr val="accent1"/>
+            </a:effectRef>
+            <a:fontRef idx="minor">
+              <a:schemeClr val="lt1"/>
+            </a:fontRef>
+          </p:style>
+          <p:txBody>
+            <a:bodyPr rtlCol="0" anchor="ctr"/>
+            <a:lstStyle/>
+            <a:p>
+              <a:pPr algn="ctr"/>
+              <a:endParaRPr lang="zh-CN" altLang="en-US"/>
+            </a:p>
+          </p:txBody>
+        </p:sp>
+        <p:pic>
+          <p:nvPicPr>
+            <p:cNvPr id="22" name="图片 21"/>
+            <p:cNvPicPr>
+              <a:picLocks noChangeAspect="1"/>
+            </p:cNvPicPr>
+            <p:nvPr/>
+          </p:nvPicPr>
+          <p:blipFill>
+            <a:blip r:embed="rId4" cstate="print">
+              <a:extLst>
+                <a:ext uri="{28A0092B-C50C-407E-A947-70E740481C1C}">
+                  <a14:useLocalDpi xmlns:a14="http://schemas.microsoft.com/office/drawing/2010/main" val="0"/>
+                </a:ext>
+              </a:extLst>
+            </a:blip>
+            <a:stretch>
+              <a:fillRect/>
+            </a:stretch>
+          </p:blipFill>
+          <p:spPr>
+            <a:xfrm>
+              <a:off x="6437424" y="2863004"/>
+              <a:ext cx="352439" cy="543931"/>
+            </a:xfrm>
+            <a:prstGeom prst="rect">
+              <a:avLst/>
+            </a:prstGeom>
+          </p:spPr>
+        </p:pic>
+      </p:grpSp>
+      <p:cxnSp>
+        <p:nvCxnSpPr>
+          <p:cNvPr id="23" name="直接箭头连接符 22"/>
+          <p:cNvCxnSpPr/>
+          <p:nvPr/>
+        </p:nvCxnSpPr>
+        <p:spPr>
+          <a:xfrm>
+            <a:off x="8949161" y="1036070"/>
+            <a:ext cx="1073026" cy="0"/>
+          </a:xfrm>
+          <a:prstGeom prst="straightConnector1">
+            <a:avLst/>
+          </a:prstGeom>
+          <a:ln w="28575">
+            <a:solidFill>
+              <a:schemeClr val="accent1">
+                <a:lumMod val="75000"/>
+              </a:schemeClr>
+            </a:solidFill>
+            <a:tailEnd type="triangle"/>
+          </a:ln>
+        </p:spPr>
+        <p:style>
+          <a:lnRef idx="1">
+            <a:schemeClr val="accent1"/>
+          </a:lnRef>
+          <a:fillRef idx="0">
+            <a:schemeClr val="accent1"/>
+          </a:fillRef>
+          <a:effectRef idx="0">
+            <a:schemeClr val="accent1"/>
+          </a:effectRef>
+          <a:fontRef idx="minor">
+            <a:schemeClr val="tx1"/>
+          </a:fontRef>
+        </p:style>
+      </p:cxnSp>
+      <p:cxnSp>
+        <p:nvCxnSpPr>
+          <p:cNvPr id="24" name="直接箭头连接符 23"/>
+          <p:cNvCxnSpPr/>
+          <p:nvPr/>
+        </p:nvCxnSpPr>
+        <p:spPr>
+          <a:xfrm flipH="1">
+            <a:off x="3977274" y="1260934"/>
+            <a:ext cx="1051475" cy="975337"/>
+          </a:xfrm>
+          <a:prstGeom prst="straightConnector1">
+            <a:avLst/>
+          </a:prstGeom>
+          <a:ln w="28575">
+            <a:solidFill>
+              <a:schemeClr val="accent1">
+                <a:lumMod val="75000"/>
+              </a:schemeClr>
+            </a:solidFill>
+            <a:tailEnd type="triangle"/>
+          </a:ln>
+        </p:spPr>
+        <p:style>
+          <a:lnRef idx="1">
+            <a:schemeClr val="accent1"/>
+          </a:lnRef>
+          <a:fillRef idx="0">
+            <a:schemeClr val="accent1"/>
+          </a:fillRef>
+          <a:effectRef idx="0">
+            <a:schemeClr val="accent1"/>
+          </a:effectRef>
+          <a:fontRef idx="minor">
+            <a:schemeClr val="tx1"/>
+          </a:fontRef>
+        </p:style>
+      </p:cxnSp>
+      <p:sp>
+        <p:nvSpPr>
+          <p:cNvPr id="25" name="文本框 24"/>
+          <p:cNvSpPr txBox="1"/>
+          <p:nvPr/>
+        </p:nvSpPr>
+        <p:spPr>
+          <a:xfrm>
+            <a:off x="1354225" y="1713286"/>
+            <a:ext cx="1348566" cy="246221"/>
+          </a:xfrm>
+          <a:prstGeom prst="rect">
+            <a:avLst/>
+          </a:prstGeom>
+          <a:noFill/>
+        </p:spPr>
+        <p:txBody>
+          <a:bodyPr wrap="square" rtlCol="0">
+            <a:spAutoFit/>
+          </a:bodyPr>
+          <a:lstStyle/>
+          <a:p>
+            <a:r>
+              <a:rPr lang="en-US" altLang="zh-CN" sz="1000" dirty="0" smtClean="0"/>
+              <a:t>heartbeat</a:t>
+            </a:r>
+            <a:endParaRPr lang="zh-CN" altLang="en-US" sz="1000" dirty="0"/>
+          </a:p>
+        </p:txBody>
+      </p:sp>
+      <p:cxnSp>
+        <p:nvCxnSpPr>
+          <p:cNvPr id="26" name="直接箭头连接符 25"/>
+          <p:cNvCxnSpPr/>
+          <p:nvPr/>
+        </p:nvCxnSpPr>
+        <p:spPr>
+          <a:xfrm flipH="1">
+            <a:off x="1299624" y="2292037"/>
+            <a:ext cx="947958" cy="75919"/>
+          </a:xfrm>
+          <a:prstGeom prst="straightConnector1">
+            <a:avLst/>
+          </a:prstGeom>
+          <a:ln w="28575">
+            <a:solidFill>
+              <a:schemeClr val="accent1">
+                <a:lumMod val="75000"/>
+              </a:schemeClr>
+            </a:solidFill>
+            <a:tailEnd type="triangle"/>
+          </a:ln>
+        </p:spPr>
+        <p:style>
+          <a:lnRef idx="1">
+            <a:schemeClr val="accent1"/>
+          </a:lnRef>
+          <a:fillRef idx="0">
+            <a:schemeClr val="accent1"/>
+          </a:fillRef>
+          <a:effectRef idx="0">
+            <a:schemeClr val="accent1"/>
+          </a:effectRef>
+          <a:fontRef idx="minor">
+            <a:schemeClr val="tx1"/>
+          </a:fontRef>
+        </p:style>
+      </p:cxnSp>
+      <p:grpSp>
+        <p:nvGrpSpPr>
+          <p:cNvPr id="28" name="组合 27"/>
+          <p:cNvGrpSpPr/>
+          <p:nvPr/>
+        </p:nvGrpSpPr>
+        <p:grpSpPr>
+          <a:xfrm>
+            <a:off x="7484657" y="483142"/>
+            <a:ext cx="2384015" cy="978720"/>
+            <a:chOff x="5922717" y="2748512"/>
+            <a:chExt cx="2384015" cy="978720"/>
+          </a:xfrm>
+        </p:grpSpPr>
+        <p:sp>
+          <p:nvSpPr>
+            <p:cNvPr id="29" name="文本框 28"/>
+            <p:cNvSpPr txBox="1"/>
+            <p:nvPr/>
+          </p:nvSpPr>
+          <p:spPr>
+            <a:xfrm>
+              <a:off x="6181203" y="3442326"/>
+              <a:ext cx="2125529" cy="246221"/>
+            </a:xfrm>
+            <a:prstGeom prst="rect">
+              <a:avLst/>
+            </a:prstGeom>
+            <a:noFill/>
+          </p:spPr>
+          <p:txBody>
+            <a:bodyPr wrap="square" rtlCol="0">
+              <a:spAutoFit/>
+            </a:bodyPr>
+            <a:lstStyle/>
+            <a:p>
+              <a:r>
+                <a:rPr lang="zh-CN" altLang="en-US" sz="1000" dirty="0" smtClean="0"/>
+                <a:t>在线状态服务</a:t>
+              </a:r>
+              <a:endParaRPr lang="zh-CN" altLang="en-US" sz="1000" dirty="0"/>
+            </a:p>
+          </p:txBody>
+        </p:sp>
+        <p:sp>
+          <p:nvSpPr>
+            <p:cNvPr id="30" name="圆角矩形 29"/>
+            <p:cNvSpPr/>
+            <p:nvPr/>
+          </p:nvSpPr>
+          <p:spPr>
+            <a:xfrm>
+              <a:off x="5922717" y="2748512"/>
+              <a:ext cx="1381854" cy="978720"/>
+            </a:xfrm>
+            <a:prstGeom prst="roundRect">
+              <a:avLst/>
+            </a:prstGeom>
+            <a:noFill/>
+            <a:ln w="25400">
+              <a:solidFill>
+                <a:schemeClr val="bg2">
+                  <a:lumMod val="75000"/>
+                </a:schemeClr>
+              </a:solidFill>
+              <a:prstDash val="solid"/>
+            </a:ln>
+          </p:spPr>
+          <p:style>
+            <a:lnRef idx="2">
+              <a:schemeClr val="accent1">
+                <a:shade val="50000"/>
+              </a:schemeClr>
+            </a:lnRef>
+            <a:fillRef idx="1">
+              <a:schemeClr val="accent1"/>
+            </a:fillRef>
+            <a:effectRef idx="0">
+              <a:schemeClr val="accent1"/>
+            </a:effectRef>
+            <a:fontRef idx="minor">
+              <a:schemeClr val="lt1"/>
+            </a:fontRef>
+          </p:style>
+          <p:txBody>
+            <a:bodyPr rtlCol="0" anchor="ctr"/>
+            <a:lstStyle/>
+            <a:p>
+              <a:pPr algn="ctr"/>
+              <a:endParaRPr lang="zh-CN" altLang="en-US"/>
+            </a:p>
+          </p:txBody>
+        </p:sp>
+        <p:pic>
+          <p:nvPicPr>
+            <p:cNvPr id="31" name="图片 30"/>
+            <p:cNvPicPr>
+              <a:picLocks noChangeAspect="1"/>
+            </p:cNvPicPr>
+            <p:nvPr/>
+          </p:nvPicPr>
+          <p:blipFill>
+            <a:blip r:embed="rId4" cstate="print">
+              <a:extLst>
+                <a:ext uri="{28A0092B-C50C-407E-A947-70E740481C1C}">
+                  <a14:useLocalDpi xmlns:a14="http://schemas.microsoft.com/office/drawing/2010/main" val="0"/>
+                </a:ext>
+              </a:extLst>
+            </a:blip>
+            <a:stretch>
+              <a:fillRect/>
+            </a:stretch>
+          </p:blipFill>
+          <p:spPr>
+            <a:xfrm>
+              <a:off x="6437424" y="2863004"/>
+              <a:ext cx="352439" cy="543931"/>
+            </a:xfrm>
+            <a:prstGeom prst="rect">
+              <a:avLst/>
+            </a:prstGeom>
+          </p:spPr>
+        </p:pic>
+      </p:grpSp>
+      <p:grpSp>
+        <p:nvGrpSpPr>
+          <p:cNvPr id="32" name="组合 31"/>
+          <p:cNvGrpSpPr/>
+          <p:nvPr/>
+        </p:nvGrpSpPr>
+        <p:grpSpPr>
+          <a:xfrm>
+            <a:off x="8525705" y="3275101"/>
+            <a:ext cx="2384015" cy="978720"/>
+            <a:chOff x="5922717" y="2748512"/>
+            <a:chExt cx="2384015" cy="978720"/>
+          </a:xfrm>
+        </p:grpSpPr>
+        <p:sp>
+          <p:nvSpPr>
+            <p:cNvPr id="33" name="文本框 32"/>
+            <p:cNvSpPr txBox="1"/>
+            <p:nvPr/>
+          </p:nvSpPr>
+          <p:spPr>
+            <a:xfrm>
+              <a:off x="6181203" y="3442326"/>
+              <a:ext cx="2125529" cy="246221"/>
+            </a:xfrm>
+            <a:prstGeom prst="rect">
+              <a:avLst/>
+            </a:prstGeom>
+            <a:noFill/>
+          </p:spPr>
+          <p:txBody>
+            <a:bodyPr wrap="square" rtlCol="0">
+              <a:spAutoFit/>
+            </a:bodyPr>
+            <a:lstStyle/>
+            <a:p>
+              <a:r>
+                <a:rPr lang="zh-CN" altLang="en-US" sz="1000" dirty="0" smtClean="0"/>
+                <a:t>通讯录服务</a:t>
+              </a:r>
+              <a:endParaRPr lang="zh-CN" altLang="en-US" sz="1000" dirty="0"/>
+            </a:p>
+          </p:txBody>
+        </p:sp>
+        <p:sp>
+          <p:nvSpPr>
+            <p:cNvPr id="34" name="圆角矩形 33"/>
+            <p:cNvSpPr/>
+            <p:nvPr/>
+          </p:nvSpPr>
+          <p:spPr>
+            <a:xfrm>
+              <a:off x="5922717" y="2748512"/>
+              <a:ext cx="1381854" cy="978720"/>
+            </a:xfrm>
+            <a:prstGeom prst="roundRect">
+              <a:avLst/>
+            </a:prstGeom>
+            <a:noFill/>
+            <a:ln w="25400">
+              <a:solidFill>
+                <a:schemeClr val="bg2">
+                  <a:lumMod val="75000"/>
+                </a:schemeClr>
+              </a:solidFill>
+              <a:prstDash val="solid"/>
+            </a:ln>
+          </p:spPr>
+          <p:style>
+            <a:lnRef idx="2">
+              <a:schemeClr val="accent1">
+                <a:shade val="50000"/>
+              </a:schemeClr>
+            </a:lnRef>
+            <a:fillRef idx="1">
+              <a:schemeClr val="accent1"/>
+            </a:fillRef>
+            <a:effectRef idx="0">
+              <a:schemeClr val="accent1"/>
+            </a:effectRef>
+            <a:fontRef idx="minor">
+              <a:schemeClr val="lt1"/>
+            </a:fontRef>
+          </p:style>
+          <p:txBody>
+            <a:bodyPr rtlCol="0" anchor="ctr"/>
+            <a:lstStyle/>
+            <a:p>
+              <a:pPr algn="ctr"/>
+              <a:endParaRPr lang="zh-CN" altLang="en-US"/>
+            </a:p>
+          </p:txBody>
+        </p:sp>
+        <p:pic>
+          <p:nvPicPr>
+            <p:cNvPr id="35" name="图片 34"/>
+            <p:cNvPicPr>
+              <a:picLocks noChangeAspect="1"/>
+            </p:cNvPicPr>
+            <p:nvPr/>
+          </p:nvPicPr>
+          <p:blipFill>
+            <a:blip r:embed="rId4" cstate="print">
+              <a:extLst>
+                <a:ext uri="{28A0092B-C50C-407E-A947-70E740481C1C}">
+                  <a14:useLocalDpi xmlns:a14="http://schemas.microsoft.com/office/drawing/2010/main" val="0"/>
+                </a:ext>
+              </a:extLst>
+            </a:blip>
+            <a:stretch>
+              <a:fillRect/>
+            </a:stretch>
+          </p:blipFill>
+          <p:spPr>
+            <a:xfrm>
+              <a:off x="6437424" y="2863004"/>
+              <a:ext cx="352439" cy="543931"/>
+            </a:xfrm>
+            <a:prstGeom prst="rect">
+              <a:avLst/>
+            </a:prstGeom>
+          </p:spPr>
+        </p:pic>
+      </p:grpSp>
+      <p:cxnSp>
+        <p:nvCxnSpPr>
+          <p:cNvPr id="36" name="直接箭头连接符 35"/>
+          <p:cNvCxnSpPr/>
+          <p:nvPr/>
+        </p:nvCxnSpPr>
+        <p:spPr>
+          <a:xfrm flipV="1">
+            <a:off x="5639717" y="1525410"/>
+            <a:ext cx="11803" cy="1614287"/>
+          </a:xfrm>
+          <a:prstGeom prst="straightConnector1">
+            <a:avLst/>
+          </a:prstGeom>
+          <a:ln w="28575">
+            <a:solidFill>
+              <a:schemeClr val="accent1">
+                <a:lumMod val="75000"/>
+              </a:schemeClr>
+            </a:solidFill>
+            <a:tailEnd type="triangle"/>
+          </a:ln>
+        </p:spPr>
+        <p:style>
+          <a:lnRef idx="1">
+            <a:schemeClr val="accent1"/>
+          </a:lnRef>
+          <a:fillRef idx="0">
+            <a:schemeClr val="accent1"/>
+          </a:fillRef>
+          <a:effectRef idx="0">
+            <a:schemeClr val="accent1"/>
+          </a:effectRef>
+          <a:fontRef idx="minor">
+            <a:schemeClr val="tx1"/>
+          </a:fontRef>
+        </p:style>
+      </p:cxnSp>
+      <p:cxnSp>
+        <p:nvCxnSpPr>
+          <p:cNvPr id="37" name="直接箭头连接符 36"/>
+          <p:cNvCxnSpPr/>
+          <p:nvPr/>
+        </p:nvCxnSpPr>
+        <p:spPr>
+          <a:xfrm flipH="1">
+            <a:off x="5782921" y="1564730"/>
+            <a:ext cx="61834" cy="1574967"/>
+          </a:xfrm>
+          <a:prstGeom prst="straightConnector1">
+            <a:avLst/>
+          </a:prstGeom>
+          <a:ln w="28575">
+            <a:solidFill>
+              <a:schemeClr val="accent1">
+                <a:lumMod val="75000"/>
+              </a:schemeClr>
+            </a:solidFill>
+            <a:tailEnd type="triangle"/>
+          </a:ln>
+        </p:spPr>
+        <p:style>
+          <a:lnRef idx="1">
+            <a:schemeClr val="accent1"/>
+          </a:lnRef>
+          <a:fillRef idx="0">
+            <a:schemeClr val="accent1"/>
+          </a:fillRef>
+          <a:effectRef idx="0">
+            <a:schemeClr val="accent1"/>
+          </a:effectRef>
+          <a:fontRef idx="minor">
+            <a:schemeClr val="tx1"/>
+          </a:fontRef>
+        </p:style>
+      </p:cxnSp>
+      <p:cxnSp>
+        <p:nvCxnSpPr>
+          <p:cNvPr id="40" name="直接箭头连接符 39"/>
+          <p:cNvCxnSpPr/>
+          <p:nvPr/>
+        </p:nvCxnSpPr>
+        <p:spPr>
+          <a:xfrm flipV="1">
+            <a:off x="6542004" y="1590355"/>
+            <a:ext cx="1631265" cy="1859859"/>
+          </a:xfrm>
+          <a:prstGeom prst="straightConnector1">
+            <a:avLst/>
+          </a:prstGeom>
+          <a:ln w="28575">
+            <a:solidFill>
+              <a:schemeClr val="accent1">
+                <a:lumMod val="75000"/>
+              </a:schemeClr>
+            </a:solidFill>
+            <a:tailEnd type="triangle"/>
+          </a:ln>
+        </p:spPr>
+        <p:style>
+          <a:lnRef idx="1">
+            <a:schemeClr val="accent1"/>
+          </a:lnRef>
+          <a:fillRef idx="0">
+            <a:schemeClr val="accent1"/>
+          </a:fillRef>
+          <a:effectRef idx="0">
+            <a:schemeClr val="accent1"/>
+          </a:effectRef>
+          <a:fontRef idx="minor">
+            <a:schemeClr val="tx1"/>
+          </a:fontRef>
+        </p:style>
+      </p:cxnSp>
+      <p:sp>
+        <p:nvSpPr>
+          <p:cNvPr id="44" name="文本框 43"/>
+          <p:cNvSpPr txBox="1"/>
+          <p:nvPr/>
+        </p:nvSpPr>
+        <p:spPr>
+          <a:xfrm>
+            <a:off x="5115386" y="5978572"/>
+            <a:ext cx="2125529" cy="246221"/>
+          </a:xfrm>
+          <a:prstGeom prst="rect">
+            <a:avLst/>
+          </a:prstGeom>
+          <a:noFill/>
+        </p:spPr>
+        <p:txBody>
+          <a:bodyPr wrap="square" rtlCol="0">
+            <a:spAutoFit/>
+          </a:bodyPr>
+          <a:lstStyle/>
+          <a:p>
+            <a:r>
+              <a:rPr lang="en-US" altLang="zh-CN" sz="1000" dirty="0" smtClean="0"/>
+              <a:t>MongoDB</a:t>
+            </a:r>
+            <a:r>
+              <a:rPr lang="zh-CN" altLang="en-US" sz="1000" dirty="0" smtClean="0"/>
+              <a:t>存储集群</a:t>
+            </a:r>
+            <a:endParaRPr lang="zh-CN" altLang="en-US" sz="1000" dirty="0"/>
+          </a:p>
+        </p:txBody>
+      </p:sp>
+      <p:sp>
+        <p:nvSpPr>
+          <p:cNvPr id="45" name="圆角矩形 44"/>
+          <p:cNvSpPr/>
+          <p:nvPr/>
+        </p:nvSpPr>
+        <p:spPr>
+          <a:xfrm>
+            <a:off x="5028749" y="5283111"/>
+            <a:ext cx="1381854" cy="978720"/>
+          </a:xfrm>
+          <a:prstGeom prst="roundRect">
+            <a:avLst/>
+          </a:prstGeom>
+          <a:noFill/>
+          <a:ln w="25400">
+            <a:solidFill>
+              <a:srgbClr val="92D050"/>
+            </a:solidFill>
+            <a:prstDash val="solid"/>
+          </a:ln>
+        </p:spPr>
+        <p:style>
+          <a:lnRef idx="2">
+            <a:schemeClr val="accent1">
+              <a:shade val="50000"/>
+            </a:schemeClr>
+          </a:lnRef>
+          <a:fillRef idx="1">
+            <a:schemeClr val="accent1"/>
+          </a:fillRef>
+          <a:effectRef idx="0">
+            <a:schemeClr val="accent1"/>
+          </a:effectRef>
+          <a:fontRef idx="minor">
+            <a:schemeClr val="lt1"/>
+          </a:fontRef>
+        </p:style>
+        <p:txBody>
+          <a:bodyPr rtlCol="0" anchor="ctr"/>
+          <a:lstStyle/>
+          <a:p>
+            <a:pPr algn="ctr"/>
+            <a:endParaRPr lang="zh-CN" altLang="en-US"/>
+          </a:p>
+        </p:txBody>
+      </p:sp>
+      <p:pic>
+        <p:nvPicPr>
+          <p:cNvPr id="46" name="图片 45"/>
+          <p:cNvPicPr>
+            <a:picLocks noChangeAspect="1"/>
+          </p:cNvPicPr>
+          <p:nvPr/>
+        </p:nvPicPr>
+        <p:blipFill>
+          <a:blip r:embed="rId4" cstate="print">
+            <a:extLst>
+              <a:ext uri="{28A0092B-C50C-407E-A947-70E740481C1C}">
+                <a14:useLocalDpi xmlns:a14="http://schemas.microsoft.com/office/drawing/2010/main" val="0"/>
+              </a:ext>
+            </a:extLst>
+          </a:blip>
+          <a:stretch>
+            <a:fillRect/>
+          </a:stretch>
+        </p:blipFill>
+        <p:spPr>
+          <a:xfrm>
+            <a:off x="5543456" y="5397603"/>
+            <a:ext cx="352439" cy="543931"/>
+          </a:xfrm>
+          <a:prstGeom prst="rect">
+            <a:avLst/>
+          </a:prstGeom>
+        </p:spPr>
+      </p:pic>
+      <p:cxnSp>
+        <p:nvCxnSpPr>
+          <p:cNvPr id="47" name="直接箭头连接符 46"/>
+          <p:cNvCxnSpPr/>
+          <p:nvPr/>
+        </p:nvCxnSpPr>
+        <p:spPr>
+          <a:xfrm flipH="1">
+            <a:off x="5753497" y="4330435"/>
+            <a:ext cx="29424" cy="863795"/>
+          </a:xfrm>
+          <a:prstGeom prst="straightConnector1">
+            <a:avLst/>
+          </a:prstGeom>
+          <a:ln w="28575">
+            <a:solidFill>
+              <a:schemeClr val="accent1">
+                <a:lumMod val="75000"/>
+              </a:schemeClr>
+            </a:solidFill>
+            <a:tailEnd type="triangle"/>
+          </a:ln>
+        </p:spPr>
+        <p:style>
+          <a:lnRef idx="1">
+            <a:schemeClr val="accent1"/>
+          </a:lnRef>
+          <a:fillRef idx="0">
+            <a:schemeClr val="accent1"/>
+          </a:fillRef>
+          <a:effectRef idx="0">
+            <a:schemeClr val="accent1"/>
+          </a:effectRef>
+          <a:fontRef idx="minor">
+            <a:schemeClr val="tx1"/>
+          </a:fontRef>
+        </p:style>
+      </p:cxnSp>
     </p:spTree>
     <p:extLst>
       <p:ext uri="{BB962C8B-B14F-4D97-AF65-F5344CB8AC3E}">
@@ -35468,6 +36764,574 @@
           <a:chExt cx="0" cy="0"/>
         </a:xfrm>
       </p:grpSpPr>
+      <p:sp>
+        <p:nvSpPr>
+          <p:cNvPr id="2" name="文本框 1"/>
+          <p:cNvSpPr txBox="1"/>
+          <p:nvPr/>
+        </p:nvSpPr>
+        <p:spPr>
+          <a:xfrm>
+            <a:off x="1160924" y="305965"/>
+            <a:ext cx="9916940" cy="6155531"/>
+          </a:xfrm>
+          <a:prstGeom prst="rect">
+            <a:avLst/>
+          </a:prstGeom>
+          <a:noFill/>
+        </p:spPr>
+        <p:txBody>
+          <a:bodyPr wrap="square" rtlCol="0">
+            <a:spAutoFit/>
+          </a:bodyPr>
+          <a:lstStyle/>
+          <a:p>
+            <a:r>
+              <a:rPr lang="en-US" altLang="zh-CN" sz="1600" b="1" dirty="0" err="1" smtClean="0">
+                <a:latin typeface="Consolas" panose="020B0609020204030204" pitchFamily="49" charset="0"/>
+              </a:rPr>
+              <a:t>Yarn_protos.proto</a:t>
+            </a:r>
+            <a:r>
+              <a:rPr lang="en-US" altLang="zh-CN" sz="1600" dirty="0" smtClean="0">
+                <a:latin typeface="Consolas" panose="020B0609020204030204" pitchFamily="49" charset="0"/>
+              </a:rPr>
+              <a:t>:</a:t>
+            </a:r>
+          </a:p>
+          <a:p>
+            <a:r>
+              <a:rPr lang="en-US" altLang="zh-CN" sz="1400" dirty="0" smtClean="0">
+                <a:latin typeface="Consolas" panose="020B0609020204030204" pitchFamily="49" charset="0"/>
+              </a:rPr>
+              <a:t>message </a:t>
+            </a:r>
+            <a:r>
+              <a:rPr lang="en-US" altLang="zh-CN" sz="1400" dirty="0" err="1" smtClean="0">
+                <a:latin typeface="Consolas" panose="020B0609020204030204" pitchFamily="49" charset="0"/>
+              </a:rPr>
+              <a:t>ContainerResourceIncreaseRequestProto</a:t>
+            </a:r>
+            <a:r>
+              <a:rPr lang="en-US" altLang="zh-CN" sz="1400" dirty="0" smtClean="0">
+                <a:latin typeface="Consolas" panose="020B0609020204030204" pitchFamily="49" charset="0"/>
+              </a:rPr>
+              <a:t> {</a:t>
+            </a:r>
+          </a:p>
+          <a:p>
+            <a:r>
+              <a:rPr lang="en-US" altLang="zh-CN" sz="1400" dirty="0">
+                <a:latin typeface="Consolas" panose="020B0609020204030204" pitchFamily="49" charset="0"/>
+              </a:rPr>
+              <a:t> </a:t>
+            </a:r>
+            <a:r>
+              <a:rPr lang="en-US" altLang="zh-CN" sz="1400" dirty="0" smtClean="0">
+                <a:latin typeface="Consolas" panose="020B0609020204030204" pitchFamily="49" charset="0"/>
+              </a:rPr>
+              <a:t> optional </a:t>
+            </a:r>
+            <a:r>
+              <a:rPr lang="en-US" altLang="zh-CN" sz="1400" dirty="0" err="1" smtClean="0">
+                <a:latin typeface="Consolas" panose="020B0609020204030204" pitchFamily="49" charset="0"/>
+              </a:rPr>
+              <a:t>ContainerIdProto</a:t>
+            </a:r>
+            <a:r>
+              <a:rPr lang="en-US" altLang="zh-CN" sz="1400" dirty="0" smtClean="0">
+                <a:latin typeface="Consolas" panose="020B0609020204030204" pitchFamily="49" charset="0"/>
+              </a:rPr>
+              <a:t> </a:t>
+            </a:r>
+            <a:r>
+              <a:rPr lang="en-US" altLang="zh-CN" sz="1400" dirty="0" err="1" smtClean="0">
+                <a:latin typeface="Consolas" panose="020B0609020204030204" pitchFamily="49" charset="0"/>
+              </a:rPr>
+              <a:t>container_id</a:t>
+            </a:r>
+            <a:r>
+              <a:rPr lang="en-US" altLang="zh-CN" sz="1400" dirty="0" smtClean="0">
+                <a:latin typeface="Consolas" panose="020B0609020204030204" pitchFamily="49" charset="0"/>
+              </a:rPr>
+              <a:t> = 1;</a:t>
+            </a:r>
+          </a:p>
+          <a:p>
+            <a:r>
+              <a:rPr lang="en-US" altLang="zh-CN" sz="1400" dirty="0" smtClean="0">
+                <a:latin typeface="Consolas" panose="020B0609020204030204" pitchFamily="49" charset="0"/>
+              </a:rPr>
+              <a:t>  optional </a:t>
+            </a:r>
+            <a:r>
+              <a:rPr lang="en-US" altLang="zh-CN" sz="1400" dirty="0" err="1" smtClean="0">
+                <a:latin typeface="Consolas" panose="020B0609020204030204" pitchFamily="49" charset="0"/>
+              </a:rPr>
+              <a:t>ResourceProto</a:t>
+            </a:r>
+            <a:r>
+              <a:rPr lang="en-US" altLang="zh-CN" sz="1400" dirty="0" smtClean="0">
+                <a:latin typeface="Consolas" panose="020B0609020204030204" pitchFamily="49" charset="0"/>
+              </a:rPr>
+              <a:t> capability = 2;</a:t>
+            </a:r>
+            <a:endParaRPr lang="en-US" altLang="zh-CN" sz="1400" dirty="0">
+              <a:latin typeface="Consolas" panose="020B0609020204030204" pitchFamily="49" charset="0"/>
+            </a:endParaRPr>
+          </a:p>
+          <a:p>
+            <a:r>
+              <a:rPr lang="en-US" altLang="zh-CN" sz="1400" dirty="0" smtClean="0">
+                <a:latin typeface="Consolas" panose="020B0609020204030204" pitchFamily="49" charset="0"/>
+              </a:rPr>
+              <a:t>}</a:t>
+            </a:r>
+          </a:p>
+          <a:p>
+            <a:endParaRPr lang="en-US" altLang="zh-CN" sz="1400" dirty="0">
+              <a:latin typeface="Consolas" panose="020B0609020204030204" pitchFamily="49" charset="0"/>
+            </a:endParaRPr>
+          </a:p>
+          <a:p>
+            <a:r>
+              <a:rPr lang="en-US" altLang="zh-CN" sz="1400" dirty="0" smtClean="0">
+                <a:latin typeface="Consolas" panose="020B0609020204030204" pitchFamily="49" charset="0"/>
+              </a:rPr>
+              <a:t>message </a:t>
+            </a:r>
+            <a:r>
+              <a:rPr lang="en-US" altLang="zh-CN" sz="1400" dirty="0" err="1" smtClean="0">
+                <a:latin typeface="Consolas" panose="020B0609020204030204" pitchFamily="49" charset="0"/>
+              </a:rPr>
+              <a:t>ContainerResourceIncreaseProto</a:t>
+            </a:r>
+            <a:r>
+              <a:rPr lang="en-US" altLang="zh-CN" sz="1400" dirty="0" smtClean="0">
+                <a:latin typeface="Consolas" panose="020B0609020204030204" pitchFamily="49" charset="0"/>
+              </a:rPr>
+              <a:t> {</a:t>
+            </a:r>
+          </a:p>
+          <a:p>
+            <a:r>
+              <a:rPr lang="en-US" altLang="zh-CN" sz="1400" dirty="0">
+                <a:latin typeface="Consolas" panose="020B0609020204030204" pitchFamily="49" charset="0"/>
+              </a:rPr>
+              <a:t> </a:t>
+            </a:r>
+            <a:r>
+              <a:rPr lang="en-US" altLang="zh-CN" sz="1400" dirty="0" smtClean="0">
+                <a:latin typeface="Consolas" panose="020B0609020204030204" pitchFamily="49" charset="0"/>
+              </a:rPr>
+              <a:t> optional </a:t>
+            </a:r>
+            <a:r>
+              <a:rPr lang="en-US" altLang="zh-CN" sz="1400" dirty="0" err="1" smtClean="0">
+                <a:latin typeface="Consolas" panose="020B0609020204030204" pitchFamily="49" charset="0"/>
+              </a:rPr>
+              <a:t>ContainerIdProto</a:t>
+            </a:r>
+            <a:r>
+              <a:rPr lang="en-US" altLang="zh-CN" sz="1400" dirty="0" smtClean="0">
+                <a:latin typeface="Consolas" panose="020B0609020204030204" pitchFamily="49" charset="0"/>
+              </a:rPr>
+              <a:t> </a:t>
+            </a:r>
+            <a:r>
+              <a:rPr lang="en-US" altLang="zh-CN" sz="1400" dirty="0" err="1" smtClean="0">
+                <a:latin typeface="Consolas" panose="020B0609020204030204" pitchFamily="49" charset="0"/>
+              </a:rPr>
+              <a:t>container_id</a:t>
+            </a:r>
+            <a:r>
+              <a:rPr lang="en-US" altLang="zh-CN" sz="1400" dirty="0" smtClean="0">
+                <a:latin typeface="Consolas" panose="020B0609020204030204" pitchFamily="49" charset="0"/>
+              </a:rPr>
+              <a:t> = 1;</a:t>
+            </a:r>
+          </a:p>
+          <a:p>
+            <a:r>
+              <a:rPr lang="en-US" altLang="zh-CN" sz="1400" dirty="0">
+                <a:latin typeface="Consolas" panose="020B0609020204030204" pitchFamily="49" charset="0"/>
+              </a:rPr>
+              <a:t> </a:t>
+            </a:r>
+            <a:r>
+              <a:rPr lang="en-US" altLang="zh-CN" sz="1400" dirty="0" smtClean="0">
+                <a:latin typeface="Consolas" panose="020B0609020204030204" pitchFamily="49" charset="0"/>
+              </a:rPr>
+              <a:t> optional </a:t>
+            </a:r>
+            <a:r>
+              <a:rPr lang="en-US" altLang="zh-CN" sz="1400" dirty="0" err="1" smtClean="0">
+                <a:latin typeface="Consolas" panose="020B0609020204030204" pitchFamily="49" charset="0"/>
+              </a:rPr>
+              <a:t>ResourceProto</a:t>
+            </a:r>
+            <a:r>
+              <a:rPr lang="en-US" altLang="zh-CN" sz="1400" dirty="0" smtClean="0">
+                <a:latin typeface="Consolas" panose="020B0609020204030204" pitchFamily="49" charset="0"/>
+              </a:rPr>
+              <a:t> capability = 2;</a:t>
+            </a:r>
+          </a:p>
+          <a:p>
+            <a:r>
+              <a:rPr lang="en-US" altLang="zh-CN" sz="1400" dirty="0">
+                <a:latin typeface="Consolas" panose="020B0609020204030204" pitchFamily="49" charset="0"/>
+              </a:rPr>
+              <a:t> </a:t>
+            </a:r>
+            <a:r>
+              <a:rPr lang="en-US" altLang="zh-CN" sz="1400" dirty="0" smtClean="0">
+                <a:latin typeface="Consolas" panose="020B0609020204030204" pitchFamily="49" charset="0"/>
+              </a:rPr>
+              <a:t> optional </a:t>
+            </a:r>
+            <a:r>
+              <a:rPr lang="en-US" altLang="zh-CN" sz="1400" dirty="0" err="1" smtClean="0">
+                <a:latin typeface="Consolas" panose="020B0609020204030204" pitchFamily="49" charset="0"/>
+              </a:rPr>
+              <a:t>Hadoop.common.TokenProto</a:t>
+            </a:r>
+            <a:r>
+              <a:rPr lang="en-US" altLang="zh-CN" sz="1400" dirty="0" smtClean="0">
+                <a:latin typeface="Consolas" panose="020B0609020204030204" pitchFamily="49" charset="0"/>
+              </a:rPr>
+              <a:t> </a:t>
+            </a:r>
+            <a:r>
+              <a:rPr lang="en-US" altLang="zh-CN" sz="1400" dirty="0" err="1" smtClean="0">
+                <a:latin typeface="Consolas" panose="020B0609020204030204" pitchFamily="49" charset="0"/>
+              </a:rPr>
+              <a:t>container_token</a:t>
+            </a:r>
+            <a:r>
+              <a:rPr lang="en-US" altLang="zh-CN" sz="1400" dirty="0" smtClean="0">
+                <a:latin typeface="Consolas" panose="020B0609020204030204" pitchFamily="49" charset="0"/>
+              </a:rPr>
+              <a:t> = 3;</a:t>
+            </a:r>
+          </a:p>
+          <a:p>
+            <a:r>
+              <a:rPr lang="en-US" altLang="zh-CN" sz="1400" dirty="0" smtClean="0">
+                <a:latin typeface="Consolas" panose="020B0609020204030204" pitchFamily="49" charset="0"/>
+              </a:rPr>
+              <a:t>}</a:t>
+            </a:r>
+          </a:p>
+          <a:p>
+            <a:endParaRPr lang="en-US" altLang="zh-CN" sz="1400" dirty="0">
+              <a:latin typeface="Consolas" panose="020B0609020204030204" pitchFamily="49" charset="0"/>
+            </a:endParaRPr>
+          </a:p>
+          <a:p>
+            <a:r>
+              <a:rPr lang="en-US" altLang="zh-CN" sz="1400" dirty="0" smtClean="0">
+                <a:latin typeface="Consolas" panose="020B0609020204030204" pitchFamily="49" charset="0"/>
+              </a:rPr>
+              <a:t>message </a:t>
+            </a:r>
+            <a:r>
+              <a:rPr lang="en-US" altLang="zh-CN" sz="1400" dirty="0" err="1" smtClean="0">
+                <a:latin typeface="Consolas" panose="020B0609020204030204" pitchFamily="49" charset="0"/>
+              </a:rPr>
+              <a:t>ContainerResourceDecreaseProto</a:t>
+            </a:r>
+            <a:r>
+              <a:rPr lang="en-US" altLang="zh-CN" sz="1400" dirty="0" smtClean="0">
+                <a:latin typeface="Consolas" panose="020B0609020204030204" pitchFamily="49" charset="0"/>
+              </a:rPr>
+              <a:t> {</a:t>
+            </a:r>
+          </a:p>
+          <a:p>
+            <a:r>
+              <a:rPr lang="en-US" altLang="zh-CN" sz="1400" dirty="0">
+                <a:latin typeface="Consolas" panose="020B0609020204030204" pitchFamily="49" charset="0"/>
+              </a:rPr>
+              <a:t> </a:t>
+            </a:r>
+            <a:r>
+              <a:rPr lang="en-US" altLang="zh-CN" sz="1400" dirty="0" smtClean="0">
+                <a:latin typeface="Consolas" panose="020B0609020204030204" pitchFamily="49" charset="0"/>
+              </a:rPr>
+              <a:t> optional </a:t>
+            </a:r>
+            <a:r>
+              <a:rPr lang="en-US" altLang="zh-CN" sz="1400" dirty="0" err="1" smtClean="0">
+                <a:latin typeface="Consolas" panose="020B0609020204030204" pitchFamily="49" charset="0"/>
+              </a:rPr>
+              <a:t>ContainerIdProto</a:t>
+            </a:r>
+            <a:r>
+              <a:rPr lang="en-US" altLang="zh-CN" sz="1400" dirty="0" smtClean="0">
+                <a:latin typeface="Consolas" panose="020B0609020204030204" pitchFamily="49" charset="0"/>
+              </a:rPr>
+              <a:t> </a:t>
+            </a:r>
+            <a:r>
+              <a:rPr lang="en-US" altLang="zh-CN" sz="1400" dirty="0" err="1" smtClean="0">
+                <a:latin typeface="Consolas" panose="020B0609020204030204" pitchFamily="49" charset="0"/>
+              </a:rPr>
+              <a:t>container_id</a:t>
+            </a:r>
+            <a:r>
+              <a:rPr lang="en-US" altLang="zh-CN" sz="1400" dirty="0" smtClean="0">
+                <a:latin typeface="Consolas" panose="020B0609020204030204" pitchFamily="49" charset="0"/>
+              </a:rPr>
+              <a:t> = 1;</a:t>
+            </a:r>
+          </a:p>
+          <a:p>
+            <a:r>
+              <a:rPr lang="en-US" altLang="zh-CN" sz="1400" dirty="0">
+                <a:latin typeface="Consolas" panose="020B0609020204030204" pitchFamily="49" charset="0"/>
+              </a:rPr>
+              <a:t> </a:t>
+            </a:r>
+            <a:r>
+              <a:rPr lang="en-US" altLang="zh-CN" sz="1400" dirty="0" smtClean="0">
+                <a:latin typeface="Consolas" panose="020B0609020204030204" pitchFamily="49" charset="0"/>
+              </a:rPr>
+              <a:t> optional </a:t>
+            </a:r>
+            <a:r>
+              <a:rPr lang="en-US" altLang="zh-CN" sz="1400" dirty="0" err="1" smtClean="0">
+                <a:latin typeface="Consolas" panose="020B0609020204030204" pitchFamily="49" charset="0"/>
+              </a:rPr>
+              <a:t>ResourceProto</a:t>
+            </a:r>
+            <a:r>
+              <a:rPr lang="en-US" altLang="zh-CN" sz="1400" dirty="0" smtClean="0">
+                <a:latin typeface="Consolas" panose="020B0609020204030204" pitchFamily="49" charset="0"/>
+              </a:rPr>
+              <a:t> capability = 2;</a:t>
+            </a:r>
+          </a:p>
+          <a:p>
+            <a:r>
+              <a:rPr lang="en-US" altLang="zh-CN" sz="1400" dirty="0" smtClean="0">
+                <a:latin typeface="Consolas" panose="020B0609020204030204" pitchFamily="49" charset="0"/>
+              </a:rPr>
+              <a:t>}</a:t>
+            </a:r>
+          </a:p>
+          <a:p>
+            <a:endParaRPr lang="en-US" altLang="zh-CN" sz="1400" dirty="0">
+              <a:latin typeface="Consolas" panose="020B0609020204030204" pitchFamily="49" charset="0"/>
+            </a:endParaRPr>
+          </a:p>
+          <a:p>
+            <a:r>
+              <a:rPr lang="en-US" altLang="zh-CN" sz="1600" b="1" dirty="0" err="1" smtClean="0">
+                <a:latin typeface="Consolas" panose="020B0609020204030204" pitchFamily="49" charset="0"/>
+              </a:rPr>
+              <a:t>Yarn_service_protos.proto</a:t>
+            </a:r>
+            <a:r>
+              <a:rPr lang="en-US" altLang="zh-CN" sz="1400" b="1" dirty="0" smtClean="0">
+                <a:latin typeface="Consolas" panose="020B0609020204030204" pitchFamily="49" charset="0"/>
+              </a:rPr>
+              <a:t>:</a:t>
+            </a:r>
+          </a:p>
+          <a:p>
+            <a:r>
+              <a:rPr lang="en-US" altLang="zh-CN" sz="1400" dirty="0" smtClean="0">
+                <a:latin typeface="Consolas" panose="020B0609020204030204" pitchFamily="49" charset="0"/>
+              </a:rPr>
+              <a:t>message </a:t>
+            </a:r>
+            <a:r>
+              <a:rPr lang="en-US" altLang="zh-CN" sz="1400" dirty="0" err="1" smtClean="0">
+                <a:latin typeface="Consolas" panose="020B0609020204030204" pitchFamily="49" charset="0"/>
+              </a:rPr>
+              <a:t>AllocateRequestProto</a:t>
+            </a:r>
+            <a:r>
+              <a:rPr lang="en-US" altLang="zh-CN" sz="1400" dirty="0" smtClean="0">
+                <a:latin typeface="Consolas" panose="020B0609020204030204" pitchFamily="49" charset="0"/>
+              </a:rPr>
+              <a:t> {</a:t>
+            </a:r>
+          </a:p>
+          <a:p>
+            <a:r>
+              <a:rPr lang="en-US" altLang="zh-CN" sz="1400" dirty="0" smtClean="0">
+                <a:latin typeface="Consolas" panose="020B0609020204030204" pitchFamily="49" charset="0"/>
+              </a:rPr>
+              <a:t>  ......</a:t>
+            </a:r>
+          </a:p>
+          <a:p>
+            <a:r>
+              <a:rPr lang="en-US" altLang="zh-CN" sz="1400" dirty="0">
+                <a:latin typeface="Consolas" panose="020B0609020204030204" pitchFamily="49" charset="0"/>
+              </a:rPr>
+              <a:t> </a:t>
+            </a:r>
+            <a:r>
+              <a:rPr lang="en-US" altLang="zh-CN" sz="1400" dirty="0" smtClean="0">
+                <a:latin typeface="Consolas" panose="020B0609020204030204" pitchFamily="49" charset="0"/>
+              </a:rPr>
+              <a:t> repeated </a:t>
+            </a:r>
+            <a:r>
+              <a:rPr lang="en-US" altLang="zh-CN" sz="1400" dirty="0" err="1" smtClean="0">
+                <a:latin typeface="Consolas" panose="020B0609020204030204" pitchFamily="49" charset="0"/>
+              </a:rPr>
+              <a:t>ContainerResourceIncreaseRequestProto</a:t>
+            </a:r>
+            <a:r>
+              <a:rPr lang="en-US" altLang="zh-CN" sz="1400" dirty="0" smtClean="0">
+                <a:latin typeface="Consolas" panose="020B0609020204030204" pitchFamily="49" charset="0"/>
+              </a:rPr>
+              <a:t> </a:t>
+            </a:r>
+            <a:r>
+              <a:rPr lang="en-US" altLang="zh-CN" sz="1400" dirty="0" err="1" smtClean="0">
+                <a:latin typeface="Consolas" panose="020B0609020204030204" pitchFamily="49" charset="0"/>
+              </a:rPr>
+              <a:t>increase_request</a:t>
+            </a:r>
+            <a:r>
+              <a:rPr lang="en-US" altLang="zh-CN" sz="1400" dirty="0" smtClean="0">
+                <a:latin typeface="Consolas" panose="020B0609020204030204" pitchFamily="49" charset="0"/>
+              </a:rPr>
+              <a:t> = 6;</a:t>
+            </a:r>
+          </a:p>
+          <a:p>
+            <a:r>
+              <a:rPr lang="en-US" altLang="zh-CN" sz="1400" dirty="0" smtClean="0">
+                <a:latin typeface="Consolas" panose="020B0609020204030204" pitchFamily="49" charset="0"/>
+              </a:rPr>
+              <a:t>}</a:t>
+            </a:r>
+          </a:p>
+          <a:p>
+            <a:endParaRPr lang="en-US" altLang="zh-CN" sz="1400" dirty="0">
+              <a:latin typeface="Consolas" panose="020B0609020204030204" pitchFamily="49" charset="0"/>
+            </a:endParaRPr>
+          </a:p>
+          <a:p>
+            <a:r>
+              <a:rPr lang="en-US" altLang="zh-CN" sz="1400" dirty="0" smtClean="0">
+                <a:latin typeface="Consolas" panose="020B0609020204030204" pitchFamily="49" charset="0"/>
+              </a:rPr>
+              <a:t>message </a:t>
+            </a:r>
+            <a:r>
+              <a:rPr lang="en-US" altLang="zh-CN" sz="1400" dirty="0" err="1" smtClean="0">
+                <a:latin typeface="Consolas" panose="020B0609020204030204" pitchFamily="49" charset="0"/>
+              </a:rPr>
+              <a:t>AllocateResponseProto</a:t>
+            </a:r>
+            <a:r>
+              <a:rPr lang="en-US" altLang="zh-CN" sz="1400" dirty="0" smtClean="0">
+                <a:latin typeface="Consolas" panose="020B0609020204030204" pitchFamily="49" charset="0"/>
+              </a:rPr>
+              <a:t> {</a:t>
+            </a:r>
+          </a:p>
+          <a:p>
+            <a:r>
+              <a:rPr lang="en-US" altLang="zh-CN" sz="1400" dirty="0">
+                <a:latin typeface="Consolas" panose="020B0609020204030204" pitchFamily="49" charset="0"/>
+              </a:rPr>
+              <a:t>  </a:t>
+            </a:r>
+            <a:r>
+              <a:rPr lang="en-US" altLang="zh-CN" sz="1400" dirty="0" smtClean="0">
+                <a:latin typeface="Consolas" panose="020B0609020204030204" pitchFamily="49" charset="0"/>
+              </a:rPr>
+              <a:t>......</a:t>
+            </a:r>
+          </a:p>
+          <a:p>
+            <a:r>
+              <a:rPr lang="en-US" altLang="zh-CN" sz="1400" dirty="0" smtClean="0">
+                <a:latin typeface="Consolas" panose="020B0609020204030204" pitchFamily="49" charset="0"/>
+              </a:rPr>
+              <a:t>  repeated </a:t>
+            </a:r>
+            <a:r>
+              <a:rPr lang="en-US" altLang="zh-CN" sz="1400" dirty="0" err="1" smtClean="0">
+                <a:latin typeface="Consolas" panose="020B0609020204030204" pitchFamily="49" charset="0"/>
+              </a:rPr>
+              <a:t>ContainerResourceIncreaseProto</a:t>
+            </a:r>
+            <a:r>
+              <a:rPr lang="en-US" altLang="zh-CN" sz="1400" dirty="0" smtClean="0">
+                <a:latin typeface="Consolas" panose="020B0609020204030204" pitchFamily="49" charset="0"/>
+              </a:rPr>
+              <a:t> </a:t>
+            </a:r>
+            <a:r>
+              <a:rPr lang="en-US" altLang="zh-CN" sz="1400" dirty="0" err="1" smtClean="0">
+                <a:latin typeface="Consolas" panose="020B0609020204030204" pitchFamily="49" charset="0"/>
+              </a:rPr>
+              <a:t>increased_containers</a:t>
+            </a:r>
+            <a:r>
+              <a:rPr lang="en-US" altLang="zh-CN" sz="1400" dirty="0" smtClean="0">
+                <a:latin typeface="Consolas" panose="020B0609020204030204" pitchFamily="49" charset="0"/>
+              </a:rPr>
+              <a:t> = 10;</a:t>
+            </a:r>
+          </a:p>
+          <a:p>
+            <a:r>
+              <a:rPr lang="en-US" altLang="zh-CN" sz="1400" dirty="0">
+                <a:latin typeface="Consolas" panose="020B0609020204030204" pitchFamily="49" charset="0"/>
+              </a:rPr>
+              <a:t>  repeated</a:t>
+            </a:r>
+            <a:r>
+              <a:rPr lang="en-US" altLang="zh-CN" sz="1400" dirty="0" smtClean="0">
+                <a:latin typeface="Consolas" panose="020B0609020204030204" pitchFamily="49" charset="0"/>
+              </a:rPr>
+              <a:t> </a:t>
+            </a:r>
+            <a:r>
+              <a:rPr lang="en-US" altLang="zh-CN" sz="1400" dirty="0" err="1" smtClean="0">
+                <a:latin typeface="Consolas" panose="020B0609020204030204" pitchFamily="49" charset="0"/>
+              </a:rPr>
+              <a:t>ContainerResourceDecreaseProto</a:t>
+            </a:r>
+            <a:r>
+              <a:rPr lang="en-US" altLang="zh-CN" sz="1400" dirty="0" smtClean="0">
+                <a:latin typeface="Consolas" panose="020B0609020204030204" pitchFamily="49" charset="0"/>
+              </a:rPr>
+              <a:t> </a:t>
+            </a:r>
+            <a:r>
+              <a:rPr lang="en-US" altLang="zh-CN" sz="1400" dirty="0" err="1" smtClean="0">
+                <a:latin typeface="Consolas" panose="020B0609020204030204" pitchFamily="49" charset="0"/>
+              </a:rPr>
+              <a:t>decreased_containers</a:t>
+            </a:r>
+            <a:r>
+              <a:rPr lang="en-US" altLang="zh-CN" sz="1400" dirty="0" smtClean="0">
+                <a:latin typeface="Consolas" panose="020B0609020204030204" pitchFamily="49" charset="0"/>
+              </a:rPr>
+              <a:t> = 11;</a:t>
+            </a:r>
+          </a:p>
+          <a:p>
+            <a:r>
+              <a:rPr lang="en-US" altLang="zh-CN" sz="1400" dirty="0" smtClean="0">
+                <a:latin typeface="Consolas" panose="020B0609020204030204" pitchFamily="49" charset="0"/>
+              </a:rPr>
+              <a:t>} </a:t>
+            </a:r>
+          </a:p>
+        </p:txBody>
+      </p:sp>
     </p:spTree>
     <p:extLst>
       <p:ext uri="{BB962C8B-B14F-4D97-AF65-F5344CB8AC3E}">
@@ -35498,10 +37362,953 @@
           <a:chExt cx="0" cy="0"/>
         </a:xfrm>
       </p:grpSpPr>
+      <p:sp>
+        <p:nvSpPr>
+          <p:cNvPr id="2" name="文本框 1"/>
+          <p:cNvSpPr txBox="1"/>
+          <p:nvPr/>
+        </p:nvSpPr>
+        <p:spPr>
+          <a:xfrm>
+            <a:off x="1419542" y="305965"/>
+            <a:ext cx="7983076" cy="3385542"/>
+          </a:xfrm>
+          <a:prstGeom prst="rect">
+            <a:avLst/>
+          </a:prstGeom>
+          <a:noFill/>
+        </p:spPr>
+        <p:txBody>
+          <a:bodyPr wrap="square" rtlCol="0">
+            <a:spAutoFit/>
+          </a:bodyPr>
+          <a:lstStyle/>
+          <a:p>
+            <a:r>
+              <a:rPr lang="en-US" altLang="zh-CN" sz="1600" b="1" dirty="0" err="1" smtClean="0">
+                <a:latin typeface="Consolas" panose="020B0609020204030204" pitchFamily="49" charset="0"/>
+              </a:rPr>
+              <a:t>Yarn_service_protos.proto</a:t>
+            </a:r>
+            <a:r>
+              <a:rPr lang="en-US" altLang="zh-CN" sz="1400" b="1" dirty="0" smtClean="0">
+                <a:latin typeface="Consolas" panose="020B0609020204030204" pitchFamily="49" charset="0"/>
+              </a:rPr>
+              <a:t>:</a:t>
+            </a:r>
+          </a:p>
+          <a:p>
+            <a:r>
+              <a:rPr lang="en-US" altLang="zh-CN" sz="1400" dirty="0">
+                <a:latin typeface="Consolas" panose="020B0609020204030204" pitchFamily="49" charset="0"/>
+              </a:rPr>
+              <a:t>message </a:t>
+            </a:r>
+            <a:r>
+              <a:rPr lang="en-US" altLang="zh-CN" sz="1400" dirty="0" err="1">
+                <a:latin typeface="Consolas" panose="020B0609020204030204" pitchFamily="49" charset="0"/>
+              </a:rPr>
+              <a:t>ChangeContainersResourceRequestProto</a:t>
+            </a:r>
+            <a:r>
+              <a:rPr lang="en-US" altLang="zh-CN" sz="1400" dirty="0">
+                <a:latin typeface="Consolas" panose="020B0609020204030204" pitchFamily="49" charset="0"/>
+              </a:rPr>
+              <a:t> { </a:t>
+            </a:r>
+          </a:p>
+          <a:p>
+            <a:r>
+              <a:rPr lang="en-US" altLang="zh-CN" sz="1400" dirty="0" smtClean="0">
+                <a:latin typeface="Consolas" panose="020B0609020204030204" pitchFamily="49" charset="0"/>
+              </a:rPr>
+              <a:t>  repeated </a:t>
+            </a:r>
+            <a:r>
+              <a:rPr lang="en-US" altLang="zh-CN" sz="1400" dirty="0" err="1">
+                <a:latin typeface="Consolas" panose="020B0609020204030204" pitchFamily="49" charset="0"/>
+              </a:rPr>
+              <a:t>hadoop.common.TokenProto</a:t>
+            </a:r>
+            <a:r>
+              <a:rPr lang="en-US" altLang="zh-CN" sz="1400" dirty="0">
+                <a:latin typeface="Consolas" panose="020B0609020204030204" pitchFamily="49" charset="0"/>
+              </a:rPr>
+              <a:t> </a:t>
+            </a:r>
+            <a:r>
+              <a:rPr lang="en-US" altLang="zh-CN" sz="1400" dirty="0" err="1">
+                <a:latin typeface="Consolas" panose="020B0609020204030204" pitchFamily="49" charset="0"/>
+              </a:rPr>
+              <a:t>increase_containers</a:t>
+            </a:r>
+            <a:r>
+              <a:rPr lang="en-US" altLang="zh-CN" sz="1400" dirty="0">
+                <a:latin typeface="Consolas" panose="020B0609020204030204" pitchFamily="49" charset="0"/>
+              </a:rPr>
+              <a:t> = 1; </a:t>
+            </a:r>
+          </a:p>
+          <a:p>
+            <a:r>
+              <a:rPr lang="en-US" altLang="zh-CN" sz="1400" dirty="0" smtClean="0">
+                <a:latin typeface="Consolas" panose="020B0609020204030204" pitchFamily="49" charset="0"/>
+              </a:rPr>
+              <a:t>  repeated </a:t>
+            </a:r>
+            <a:r>
+              <a:rPr lang="en-US" altLang="zh-CN" sz="1400" dirty="0" err="1">
+                <a:latin typeface="Consolas" panose="020B0609020204030204" pitchFamily="49" charset="0"/>
+              </a:rPr>
+              <a:t>ContainerResourceDecreaseProto</a:t>
+            </a:r>
+            <a:r>
+              <a:rPr lang="en-US" altLang="zh-CN" sz="1400" dirty="0">
+                <a:latin typeface="Consolas" panose="020B0609020204030204" pitchFamily="49" charset="0"/>
+              </a:rPr>
+              <a:t> </a:t>
+            </a:r>
+            <a:r>
+              <a:rPr lang="en-US" altLang="zh-CN" sz="1400" dirty="0" err="1">
+                <a:latin typeface="Consolas" panose="020B0609020204030204" pitchFamily="49" charset="0"/>
+              </a:rPr>
+              <a:t>decrease_containers</a:t>
+            </a:r>
+            <a:r>
+              <a:rPr lang="en-US" altLang="zh-CN" sz="1400" dirty="0">
+                <a:latin typeface="Consolas" panose="020B0609020204030204" pitchFamily="49" charset="0"/>
+              </a:rPr>
+              <a:t> = 2; </a:t>
+            </a:r>
+          </a:p>
+          <a:p>
+            <a:r>
+              <a:rPr lang="en-US" altLang="zh-CN" sz="1400" dirty="0">
+                <a:latin typeface="Consolas" panose="020B0609020204030204" pitchFamily="49" charset="0"/>
+              </a:rPr>
+              <a:t>} </a:t>
+            </a:r>
+            <a:endParaRPr lang="zh-CN" altLang="en-US" sz="1400" dirty="0">
+              <a:latin typeface="Consolas" panose="020B0609020204030204" pitchFamily="49" charset="0"/>
+            </a:endParaRPr>
+          </a:p>
+          <a:p>
+            <a:r>
+              <a:rPr lang="en-US" altLang="zh-CN" sz="1400" dirty="0">
+                <a:latin typeface="Consolas" panose="020B0609020204030204" pitchFamily="49" charset="0"/>
+              </a:rPr>
+              <a:t>message </a:t>
+            </a:r>
+            <a:r>
+              <a:rPr lang="en-US" altLang="zh-CN" sz="1400" dirty="0" err="1">
+                <a:latin typeface="Consolas" panose="020B0609020204030204" pitchFamily="49" charset="0"/>
+              </a:rPr>
+              <a:t>ChangeContainersResourceResponseProto</a:t>
+            </a:r>
+            <a:r>
+              <a:rPr lang="en-US" altLang="zh-CN" sz="1400" dirty="0">
+                <a:latin typeface="Consolas" panose="020B0609020204030204" pitchFamily="49" charset="0"/>
+              </a:rPr>
+              <a:t> { </a:t>
+            </a:r>
+          </a:p>
+          <a:p>
+            <a:r>
+              <a:rPr lang="en-US" altLang="zh-CN" sz="1400" dirty="0" smtClean="0">
+                <a:latin typeface="Consolas" panose="020B0609020204030204" pitchFamily="49" charset="0"/>
+              </a:rPr>
+              <a:t>  repeated </a:t>
+            </a:r>
+            <a:r>
+              <a:rPr lang="en-US" altLang="zh-CN" sz="1400" dirty="0" err="1">
+                <a:latin typeface="Consolas" panose="020B0609020204030204" pitchFamily="49" charset="0"/>
+              </a:rPr>
+              <a:t>ContainerIdProto</a:t>
+            </a:r>
+            <a:r>
+              <a:rPr lang="en-US" altLang="zh-CN" sz="1400" dirty="0">
+                <a:latin typeface="Consolas" panose="020B0609020204030204" pitchFamily="49" charset="0"/>
+              </a:rPr>
+              <a:t> </a:t>
+            </a:r>
+            <a:r>
+              <a:rPr lang="en-US" altLang="zh-CN" sz="1400" dirty="0" err="1">
+                <a:latin typeface="Consolas" panose="020B0609020204030204" pitchFamily="49" charset="0"/>
+              </a:rPr>
+              <a:t>succeeded_requests</a:t>
+            </a:r>
+            <a:r>
+              <a:rPr lang="en-US" altLang="zh-CN" sz="1400" dirty="0">
+                <a:latin typeface="Consolas" panose="020B0609020204030204" pitchFamily="49" charset="0"/>
+              </a:rPr>
+              <a:t> = 1; </a:t>
+            </a:r>
+          </a:p>
+          <a:p>
+            <a:r>
+              <a:rPr lang="en-US" altLang="zh-CN" sz="1400" dirty="0" smtClean="0">
+                <a:latin typeface="Consolas" panose="020B0609020204030204" pitchFamily="49" charset="0"/>
+              </a:rPr>
+              <a:t>  repeated </a:t>
+            </a:r>
+            <a:r>
+              <a:rPr lang="en-US" altLang="zh-CN" sz="1400" dirty="0" err="1">
+                <a:latin typeface="Consolas" panose="020B0609020204030204" pitchFamily="49" charset="0"/>
+              </a:rPr>
+              <a:t>ContainerExceptionMapProto</a:t>
+            </a:r>
+            <a:r>
+              <a:rPr lang="en-US" altLang="zh-CN" sz="1400" dirty="0">
+                <a:latin typeface="Consolas" panose="020B0609020204030204" pitchFamily="49" charset="0"/>
+              </a:rPr>
+              <a:t> </a:t>
+            </a:r>
+            <a:r>
+              <a:rPr lang="en-US" altLang="zh-CN" sz="1400" dirty="0" err="1">
+                <a:latin typeface="Consolas" panose="020B0609020204030204" pitchFamily="49" charset="0"/>
+              </a:rPr>
+              <a:t>failed_requests</a:t>
+            </a:r>
+            <a:r>
+              <a:rPr lang="en-US" altLang="zh-CN" sz="1400" dirty="0">
+                <a:latin typeface="Consolas" panose="020B0609020204030204" pitchFamily="49" charset="0"/>
+              </a:rPr>
+              <a:t> = 2; </a:t>
+            </a:r>
+          </a:p>
+          <a:p>
+            <a:r>
+              <a:rPr lang="en-US" altLang="zh-CN" sz="1400" dirty="0" smtClean="0">
+                <a:latin typeface="Consolas" panose="020B0609020204030204" pitchFamily="49" charset="0"/>
+              </a:rPr>
+              <a:t>}</a:t>
+            </a:r>
+          </a:p>
+          <a:p>
+            <a:endParaRPr lang="en-US" altLang="zh-CN" sz="1400" dirty="0">
+              <a:latin typeface="Consolas" panose="020B0609020204030204" pitchFamily="49" charset="0"/>
+            </a:endParaRPr>
+          </a:p>
+          <a:p>
+            <a:r>
+              <a:rPr lang="en-US" altLang="zh-CN" sz="1600" b="1" dirty="0" err="1" smtClean="0">
+                <a:latin typeface="Consolas" panose="020B0609020204030204" pitchFamily="49" charset="0"/>
+              </a:rPr>
+              <a:t>Containermanagment_protos.proto</a:t>
+            </a:r>
+            <a:r>
+              <a:rPr lang="en-US" altLang="zh-CN" sz="1400" b="1" dirty="0" smtClean="0">
+                <a:latin typeface="Consolas" panose="020B0609020204030204" pitchFamily="49" charset="0"/>
+              </a:rPr>
+              <a:t>:</a:t>
+            </a:r>
+          </a:p>
+          <a:p>
+            <a:r>
+              <a:rPr lang="en-US" altLang="zh-CN" sz="1400" dirty="0" smtClean="0">
+                <a:latin typeface="Consolas" panose="020B0609020204030204" pitchFamily="49" charset="0"/>
+              </a:rPr>
+              <a:t>Service </a:t>
+            </a:r>
+            <a:r>
+              <a:rPr lang="en-US" altLang="zh-CN" sz="1400" dirty="0" err="1" smtClean="0">
+                <a:latin typeface="Consolas" panose="020B0609020204030204" pitchFamily="49" charset="0"/>
+              </a:rPr>
+              <a:t>ContainerManagementProtocolService</a:t>
+            </a:r>
+            <a:r>
+              <a:rPr lang="en-US" altLang="zh-CN" sz="1400" dirty="0" smtClean="0">
+                <a:latin typeface="Consolas" panose="020B0609020204030204" pitchFamily="49" charset="0"/>
+              </a:rPr>
+              <a:t> {</a:t>
+            </a:r>
+          </a:p>
+          <a:p>
+            <a:r>
+              <a:rPr lang="en-US" altLang="zh-CN" sz="1400" dirty="0">
+                <a:latin typeface="Consolas" panose="020B0609020204030204" pitchFamily="49" charset="0"/>
+              </a:rPr>
+              <a:t> </a:t>
+            </a:r>
+            <a:r>
+              <a:rPr lang="en-US" altLang="zh-CN" sz="1400" dirty="0" smtClean="0">
+                <a:latin typeface="Consolas" panose="020B0609020204030204" pitchFamily="49" charset="0"/>
+              </a:rPr>
+              <a:t> </a:t>
+            </a:r>
+            <a:r>
+              <a:rPr lang="en-US" altLang="zh-CN" sz="1400" dirty="0" err="1" smtClean="0">
+                <a:latin typeface="Consolas" panose="020B0609020204030204" pitchFamily="49" charset="0"/>
+              </a:rPr>
+              <a:t>rpc</a:t>
+            </a:r>
+            <a:r>
+              <a:rPr lang="en-US" altLang="zh-CN" sz="1400" dirty="0" smtClean="0">
+                <a:latin typeface="Consolas" panose="020B0609020204030204" pitchFamily="49" charset="0"/>
+              </a:rPr>
+              <a:t> </a:t>
+            </a:r>
+            <a:r>
+              <a:rPr lang="en-US" altLang="zh-CN" sz="1400" dirty="0" err="1" smtClean="0">
+                <a:latin typeface="Consolas" panose="020B0609020204030204" pitchFamily="49" charset="0"/>
+              </a:rPr>
+              <a:t>changeContainersResource</a:t>
+            </a:r>
+            <a:r>
+              <a:rPr lang="en-US" altLang="zh-CN" sz="1400" dirty="0" smtClean="0">
+                <a:latin typeface="Consolas" panose="020B0609020204030204" pitchFamily="49" charset="0"/>
+              </a:rPr>
+              <a:t>(</a:t>
+            </a:r>
+            <a:r>
+              <a:rPr lang="en-US" altLang="zh-CN" sz="1400" dirty="0" err="1" smtClean="0">
+                <a:latin typeface="Consolas" panose="020B0609020204030204" pitchFamily="49" charset="0"/>
+              </a:rPr>
+              <a:t>ChangeContainersResourceRequestProto</a:t>
+            </a:r>
+            <a:r>
+              <a:rPr lang="en-US" altLang="zh-CN" sz="1400" dirty="0" smtClean="0">
+                <a:latin typeface="Consolas" panose="020B0609020204030204" pitchFamily="49" charset="0"/>
+              </a:rPr>
+              <a:t>) returns (</a:t>
+            </a:r>
+            <a:r>
+              <a:rPr lang="en-US" altLang="zh-CN" sz="1400" dirty="0" err="1" smtClean="0">
+                <a:latin typeface="Consolas" panose="020B0609020204030204" pitchFamily="49" charset="0"/>
+              </a:rPr>
+              <a:t>ChangeContainersResourceResponseProto</a:t>
+            </a:r>
+            <a:r>
+              <a:rPr lang="en-US" altLang="zh-CN" sz="1400" dirty="0" smtClean="0">
+                <a:latin typeface="Consolas" panose="020B0609020204030204" pitchFamily="49" charset="0"/>
+              </a:rPr>
+              <a:t>);</a:t>
+            </a:r>
+          </a:p>
+          <a:p>
+            <a:r>
+              <a:rPr lang="en-US" altLang="zh-CN" sz="1400" dirty="0" smtClean="0">
+                <a:latin typeface="Consolas" panose="020B0609020204030204" pitchFamily="49" charset="0"/>
+              </a:rPr>
+              <a:t>}</a:t>
+            </a:r>
+            <a:endParaRPr lang="en-US" altLang="zh-CN" sz="1400" dirty="0">
+              <a:latin typeface="Consolas" panose="020B0609020204030204" pitchFamily="49" charset="0"/>
+            </a:endParaRPr>
+          </a:p>
+        </p:txBody>
+      </p:sp>
     </p:spTree>
     <p:extLst>
       <p:ext uri="{BB962C8B-B14F-4D97-AF65-F5344CB8AC3E}">
         <p14:creationId xmlns:p14="http://schemas.microsoft.com/office/powerpoint/2010/main" val="2238366599"/>
+      </p:ext>
+    </p:extLst>
+  </p:cSld>
+  <p:clrMapOvr>
+    <a:masterClrMapping/>
+  </p:clrMapOvr>
+</p:sld>
+</file>
+
+<file path=ppt/slides/slide38.xml><?xml version="1.0" encoding="utf-8"?>
+<p:sld xmlns:a="http://schemas.openxmlformats.org/drawingml/2006/main" xmlns:r="http://schemas.openxmlformats.org/officeDocument/2006/relationships" xmlns:p="http://schemas.openxmlformats.org/presentationml/2006/main">
+  <p:cSld>
+    <p:spTree>
+      <p:nvGrpSpPr>
+        <p:cNvPr id="1" name=""/>
+        <p:cNvGrpSpPr/>
+        <p:nvPr/>
+      </p:nvGrpSpPr>
+      <p:grpSpPr>
+        <a:xfrm>
+          <a:off x="0" y="0"/>
+          <a:ext cx="0" cy="0"/>
+          <a:chOff x="0" y="0"/>
+          <a:chExt cx="0" cy="0"/>
+        </a:xfrm>
+      </p:grpSpPr>
+      <p:sp>
+        <p:nvSpPr>
+          <p:cNvPr id="2" name="文本框 1"/>
+          <p:cNvSpPr txBox="1"/>
+          <p:nvPr/>
+        </p:nvSpPr>
+        <p:spPr>
+          <a:xfrm>
+            <a:off x="2296997" y="1118765"/>
+            <a:ext cx="6985549" cy="2277547"/>
+          </a:xfrm>
+          <a:prstGeom prst="rect">
+            <a:avLst/>
+          </a:prstGeom>
+          <a:noFill/>
+        </p:spPr>
+        <p:txBody>
+          <a:bodyPr wrap="square" rtlCol="0">
+            <a:spAutoFit/>
+          </a:bodyPr>
+          <a:lstStyle/>
+          <a:p>
+            <a:r>
+              <a:rPr lang="en-US" altLang="zh-CN" sz="1600" b="1" dirty="0" err="1" smtClean="0">
+                <a:latin typeface="Consolas" panose="020B0609020204030204" pitchFamily="49" charset="0"/>
+              </a:rPr>
+              <a:t>yarn_server_common_protos.proto</a:t>
+            </a:r>
+            <a:r>
+              <a:rPr lang="en-US" altLang="zh-CN" sz="1400" b="1" dirty="0" smtClean="0">
+                <a:latin typeface="Consolas" panose="020B0609020204030204" pitchFamily="49" charset="0"/>
+              </a:rPr>
+              <a:t>:</a:t>
+            </a:r>
+          </a:p>
+          <a:p>
+            <a:r>
+              <a:rPr lang="en-US" altLang="zh-CN" sz="1400" dirty="0" smtClean="0">
+                <a:latin typeface="Consolas" panose="020B0609020204030204" pitchFamily="49" charset="0"/>
+              </a:rPr>
+              <a:t>message </a:t>
+            </a:r>
+            <a:r>
+              <a:rPr lang="en-US" altLang="zh-CN" sz="1400" dirty="0" err="1" smtClean="0">
+                <a:latin typeface="Consolas" panose="020B0609020204030204" pitchFamily="49" charset="0"/>
+              </a:rPr>
+              <a:t>ContainerResourceChangeProto</a:t>
+            </a:r>
+            <a:r>
+              <a:rPr lang="en-US" altLang="zh-CN" sz="1400" dirty="0" smtClean="0">
+                <a:latin typeface="Consolas" panose="020B0609020204030204" pitchFamily="49" charset="0"/>
+              </a:rPr>
+              <a:t> {</a:t>
+            </a:r>
+          </a:p>
+          <a:p>
+            <a:r>
+              <a:rPr lang="en-US" altLang="zh-CN" sz="1400" dirty="0">
+                <a:latin typeface="Consolas" panose="020B0609020204030204" pitchFamily="49" charset="0"/>
+              </a:rPr>
+              <a:t> </a:t>
+            </a:r>
+            <a:r>
+              <a:rPr lang="en-US" altLang="zh-CN" sz="1400" dirty="0" smtClean="0">
+                <a:latin typeface="Consolas" panose="020B0609020204030204" pitchFamily="49" charset="0"/>
+              </a:rPr>
+              <a:t> optional </a:t>
+            </a:r>
+            <a:r>
+              <a:rPr lang="en-US" altLang="zh-CN" sz="1400" dirty="0" err="1" smtClean="0">
+                <a:latin typeface="Consolas" panose="020B0609020204030204" pitchFamily="49" charset="0"/>
+              </a:rPr>
+              <a:t>ContainerResourceIncreaseProto</a:t>
+            </a:r>
+            <a:r>
+              <a:rPr lang="en-US" altLang="zh-CN" sz="1400" dirty="0" smtClean="0">
+                <a:latin typeface="Consolas" panose="020B0609020204030204" pitchFamily="49" charset="0"/>
+              </a:rPr>
+              <a:t> </a:t>
+            </a:r>
+            <a:r>
+              <a:rPr lang="en-US" altLang="zh-CN" sz="1400" dirty="0" err="1" smtClean="0">
+                <a:latin typeface="Consolas" panose="020B0609020204030204" pitchFamily="49" charset="0"/>
+              </a:rPr>
+              <a:t>increased_container</a:t>
+            </a:r>
+            <a:r>
+              <a:rPr lang="en-US" altLang="zh-CN" sz="1400" dirty="0" smtClean="0">
+                <a:latin typeface="Consolas" panose="020B0609020204030204" pitchFamily="49" charset="0"/>
+              </a:rPr>
+              <a:t> = 1;</a:t>
+            </a:r>
+          </a:p>
+          <a:p>
+            <a:r>
+              <a:rPr lang="en-US" altLang="zh-CN" sz="1400" dirty="0" smtClean="0">
+                <a:latin typeface="Consolas" panose="020B0609020204030204" pitchFamily="49" charset="0"/>
+              </a:rPr>
+              <a:t>  optional </a:t>
+            </a:r>
+            <a:r>
+              <a:rPr lang="en-US" altLang="zh-CN" sz="1400" dirty="0" err="1" smtClean="0">
+                <a:latin typeface="Consolas" panose="020B0609020204030204" pitchFamily="49" charset="0"/>
+              </a:rPr>
+              <a:t>ContainerResourceDecreaseProto</a:t>
+            </a:r>
+            <a:r>
+              <a:rPr lang="en-US" altLang="zh-CN" sz="1400" dirty="0" smtClean="0">
+                <a:latin typeface="Consolas" panose="020B0609020204030204" pitchFamily="49" charset="0"/>
+              </a:rPr>
+              <a:t> </a:t>
+            </a:r>
+            <a:r>
+              <a:rPr lang="en-US" altLang="zh-CN" sz="1400" dirty="0" err="1" smtClean="0">
+                <a:latin typeface="Consolas" panose="020B0609020204030204" pitchFamily="49" charset="0"/>
+              </a:rPr>
+              <a:t>decreased_container</a:t>
+            </a:r>
+            <a:r>
+              <a:rPr lang="en-US" altLang="zh-CN" sz="1400" dirty="0" smtClean="0">
+                <a:latin typeface="Consolas" panose="020B0609020204030204" pitchFamily="49" charset="0"/>
+              </a:rPr>
+              <a:t> = 2;</a:t>
+            </a:r>
+            <a:endParaRPr lang="en-US" altLang="zh-CN" sz="1400" dirty="0">
+              <a:latin typeface="Consolas" panose="020B0609020204030204" pitchFamily="49" charset="0"/>
+            </a:endParaRPr>
+          </a:p>
+          <a:p>
+            <a:r>
+              <a:rPr lang="en-US" altLang="zh-CN" sz="1400" dirty="0" smtClean="0">
+                <a:latin typeface="Consolas" panose="020B0609020204030204" pitchFamily="49" charset="0"/>
+              </a:rPr>
+              <a:t>}</a:t>
+            </a:r>
+          </a:p>
+          <a:p>
+            <a:endParaRPr lang="en-US" altLang="zh-CN" sz="1400" dirty="0">
+              <a:latin typeface="Consolas" panose="020B0609020204030204" pitchFamily="49" charset="0"/>
+            </a:endParaRPr>
+          </a:p>
+          <a:p>
+            <a:r>
+              <a:rPr lang="en-US" altLang="zh-CN" sz="1400" dirty="0" smtClean="0">
+                <a:latin typeface="Consolas" panose="020B0609020204030204" pitchFamily="49" charset="0"/>
+              </a:rPr>
+              <a:t>message </a:t>
+            </a:r>
+            <a:r>
+              <a:rPr lang="en-US" altLang="zh-CN" sz="1400" dirty="0" err="1" smtClean="0">
+                <a:latin typeface="Consolas" panose="020B0609020204030204" pitchFamily="49" charset="0"/>
+              </a:rPr>
+              <a:t>NodeStatusProto</a:t>
+            </a:r>
+            <a:r>
+              <a:rPr lang="en-US" altLang="zh-CN" sz="1400" dirty="0" smtClean="0">
+                <a:latin typeface="Consolas" panose="020B0609020204030204" pitchFamily="49" charset="0"/>
+              </a:rPr>
+              <a:t> {</a:t>
+            </a:r>
+          </a:p>
+          <a:p>
+            <a:r>
+              <a:rPr lang="en-US" altLang="zh-CN" sz="1400" dirty="0">
+                <a:latin typeface="Consolas" panose="020B0609020204030204" pitchFamily="49" charset="0"/>
+              </a:rPr>
+              <a:t> </a:t>
+            </a:r>
+            <a:r>
+              <a:rPr lang="en-US" altLang="zh-CN" sz="1400" dirty="0" smtClean="0">
+                <a:latin typeface="Consolas" panose="020B0609020204030204" pitchFamily="49" charset="0"/>
+              </a:rPr>
+              <a:t> ......</a:t>
+            </a:r>
+          </a:p>
+          <a:p>
+            <a:r>
+              <a:rPr lang="en-US" altLang="zh-CN" sz="1400" dirty="0">
+                <a:latin typeface="Consolas" panose="020B0609020204030204" pitchFamily="49" charset="0"/>
+              </a:rPr>
+              <a:t> </a:t>
+            </a:r>
+            <a:r>
+              <a:rPr lang="en-US" altLang="zh-CN" sz="1400" dirty="0" smtClean="0">
+                <a:latin typeface="Consolas" panose="020B0609020204030204" pitchFamily="49" charset="0"/>
+              </a:rPr>
+              <a:t> repeated </a:t>
+            </a:r>
+            <a:r>
+              <a:rPr lang="en-US" altLang="zh-CN" sz="1400" dirty="0" err="1" smtClean="0">
+                <a:latin typeface="Consolas" panose="020B0609020204030204" pitchFamily="49" charset="0"/>
+              </a:rPr>
+              <a:t>ContainerResourceChangeProto</a:t>
+            </a:r>
+            <a:r>
+              <a:rPr lang="en-US" altLang="zh-CN" sz="1400" dirty="0" smtClean="0">
+                <a:latin typeface="Consolas" panose="020B0609020204030204" pitchFamily="49" charset="0"/>
+              </a:rPr>
+              <a:t> </a:t>
+            </a:r>
+            <a:r>
+              <a:rPr lang="en-US" altLang="zh-CN" sz="1400" dirty="0" err="1" smtClean="0">
+                <a:latin typeface="Consolas" panose="020B0609020204030204" pitchFamily="49" charset="0"/>
+              </a:rPr>
+              <a:t>changed_containers</a:t>
+            </a:r>
+            <a:r>
+              <a:rPr lang="en-US" altLang="zh-CN" sz="1400" dirty="0" smtClean="0">
+                <a:latin typeface="Consolas" panose="020B0609020204030204" pitchFamily="49" charset="0"/>
+              </a:rPr>
+              <a:t> = 6;</a:t>
+            </a:r>
+          </a:p>
+          <a:p>
+            <a:r>
+              <a:rPr lang="en-US" altLang="zh-CN" sz="1400" dirty="0" smtClean="0">
+                <a:latin typeface="Consolas" panose="020B0609020204030204" pitchFamily="49" charset="0"/>
+              </a:rPr>
+              <a:t>}</a:t>
+            </a:r>
+          </a:p>
+        </p:txBody>
+      </p:sp>
+    </p:spTree>
+    <p:extLst>
+      <p:ext uri="{BB962C8B-B14F-4D97-AF65-F5344CB8AC3E}">
+        <p14:creationId xmlns:p14="http://schemas.microsoft.com/office/powerpoint/2010/main" val="2707093517"/>
+      </p:ext>
+    </p:extLst>
+  </p:cSld>
+  <p:clrMapOvr>
+    <a:masterClrMapping/>
+  </p:clrMapOvr>
+</p:sld>
+</file>
+
+<file path=ppt/slides/slide39.xml><?xml version="1.0" encoding="utf-8"?>
+<p:sld xmlns:a="http://schemas.openxmlformats.org/drawingml/2006/main" xmlns:r="http://schemas.openxmlformats.org/officeDocument/2006/relationships" xmlns:p="http://schemas.openxmlformats.org/presentationml/2006/main">
+  <p:cSld>
+    <p:spTree>
+      <p:nvGrpSpPr>
+        <p:cNvPr id="1" name=""/>
+        <p:cNvGrpSpPr/>
+        <p:nvPr/>
+      </p:nvGrpSpPr>
+      <p:grpSpPr>
+        <a:xfrm>
+          <a:off x="0" y="0"/>
+          <a:ext cx="0" cy="0"/>
+          <a:chOff x="0" y="0"/>
+          <a:chExt cx="0" cy="0"/>
+        </a:xfrm>
+      </p:grpSpPr>
+      <p:sp>
+        <p:nvSpPr>
+          <p:cNvPr id="2" name="文本框 1"/>
+          <p:cNvSpPr txBox="1"/>
+          <p:nvPr/>
+        </p:nvSpPr>
+        <p:spPr>
+          <a:xfrm>
+            <a:off x="2296997" y="1118765"/>
+            <a:ext cx="6985549" cy="3877985"/>
+          </a:xfrm>
+          <a:prstGeom prst="rect">
+            <a:avLst/>
+          </a:prstGeom>
+          <a:noFill/>
+        </p:spPr>
+        <p:txBody>
+          <a:bodyPr wrap="square" rtlCol="0">
+            <a:spAutoFit/>
+          </a:bodyPr>
+          <a:lstStyle/>
+          <a:p>
+            <a:r>
+              <a:rPr lang="en-US" altLang="zh-CN" sz="1600" b="1" dirty="0" smtClean="0">
+                <a:latin typeface="Consolas" panose="020B0609020204030204" pitchFamily="49" charset="0"/>
+              </a:rPr>
+              <a:t>AMRMClient.java</a:t>
+            </a:r>
+            <a:r>
+              <a:rPr lang="en-US" altLang="zh-CN" sz="1400" b="1" dirty="0" smtClean="0">
+                <a:latin typeface="Consolas" panose="020B0609020204030204" pitchFamily="49" charset="0"/>
+              </a:rPr>
+              <a:t>:</a:t>
+            </a:r>
+          </a:p>
+          <a:p>
+            <a:r>
+              <a:rPr lang="en-US" altLang="zh-CN" sz="1400" dirty="0" smtClean="0">
+                <a:latin typeface="Consolas" panose="020B0609020204030204" pitchFamily="49" charset="0"/>
+              </a:rPr>
+              <a:t>public abstract void </a:t>
+            </a:r>
+            <a:r>
+              <a:rPr lang="en-US" altLang="zh-CN" sz="1400" dirty="0" err="1" smtClean="0">
+                <a:latin typeface="Consolas" panose="020B0609020204030204" pitchFamily="49" charset="0"/>
+              </a:rPr>
+              <a:t>addContainerResourceIncreaseRequest</a:t>
+            </a:r>
+            <a:r>
+              <a:rPr lang="en-US" altLang="zh-CN" sz="1400" dirty="0" smtClean="0">
+                <a:latin typeface="Consolas" panose="020B0609020204030204" pitchFamily="49" charset="0"/>
+              </a:rPr>
+              <a:t>(</a:t>
+            </a:r>
+          </a:p>
+          <a:p>
+            <a:r>
+              <a:rPr lang="en-US" altLang="zh-CN" sz="1400" dirty="0">
+                <a:latin typeface="Consolas" panose="020B0609020204030204" pitchFamily="49" charset="0"/>
+              </a:rPr>
+              <a:t>	</a:t>
+            </a:r>
+            <a:r>
+              <a:rPr lang="en-US" altLang="zh-CN" sz="1400" dirty="0" err="1" smtClean="0">
+                <a:latin typeface="Consolas" panose="020B0609020204030204" pitchFamily="49" charset="0"/>
+              </a:rPr>
+              <a:t>ContainerId</a:t>
+            </a:r>
+            <a:r>
+              <a:rPr lang="en-US" altLang="zh-CN" sz="1400" dirty="0" smtClean="0">
+                <a:latin typeface="Consolas" panose="020B0609020204030204" pitchFamily="49" charset="0"/>
+              </a:rPr>
+              <a:t> </a:t>
+            </a:r>
+            <a:r>
+              <a:rPr lang="en-US" altLang="zh-CN" sz="1400" dirty="0" err="1" smtClean="0">
+                <a:latin typeface="Consolas" panose="020B0609020204030204" pitchFamily="49" charset="0"/>
+              </a:rPr>
+              <a:t>containerId</a:t>
+            </a:r>
+            <a:r>
+              <a:rPr lang="en-US" altLang="zh-CN" sz="1400" dirty="0" smtClean="0">
+                <a:latin typeface="Consolas" panose="020B0609020204030204" pitchFamily="49" charset="0"/>
+              </a:rPr>
+              <a:t>, Resource capability)</a:t>
+            </a:r>
+          </a:p>
+          <a:p>
+            <a:endParaRPr lang="en-US" altLang="zh-CN" sz="1400" dirty="0" smtClean="0">
+              <a:latin typeface="Consolas" panose="020B0609020204030204" pitchFamily="49" charset="0"/>
+            </a:endParaRPr>
+          </a:p>
+          <a:p>
+            <a:r>
+              <a:rPr lang="en-US" altLang="zh-CN" sz="1600" b="1" dirty="0" smtClean="0">
+                <a:latin typeface="Consolas" panose="020B0609020204030204" pitchFamily="49" charset="0"/>
+              </a:rPr>
+              <a:t>AMRMClientImpl.java</a:t>
+            </a:r>
+            <a:r>
+              <a:rPr lang="en-US" altLang="zh-CN" sz="1400" b="1" dirty="0">
+                <a:latin typeface="Consolas" panose="020B0609020204030204" pitchFamily="49" charset="0"/>
+              </a:rPr>
+              <a:t>:</a:t>
+            </a:r>
+          </a:p>
+          <a:p>
+            <a:r>
+              <a:rPr lang="en-US" altLang="zh-CN" sz="1400" dirty="0">
+                <a:latin typeface="Consolas" panose="020B0609020204030204" pitchFamily="49" charset="0"/>
+              </a:rPr>
+              <a:t>public </a:t>
+            </a:r>
+            <a:r>
+              <a:rPr lang="en-US" altLang="zh-CN" sz="1400" dirty="0" smtClean="0">
+                <a:latin typeface="Consolas" panose="020B0609020204030204" pitchFamily="49" charset="0"/>
+              </a:rPr>
+              <a:t>synchronized void </a:t>
+            </a:r>
+            <a:r>
+              <a:rPr lang="en-US" altLang="zh-CN" sz="1400" dirty="0" err="1">
+                <a:latin typeface="Consolas" panose="020B0609020204030204" pitchFamily="49" charset="0"/>
+              </a:rPr>
+              <a:t>addContainerResourceIncreaseRequest</a:t>
+            </a:r>
+            <a:r>
+              <a:rPr lang="en-US" altLang="zh-CN" sz="1400" dirty="0">
+                <a:latin typeface="Consolas" panose="020B0609020204030204" pitchFamily="49" charset="0"/>
+              </a:rPr>
+              <a:t>(</a:t>
+            </a:r>
+          </a:p>
+          <a:p>
+            <a:r>
+              <a:rPr lang="en-US" altLang="zh-CN" sz="1400" dirty="0">
+                <a:latin typeface="Consolas" panose="020B0609020204030204" pitchFamily="49" charset="0"/>
+              </a:rPr>
+              <a:t>	</a:t>
+            </a:r>
+            <a:r>
+              <a:rPr lang="en-US" altLang="zh-CN" sz="1400" dirty="0" err="1">
+                <a:latin typeface="Consolas" panose="020B0609020204030204" pitchFamily="49" charset="0"/>
+              </a:rPr>
+              <a:t>ContainerId</a:t>
+            </a:r>
+            <a:r>
+              <a:rPr lang="en-US" altLang="zh-CN" sz="1400" dirty="0">
+                <a:latin typeface="Consolas" panose="020B0609020204030204" pitchFamily="49" charset="0"/>
+              </a:rPr>
+              <a:t> </a:t>
+            </a:r>
+            <a:r>
+              <a:rPr lang="en-US" altLang="zh-CN" sz="1400" dirty="0" err="1">
+                <a:latin typeface="Consolas" panose="020B0609020204030204" pitchFamily="49" charset="0"/>
+              </a:rPr>
+              <a:t>containerId</a:t>
+            </a:r>
+            <a:r>
+              <a:rPr lang="en-US" altLang="zh-CN" sz="1400" dirty="0">
+                <a:latin typeface="Consolas" panose="020B0609020204030204" pitchFamily="49" charset="0"/>
+              </a:rPr>
+              <a:t>, Resource capability)</a:t>
+            </a:r>
+          </a:p>
+          <a:p>
+            <a:endParaRPr lang="en-US" altLang="zh-CN" sz="1400" dirty="0">
+              <a:latin typeface="Consolas" panose="020B0609020204030204" pitchFamily="49" charset="0"/>
+            </a:endParaRPr>
+          </a:p>
+          <a:p>
+            <a:r>
+              <a:rPr lang="en-US" altLang="zh-CN" sz="1600" b="1" dirty="0" smtClean="0">
+                <a:latin typeface="Consolas" panose="020B0609020204030204" pitchFamily="49" charset="0"/>
+              </a:rPr>
+              <a:t>AMRMClientAsync.java</a:t>
+            </a:r>
+            <a:r>
+              <a:rPr lang="en-US" altLang="zh-CN" sz="1400" b="1" dirty="0">
+                <a:latin typeface="Consolas" panose="020B0609020204030204" pitchFamily="49" charset="0"/>
+              </a:rPr>
+              <a:t>:</a:t>
+            </a:r>
+          </a:p>
+          <a:p>
+            <a:r>
+              <a:rPr lang="en-US" altLang="zh-CN" sz="1400" dirty="0">
+                <a:latin typeface="Consolas" panose="020B0609020204030204" pitchFamily="49" charset="0"/>
+              </a:rPr>
+              <a:t>public abstract void </a:t>
+            </a:r>
+            <a:r>
+              <a:rPr lang="en-US" altLang="zh-CN" sz="1400" dirty="0" err="1">
+                <a:latin typeface="Consolas" panose="020B0609020204030204" pitchFamily="49" charset="0"/>
+              </a:rPr>
+              <a:t>addContainerResourceIncreaseRequest</a:t>
+            </a:r>
+            <a:r>
+              <a:rPr lang="en-US" altLang="zh-CN" sz="1400" dirty="0">
+                <a:latin typeface="Consolas" panose="020B0609020204030204" pitchFamily="49" charset="0"/>
+              </a:rPr>
+              <a:t>(</a:t>
+            </a:r>
+          </a:p>
+          <a:p>
+            <a:r>
+              <a:rPr lang="en-US" altLang="zh-CN" sz="1400" dirty="0">
+                <a:latin typeface="Consolas" panose="020B0609020204030204" pitchFamily="49" charset="0"/>
+              </a:rPr>
+              <a:t>	</a:t>
+            </a:r>
+            <a:r>
+              <a:rPr lang="en-US" altLang="zh-CN" sz="1400" dirty="0" err="1">
+                <a:latin typeface="Consolas" panose="020B0609020204030204" pitchFamily="49" charset="0"/>
+              </a:rPr>
+              <a:t>ContainerId</a:t>
+            </a:r>
+            <a:r>
+              <a:rPr lang="en-US" altLang="zh-CN" sz="1400" dirty="0">
+                <a:latin typeface="Consolas" panose="020B0609020204030204" pitchFamily="49" charset="0"/>
+              </a:rPr>
+              <a:t> </a:t>
+            </a:r>
+            <a:r>
+              <a:rPr lang="en-US" altLang="zh-CN" sz="1400" dirty="0" err="1">
+                <a:latin typeface="Consolas" panose="020B0609020204030204" pitchFamily="49" charset="0"/>
+              </a:rPr>
+              <a:t>containerId</a:t>
+            </a:r>
+            <a:r>
+              <a:rPr lang="en-US" altLang="zh-CN" sz="1400" dirty="0">
+                <a:latin typeface="Consolas" panose="020B0609020204030204" pitchFamily="49" charset="0"/>
+              </a:rPr>
+              <a:t>, Resource capability)</a:t>
+            </a:r>
+          </a:p>
+          <a:p>
+            <a:endParaRPr lang="en-US" altLang="zh-CN" sz="1400" dirty="0">
+              <a:latin typeface="Consolas" panose="020B0609020204030204" pitchFamily="49" charset="0"/>
+            </a:endParaRPr>
+          </a:p>
+          <a:p>
+            <a:r>
+              <a:rPr lang="en-US" altLang="zh-CN" sz="1600" b="1" dirty="0" smtClean="0">
+                <a:latin typeface="Consolas" panose="020B0609020204030204" pitchFamily="49" charset="0"/>
+              </a:rPr>
+              <a:t>AMRMClientAsyncImpl.java</a:t>
+            </a:r>
+            <a:r>
+              <a:rPr lang="en-US" altLang="zh-CN" sz="1400" b="1" dirty="0">
+                <a:latin typeface="Consolas" panose="020B0609020204030204" pitchFamily="49" charset="0"/>
+              </a:rPr>
+              <a:t>:</a:t>
+            </a:r>
+          </a:p>
+          <a:p>
+            <a:r>
+              <a:rPr lang="en-US" altLang="zh-CN" sz="1400">
+                <a:latin typeface="Consolas" panose="020B0609020204030204" pitchFamily="49" charset="0"/>
+              </a:rPr>
+              <a:t>public </a:t>
+            </a:r>
+            <a:r>
+              <a:rPr lang="en-US" altLang="zh-CN" sz="1400" smtClean="0">
+                <a:latin typeface="Consolas" panose="020B0609020204030204" pitchFamily="49" charset="0"/>
+              </a:rPr>
+              <a:t>synchronized void </a:t>
+            </a:r>
+            <a:r>
+              <a:rPr lang="en-US" altLang="zh-CN" sz="1400" dirty="0" err="1">
+                <a:latin typeface="Consolas" panose="020B0609020204030204" pitchFamily="49" charset="0"/>
+              </a:rPr>
+              <a:t>addContainerResourceIncreaseRequest</a:t>
+            </a:r>
+            <a:r>
+              <a:rPr lang="en-US" altLang="zh-CN" sz="1400" dirty="0">
+                <a:latin typeface="Consolas" panose="020B0609020204030204" pitchFamily="49" charset="0"/>
+              </a:rPr>
+              <a:t>(</a:t>
+            </a:r>
+          </a:p>
+          <a:p>
+            <a:r>
+              <a:rPr lang="en-US" altLang="zh-CN" sz="1400" dirty="0">
+                <a:latin typeface="Consolas" panose="020B0609020204030204" pitchFamily="49" charset="0"/>
+              </a:rPr>
+              <a:t>	</a:t>
+            </a:r>
+            <a:r>
+              <a:rPr lang="en-US" altLang="zh-CN" sz="1400" dirty="0" err="1">
+                <a:latin typeface="Consolas" panose="020B0609020204030204" pitchFamily="49" charset="0"/>
+              </a:rPr>
+              <a:t>ContainerId</a:t>
+            </a:r>
+            <a:r>
+              <a:rPr lang="en-US" altLang="zh-CN" sz="1400" dirty="0">
+                <a:latin typeface="Consolas" panose="020B0609020204030204" pitchFamily="49" charset="0"/>
+              </a:rPr>
+              <a:t> </a:t>
+            </a:r>
+            <a:r>
+              <a:rPr lang="en-US" altLang="zh-CN" sz="1400" dirty="0" err="1">
+                <a:latin typeface="Consolas" panose="020B0609020204030204" pitchFamily="49" charset="0"/>
+              </a:rPr>
+              <a:t>containerId</a:t>
+            </a:r>
+            <a:r>
+              <a:rPr lang="en-US" altLang="zh-CN" sz="1400" dirty="0">
+                <a:latin typeface="Consolas" panose="020B0609020204030204" pitchFamily="49" charset="0"/>
+              </a:rPr>
+              <a:t>, Resource capability)</a:t>
+            </a:r>
+          </a:p>
+          <a:p>
+            <a:endParaRPr lang="en-US" altLang="zh-CN" sz="1400" dirty="0">
+              <a:latin typeface="Consolas" panose="020B0609020204030204" pitchFamily="49" charset="0"/>
+            </a:endParaRPr>
+          </a:p>
+          <a:p>
+            <a:endParaRPr lang="en-US" altLang="zh-CN" sz="1400" dirty="0" smtClean="0">
+              <a:latin typeface="Consolas" panose="020B0609020204030204" pitchFamily="49" charset="0"/>
+            </a:endParaRPr>
+          </a:p>
+        </p:txBody>
+      </p:sp>
+    </p:spTree>
+    <p:extLst>
+      <p:ext uri="{BB962C8B-B14F-4D97-AF65-F5344CB8AC3E}">
+        <p14:creationId xmlns:p14="http://schemas.microsoft.com/office/powerpoint/2010/main" val="1103167769"/>
       </p:ext>
     </p:extLst>
   </p:cSld>
@@ -37043,6 +39850,126 @@
 </p:sld>
 </file>
 
+<file path=ppt/slides/slide40.xml><?xml version="1.0" encoding="utf-8"?>
+<p:sld xmlns:a="http://schemas.openxmlformats.org/drawingml/2006/main" xmlns:r="http://schemas.openxmlformats.org/officeDocument/2006/relationships" xmlns:p="http://schemas.openxmlformats.org/presentationml/2006/main">
+  <p:cSld>
+    <p:spTree>
+      <p:nvGrpSpPr>
+        <p:cNvPr id="1" name=""/>
+        <p:cNvGrpSpPr/>
+        <p:nvPr/>
+      </p:nvGrpSpPr>
+      <p:grpSpPr>
+        <a:xfrm>
+          <a:off x="0" y="0"/>
+          <a:ext cx="0" cy="0"/>
+          <a:chOff x="0" y="0"/>
+          <a:chExt cx="0" cy="0"/>
+        </a:xfrm>
+      </p:grpSpPr>
+    </p:spTree>
+    <p:extLst>
+      <p:ext uri="{BB962C8B-B14F-4D97-AF65-F5344CB8AC3E}">
+        <p14:creationId xmlns:p14="http://schemas.microsoft.com/office/powerpoint/2010/main" val="1432541402"/>
+      </p:ext>
+    </p:extLst>
+  </p:cSld>
+  <p:clrMapOvr>
+    <a:masterClrMapping/>
+  </p:clrMapOvr>
+</p:sld>
+</file>
+
+<file path=ppt/slides/slide41.xml><?xml version="1.0" encoding="utf-8"?>
+<p:sld xmlns:a="http://schemas.openxmlformats.org/drawingml/2006/main" xmlns:r="http://schemas.openxmlformats.org/officeDocument/2006/relationships" xmlns:p="http://schemas.openxmlformats.org/presentationml/2006/main">
+  <p:cSld>
+    <p:spTree>
+      <p:nvGrpSpPr>
+        <p:cNvPr id="1" name=""/>
+        <p:cNvGrpSpPr/>
+        <p:nvPr/>
+      </p:nvGrpSpPr>
+      <p:grpSpPr>
+        <a:xfrm>
+          <a:off x="0" y="0"/>
+          <a:ext cx="0" cy="0"/>
+          <a:chOff x="0" y="0"/>
+          <a:chExt cx="0" cy="0"/>
+        </a:xfrm>
+      </p:grpSpPr>
+    </p:spTree>
+    <p:extLst>
+      <p:ext uri="{BB962C8B-B14F-4D97-AF65-F5344CB8AC3E}">
+        <p14:creationId xmlns:p14="http://schemas.microsoft.com/office/powerpoint/2010/main" val="3624336846"/>
+      </p:ext>
+    </p:extLst>
+  </p:cSld>
+  <p:clrMapOvr>
+    <a:masterClrMapping/>
+  </p:clrMapOvr>
+</p:sld>
+</file>
+
+<file path=ppt/slides/slide42.xml><?xml version="1.0" encoding="utf-8"?>
+<p:sld xmlns:a="http://schemas.openxmlformats.org/drawingml/2006/main" xmlns:r="http://schemas.openxmlformats.org/officeDocument/2006/relationships" xmlns:p="http://schemas.openxmlformats.org/presentationml/2006/main">
+  <p:cSld>
+    <p:spTree>
+      <p:nvGrpSpPr>
+        <p:cNvPr id="1" name=""/>
+        <p:cNvGrpSpPr/>
+        <p:nvPr/>
+      </p:nvGrpSpPr>
+      <p:grpSpPr>
+        <a:xfrm>
+          <a:off x="0" y="0"/>
+          <a:ext cx="0" cy="0"/>
+          <a:chOff x="0" y="0"/>
+          <a:chExt cx="0" cy="0"/>
+        </a:xfrm>
+      </p:grpSpPr>
+    </p:spTree>
+    <p:extLst>
+      <p:ext uri="{BB962C8B-B14F-4D97-AF65-F5344CB8AC3E}">
+        <p14:creationId xmlns:p14="http://schemas.microsoft.com/office/powerpoint/2010/main" val="694819862"/>
+      </p:ext>
+    </p:extLst>
+  </p:cSld>
+  <p:clrMapOvr>
+    <a:masterClrMapping/>
+  </p:clrMapOvr>
+</p:sld>
+</file>
+
+<file path=ppt/slides/slide43.xml><?xml version="1.0" encoding="utf-8"?>
+<p:sld xmlns:a="http://schemas.openxmlformats.org/drawingml/2006/main" xmlns:r="http://schemas.openxmlformats.org/officeDocument/2006/relationships" xmlns:p="http://schemas.openxmlformats.org/presentationml/2006/main">
+  <p:cSld>
+    <p:spTree>
+      <p:nvGrpSpPr>
+        <p:cNvPr id="1" name=""/>
+        <p:cNvGrpSpPr/>
+        <p:nvPr/>
+      </p:nvGrpSpPr>
+      <p:grpSpPr>
+        <a:xfrm>
+          <a:off x="0" y="0"/>
+          <a:ext cx="0" cy="0"/>
+          <a:chOff x="0" y="0"/>
+          <a:chExt cx="0" cy="0"/>
+        </a:xfrm>
+      </p:grpSpPr>
+    </p:spTree>
+    <p:extLst>
+      <p:ext uri="{BB962C8B-B14F-4D97-AF65-F5344CB8AC3E}">
+        <p14:creationId xmlns:p14="http://schemas.microsoft.com/office/powerpoint/2010/main" val="3543873043"/>
+      </p:ext>
+    </p:extLst>
+  </p:cSld>
+  <p:clrMapOvr>
+    <a:masterClrMapping/>
+  </p:clrMapOvr>
+</p:sld>
+</file>
+
 <file path=ppt/slides/slide5.xml><?xml version="1.0" encoding="utf-8"?>
 <p:sld xmlns:a="http://schemas.openxmlformats.org/drawingml/2006/main" xmlns:r="http://schemas.openxmlformats.org/officeDocument/2006/relationships" xmlns:p="http://schemas.openxmlformats.org/presentationml/2006/main">
   <p:cSld>
@@ -39572,11 +42499,7 @@
             <a:pPr algn="ctr"/>
             <a:r>
               <a:rPr lang="zh-CN" altLang="en-US" dirty="0" smtClean="0"/>
-              <a:t>协调</a:t>
-            </a:r>
-            <a:r>
-              <a:rPr lang="zh-CN" altLang="en-US" dirty="0" smtClean="0"/>
-              <a:t>服务（</a:t>
+              <a:t>协调服务（</a:t>
             </a:r>
             <a:r>
               <a:rPr lang="en-US" altLang="zh-CN" dirty="0" smtClean="0"/>

--- a/Diploma paper/Figures.pptx
+++ b/Diploma paper/Figures.pptx
@@ -198,6 +198,7 @@
           </a:p>
         </c:rich>
       </c:tx>
+      <c:layout/>
       <c:overlay val="0"/>
       <c:spPr>
         <a:noFill/>
@@ -707,6 +708,7 @@
     </c:plotArea>
     <c:legend>
       <c:legendPos val="b"/>
+      <c:layout/>
       <c:overlay val="0"/>
       <c:spPr>
         <a:noFill/>
@@ -36773,7 +36775,7 @@
         <p:spPr>
           <a:xfrm>
             <a:off x="1160924" y="305965"/>
-            <a:ext cx="9916940" cy="6155531"/>
+            <a:ext cx="7475076" cy="6155531"/>
           </a:xfrm>
           <a:prstGeom prst="rect">
             <a:avLst/>
@@ -37989,8 +37991,8 @@
         </p:nvSpPr>
         <p:spPr>
           <a:xfrm>
-            <a:off x="2296997" y="1118765"/>
-            <a:ext cx="6985549" cy="3877985"/>
+            <a:off x="2518669" y="1035637"/>
+            <a:ext cx="6985549" cy="4093428"/>
           </a:xfrm>
           <a:prstGeom prst="rect">
             <a:avLst/>
@@ -38081,10 +38083,77 @@
               <a:t>AMRMClientImpl.java</a:t>
             </a:r>
             <a:r>
-              <a:rPr lang="en-US" altLang="zh-CN" sz="1400" b="1" dirty="0">
+              <a:rPr lang="en-US" altLang="zh-CN" sz="1400" b="1" dirty="0" smtClean="0">
                 <a:latin typeface="Consolas" panose="020B0609020204030204" pitchFamily="49" charset="0"/>
               </a:rPr>
               <a:t>:</a:t>
+            </a:r>
+            <a:endParaRPr lang="en-US" altLang="zh-CN" sz="1400" b="1" dirty="0">
+              <a:latin typeface="Consolas" panose="020B0609020204030204" pitchFamily="49" charset="0"/>
+            </a:endParaRPr>
+          </a:p>
+          <a:p>
+            <a:r>
+              <a:rPr lang="en-US" altLang="zh-CN" sz="1400" dirty="0" smtClean="0">
+                <a:latin typeface="Consolas" panose="020B0609020204030204" pitchFamily="49" charset="0"/>
+              </a:rPr>
+              <a:t>protected final Map&lt;</a:t>
+            </a:r>
+            <a:r>
+              <a:rPr lang="en-US" altLang="zh-CN" sz="1400" dirty="0" err="1" smtClean="0">
+                <a:latin typeface="Consolas" panose="020B0609020204030204" pitchFamily="49" charset="0"/>
+              </a:rPr>
+              <a:t>ContainerId</a:t>
+            </a:r>
+            <a:r>
+              <a:rPr lang="en-US" altLang="zh-CN" sz="1400" dirty="0" smtClean="0">
+                <a:latin typeface="Consolas" panose="020B0609020204030204" pitchFamily="49" charset="0"/>
+              </a:rPr>
+              <a:t>, Resource&gt; increase = new </a:t>
+            </a:r>
+            <a:r>
+              <a:rPr lang="en-US" altLang="zh-CN" sz="1400" dirty="0" err="1" smtClean="0">
+                <a:latin typeface="Consolas" panose="020B0609020204030204" pitchFamily="49" charset="0"/>
+              </a:rPr>
+              <a:t>HashMap</a:t>
+            </a:r>
+            <a:r>
+              <a:rPr lang="en-US" altLang="zh-CN" sz="1400" dirty="0" smtClean="0">
+                <a:latin typeface="Consolas" panose="020B0609020204030204" pitchFamily="49" charset="0"/>
+              </a:rPr>
+              <a:t>&lt;&gt;();</a:t>
+            </a:r>
+          </a:p>
+          <a:p>
+            <a:r>
+              <a:rPr lang="en-US" altLang="zh-CN" sz="1400" dirty="0" smtClean="0">
+                <a:latin typeface="Consolas" panose="020B0609020204030204" pitchFamily="49" charset="0"/>
+              </a:rPr>
+              <a:t>protected final Map&lt;</a:t>
+            </a:r>
+            <a:r>
+              <a:rPr lang="en-US" altLang="zh-CN" sz="1400" dirty="0" err="1" smtClean="0">
+                <a:latin typeface="Consolas" panose="020B0609020204030204" pitchFamily="49" charset="0"/>
+              </a:rPr>
+              <a:t>ContainerId</a:t>
+            </a:r>
+            <a:r>
+              <a:rPr lang="en-US" altLang="zh-CN" sz="1400" dirty="0" smtClean="0">
+                <a:latin typeface="Consolas" panose="020B0609020204030204" pitchFamily="49" charset="0"/>
+              </a:rPr>
+              <a:t>, Resource&gt; </a:t>
+            </a:r>
+            <a:r>
+              <a:rPr lang="en-US" altLang="zh-CN" sz="1400" dirty="0" err="1" smtClean="0">
+                <a:latin typeface="Consolas" panose="020B0609020204030204" pitchFamily="49" charset="0"/>
+              </a:rPr>
+              <a:t>pendingIncrease</a:t>
+            </a:r>
+            <a:r>
+              <a:rPr lang="en-US" altLang="zh-CN" sz="1400" dirty="0" smtClean="0">
+                <a:latin typeface="Consolas" panose="020B0609020204030204" pitchFamily="49" charset="0"/>
+              </a:rPr>
+              <a:t> =</a:t>
             </a:r>
           </a:p>
           <a:p>
@@ -38092,13 +38161,33 @@
               <a:rPr lang="en-US" altLang="zh-CN" sz="1400" dirty="0">
                 <a:latin typeface="Consolas" panose="020B0609020204030204" pitchFamily="49" charset="0"/>
               </a:rPr>
-              <a:t>public </a:t>
+              <a:t>	</a:t>
             </a:r>
             <a:r>
               <a:rPr lang="en-US" altLang="zh-CN" sz="1400" dirty="0" smtClean="0">
                 <a:latin typeface="Consolas" panose="020B0609020204030204" pitchFamily="49" charset="0"/>
               </a:rPr>
-              <a:t>synchronized void </a:t>
+              <a:t>new </a:t>
+            </a:r>
+            <a:r>
+              <a:rPr lang="en-US" altLang="zh-CN" sz="1400" dirty="0" err="1" smtClean="0">
+                <a:latin typeface="Consolas" panose="020B0609020204030204" pitchFamily="49" charset="0"/>
+              </a:rPr>
+              <a:t>HashMap</a:t>
+            </a:r>
+            <a:r>
+              <a:rPr lang="en-US" altLang="zh-CN" sz="1400" dirty="0" smtClean="0">
+                <a:latin typeface="Consolas" panose="020B0609020204030204" pitchFamily="49" charset="0"/>
+              </a:rPr>
+              <a:t>&lt;&gt;();</a:t>
+            </a:r>
+          </a:p>
+          <a:p>
+            <a:r>
+              <a:rPr lang="en-US" altLang="zh-CN" sz="1400" dirty="0" smtClean="0">
+                <a:latin typeface="Consolas" panose="020B0609020204030204" pitchFamily="49" charset="0"/>
+              </a:rPr>
+              <a:t>public synchronized void </a:t>
             </a:r>
             <a:r>
               <a:rPr lang="en-US" altLang="zh-CN" sz="1400" dirty="0" err="1">
@@ -38237,13 +38326,13 @@
           </a:p>
           <a:p>
             <a:r>
-              <a:rPr lang="en-US" altLang="zh-CN" sz="1400">
+              <a:rPr lang="en-US" altLang="zh-CN" sz="1400" dirty="0">
                 <a:latin typeface="Consolas" panose="020B0609020204030204" pitchFamily="49" charset="0"/>
               </a:rPr>
               <a:t>public </a:t>
             </a:r>
             <a:r>
-              <a:rPr lang="en-US" altLang="zh-CN" sz="1400" smtClean="0">
+              <a:rPr lang="en-US" altLang="zh-CN" sz="1400" dirty="0" smtClean="0">
                 <a:latin typeface="Consolas" panose="020B0609020204030204" pitchFamily="49" charset="0"/>
               </a:rPr>
               <a:t>synchronized void </a:t>
@@ -38290,16 +38379,15 @@
               <a:rPr lang="en-US" altLang="zh-CN" sz="1400" dirty="0">
                 <a:latin typeface="Consolas" panose="020B0609020204030204" pitchFamily="49" charset="0"/>
               </a:rPr>
-              <a:t>, Resource capability)</a:t>
-            </a:r>
-          </a:p>
-          <a:p>
+              <a:t>, Resource capability</a:t>
+            </a:r>
+            <a:r>
+              <a:rPr lang="en-US" altLang="zh-CN" sz="1400" dirty="0" smtClean="0">
+                <a:latin typeface="Consolas" panose="020B0609020204030204" pitchFamily="49" charset="0"/>
+              </a:rPr>
+              <a:t>)</a:t>
+            </a:r>
             <a:endParaRPr lang="en-US" altLang="zh-CN" sz="1400" dirty="0">
-              <a:latin typeface="Consolas" panose="020B0609020204030204" pitchFamily="49" charset="0"/>
-            </a:endParaRPr>
-          </a:p>
-          <a:p>
-            <a:endParaRPr lang="en-US" altLang="zh-CN" sz="1400" dirty="0" smtClean="0">
               <a:latin typeface="Consolas" panose="020B0609020204030204" pitchFamily="49" charset="0"/>
             </a:endParaRPr>
           </a:p>
@@ -39867,6 +39955,74 @@
           <a:chExt cx="0" cy="0"/>
         </a:xfrm>
       </p:grpSpPr>
+      <p:pic>
+        <p:nvPicPr>
+          <p:cNvPr id="2" name="图片 1"/>
+          <p:cNvPicPr>
+            <a:picLocks noChangeAspect="1"/>
+          </p:cNvPicPr>
+          <p:nvPr/>
+        </p:nvPicPr>
+        <p:blipFill>
+          <a:blip r:embed="rId2">
+            <a:extLst>
+              <a:ext uri="{28A0092B-C50C-407E-A947-70E740481C1C}">
+                <a14:useLocalDpi xmlns:a14="http://schemas.microsoft.com/office/drawing/2010/main" val="0"/>
+              </a:ext>
+            </a:extLst>
+          </a:blip>
+          <a:stretch>
+            <a:fillRect/>
+          </a:stretch>
+        </p:blipFill>
+        <p:spPr>
+          <a:xfrm>
+            <a:off x="704097" y="361522"/>
+            <a:ext cx="10058400" cy="5722269"/>
+          </a:xfrm>
+          <a:prstGeom prst="rect">
+            <a:avLst/>
+          </a:prstGeom>
+        </p:spPr>
+      </p:pic>
+      <p:sp>
+        <p:nvSpPr>
+          <p:cNvPr id="4" name="爆炸形 1 3"/>
+          <p:cNvSpPr/>
+          <p:nvPr/>
+        </p:nvSpPr>
+        <p:spPr>
+          <a:xfrm>
+            <a:off x="10012219" y="1810327"/>
+            <a:ext cx="480292" cy="489527"/>
+          </a:xfrm>
+          <a:prstGeom prst="irregularSeal1">
+            <a:avLst/>
+          </a:prstGeom>
+        </p:spPr>
+        <p:style>
+          <a:lnRef idx="0">
+            <a:schemeClr val="accent2"/>
+          </a:lnRef>
+          <a:fillRef idx="3">
+            <a:schemeClr val="accent2"/>
+          </a:fillRef>
+          <a:effectRef idx="3">
+            <a:schemeClr val="accent2"/>
+          </a:effectRef>
+          <a:fontRef idx="minor">
+            <a:schemeClr val="lt1"/>
+          </a:fontRef>
+        </p:style>
+        <p:txBody>
+          <a:bodyPr rtlCol="0" anchor="ctr"/>
+          <a:lstStyle/>
+          <a:p>
+            <a:pPr algn="ctr"/>
+            <a:endParaRPr lang="zh-CN" altLang="en-US"/>
+          </a:p>
+        </p:txBody>
+      </p:sp>
     </p:spTree>
     <p:extLst>
       <p:ext uri="{BB962C8B-B14F-4D97-AF65-F5344CB8AC3E}">
@@ -39897,6 +40053,660 @@
           <a:chExt cx="0" cy="0"/>
         </a:xfrm>
       </p:grpSpPr>
+      <p:pic>
+        <p:nvPicPr>
+          <p:cNvPr id="2" name="图片 1"/>
+          <p:cNvPicPr>
+            <a:picLocks noChangeAspect="1"/>
+          </p:cNvPicPr>
+          <p:nvPr/>
+        </p:nvPicPr>
+        <p:blipFill>
+          <a:blip r:embed="rId2">
+            <a:extLst>
+              <a:ext uri="{28A0092B-C50C-407E-A947-70E740481C1C}">
+                <a14:useLocalDpi xmlns:a14="http://schemas.microsoft.com/office/drawing/2010/main" val="0"/>
+              </a:ext>
+            </a:extLst>
+          </a:blip>
+          <a:stretch>
+            <a:fillRect/>
+          </a:stretch>
+        </p:blipFill>
+        <p:spPr>
+          <a:xfrm>
+            <a:off x="827940" y="337706"/>
+            <a:ext cx="10058400" cy="5902262"/>
+          </a:xfrm>
+          <a:prstGeom prst="rect">
+            <a:avLst/>
+          </a:prstGeom>
+        </p:spPr>
+      </p:pic>
+      <p:sp>
+        <p:nvSpPr>
+          <p:cNvPr id="3" name="十字星 2"/>
+          <p:cNvSpPr/>
+          <p:nvPr/>
+        </p:nvSpPr>
+        <p:spPr>
+          <a:xfrm>
+            <a:off x="3832514" y="1187450"/>
+            <a:ext cx="225136" cy="240145"/>
+          </a:xfrm>
+          <a:prstGeom prst="star4">
+            <a:avLst/>
+          </a:prstGeom>
+        </p:spPr>
+        <p:style>
+          <a:lnRef idx="0">
+            <a:schemeClr val="accent2"/>
+          </a:lnRef>
+          <a:fillRef idx="3">
+            <a:schemeClr val="accent2"/>
+          </a:fillRef>
+          <a:effectRef idx="3">
+            <a:schemeClr val="accent2"/>
+          </a:effectRef>
+          <a:fontRef idx="minor">
+            <a:schemeClr val="lt1"/>
+          </a:fontRef>
+        </p:style>
+        <p:txBody>
+          <a:bodyPr rtlCol="0" anchor="ctr"/>
+          <a:lstStyle/>
+          <a:p>
+            <a:pPr algn="ctr"/>
+            <a:endParaRPr lang="zh-CN" altLang="en-US"/>
+          </a:p>
+        </p:txBody>
+      </p:sp>
+      <p:sp>
+        <p:nvSpPr>
+          <p:cNvPr id="4" name="十字星 3"/>
+          <p:cNvSpPr/>
+          <p:nvPr/>
+        </p:nvSpPr>
+        <p:spPr>
+          <a:xfrm>
+            <a:off x="6664614" y="1187450"/>
+            <a:ext cx="225136" cy="240145"/>
+          </a:xfrm>
+          <a:prstGeom prst="star4">
+            <a:avLst/>
+          </a:prstGeom>
+        </p:spPr>
+        <p:style>
+          <a:lnRef idx="0">
+            <a:schemeClr val="accent2"/>
+          </a:lnRef>
+          <a:fillRef idx="3">
+            <a:schemeClr val="accent2"/>
+          </a:fillRef>
+          <a:effectRef idx="3">
+            <a:schemeClr val="accent2"/>
+          </a:effectRef>
+          <a:fontRef idx="minor">
+            <a:schemeClr val="lt1"/>
+          </a:fontRef>
+        </p:style>
+        <p:txBody>
+          <a:bodyPr rtlCol="0" anchor="ctr"/>
+          <a:lstStyle/>
+          <a:p>
+            <a:pPr algn="ctr"/>
+            <a:endParaRPr lang="zh-CN" altLang="en-US"/>
+          </a:p>
+        </p:txBody>
+      </p:sp>
+      <p:sp>
+        <p:nvSpPr>
+          <p:cNvPr id="5" name="十字星 4"/>
+          <p:cNvSpPr/>
+          <p:nvPr/>
+        </p:nvSpPr>
+        <p:spPr>
+          <a:xfrm>
+            <a:off x="6075796" y="2588491"/>
+            <a:ext cx="225136" cy="240145"/>
+          </a:xfrm>
+          <a:prstGeom prst="star4">
+            <a:avLst/>
+          </a:prstGeom>
+        </p:spPr>
+        <p:style>
+          <a:lnRef idx="0">
+            <a:schemeClr val="accent2"/>
+          </a:lnRef>
+          <a:fillRef idx="3">
+            <a:schemeClr val="accent2"/>
+          </a:fillRef>
+          <a:effectRef idx="3">
+            <a:schemeClr val="accent2"/>
+          </a:effectRef>
+          <a:fontRef idx="minor">
+            <a:schemeClr val="lt1"/>
+          </a:fontRef>
+        </p:style>
+        <p:txBody>
+          <a:bodyPr rot="0" spcFirstLastPara="0" vert="horz" wrap="square" lIns="91440" tIns="45720" rIns="91440" bIns="45720" numCol="1" spcCol="0" rtlCol="0" fromWordArt="0" anchor="ctr" anchorCtr="0" forceAA="0" compatLnSpc="1">
+            <a:prstTxWarp prst="textNoShape">
+              <a:avLst/>
+            </a:prstTxWarp>
+            <a:noAutofit/>
+          </a:bodyPr>
+          <a:lstStyle>
+            <a:defPPr>
+              <a:defRPr lang="zh-CN"/>
+            </a:defPPr>
+            <a:lvl1pPr marL="0" algn="l" defTabSz="914400" rtl="0" eaLnBrk="1" latinLnBrk="0" hangingPunct="1">
+              <a:defRPr sz="1800" kern="1200">
+                <a:solidFill>
+                  <a:schemeClr val="lt1"/>
+                </a:solidFill>
+                <a:latin typeface="+mn-lt"/>
+                <a:ea typeface="+mn-ea"/>
+                <a:cs typeface="+mn-cs"/>
+              </a:defRPr>
+            </a:lvl1pPr>
+            <a:lvl2pPr marL="457200" algn="l" defTabSz="914400" rtl="0" eaLnBrk="1" latinLnBrk="0" hangingPunct="1">
+              <a:defRPr sz="1800" kern="1200">
+                <a:solidFill>
+                  <a:schemeClr val="lt1"/>
+                </a:solidFill>
+                <a:latin typeface="+mn-lt"/>
+                <a:ea typeface="+mn-ea"/>
+                <a:cs typeface="+mn-cs"/>
+              </a:defRPr>
+            </a:lvl2pPr>
+            <a:lvl3pPr marL="914400" algn="l" defTabSz="914400" rtl="0" eaLnBrk="1" latinLnBrk="0" hangingPunct="1">
+              <a:defRPr sz="1800" kern="1200">
+                <a:solidFill>
+                  <a:schemeClr val="lt1"/>
+                </a:solidFill>
+                <a:latin typeface="+mn-lt"/>
+                <a:ea typeface="+mn-ea"/>
+                <a:cs typeface="+mn-cs"/>
+              </a:defRPr>
+            </a:lvl3pPr>
+            <a:lvl4pPr marL="1371600" algn="l" defTabSz="914400" rtl="0" eaLnBrk="1" latinLnBrk="0" hangingPunct="1">
+              <a:defRPr sz="1800" kern="1200">
+                <a:solidFill>
+                  <a:schemeClr val="lt1"/>
+                </a:solidFill>
+                <a:latin typeface="+mn-lt"/>
+                <a:ea typeface="+mn-ea"/>
+                <a:cs typeface="+mn-cs"/>
+              </a:defRPr>
+            </a:lvl4pPr>
+            <a:lvl5pPr marL="1828800" algn="l" defTabSz="914400" rtl="0" eaLnBrk="1" latinLnBrk="0" hangingPunct="1">
+              <a:defRPr sz="1800" kern="1200">
+                <a:solidFill>
+                  <a:schemeClr val="lt1"/>
+                </a:solidFill>
+                <a:latin typeface="+mn-lt"/>
+                <a:ea typeface="+mn-ea"/>
+                <a:cs typeface="+mn-cs"/>
+              </a:defRPr>
+            </a:lvl5pPr>
+            <a:lvl6pPr marL="2286000" algn="l" defTabSz="914400" rtl="0" eaLnBrk="1" latinLnBrk="0" hangingPunct="1">
+              <a:defRPr sz="1800" kern="1200">
+                <a:solidFill>
+                  <a:schemeClr val="lt1"/>
+                </a:solidFill>
+                <a:latin typeface="+mn-lt"/>
+                <a:ea typeface="+mn-ea"/>
+                <a:cs typeface="+mn-cs"/>
+              </a:defRPr>
+            </a:lvl6pPr>
+            <a:lvl7pPr marL="2743200" algn="l" defTabSz="914400" rtl="0" eaLnBrk="1" latinLnBrk="0" hangingPunct="1">
+              <a:defRPr sz="1800" kern="1200">
+                <a:solidFill>
+                  <a:schemeClr val="lt1"/>
+                </a:solidFill>
+                <a:latin typeface="+mn-lt"/>
+                <a:ea typeface="+mn-ea"/>
+                <a:cs typeface="+mn-cs"/>
+              </a:defRPr>
+            </a:lvl7pPr>
+            <a:lvl8pPr marL="3200400" algn="l" defTabSz="914400" rtl="0" eaLnBrk="1" latinLnBrk="0" hangingPunct="1">
+              <a:defRPr sz="1800" kern="1200">
+                <a:solidFill>
+                  <a:schemeClr val="lt1"/>
+                </a:solidFill>
+                <a:latin typeface="+mn-lt"/>
+                <a:ea typeface="+mn-ea"/>
+                <a:cs typeface="+mn-cs"/>
+              </a:defRPr>
+            </a:lvl8pPr>
+            <a:lvl9pPr marL="3657600" algn="l" defTabSz="914400" rtl="0" eaLnBrk="1" latinLnBrk="0" hangingPunct="1">
+              <a:defRPr sz="1800" kern="1200">
+                <a:solidFill>
+                  <a:schemeClr val="lt1"/>
+                </a:solidFill>
+                <a:latin typeface="+mn-lt"/>
+                <a:ea typeface="+mn-ea"/>
+                <a:cs typeface="+mn-cs"/>
+              </a:defRPr>
+            </a:lvl9pPr>
+          </a:lstStyle>
+          <a:p>
+            <a:pPr algn="ctr"/>
+            <a:endParaRPr lang="zh-CN" altLang="en-US"/>
+          </a:p>
+        </p:txBody>
+      </p:sp>
+      <p:sp>
+        <p:nvSpPr>
+          <p:cNvPr id="6" name="十字星 5"/>
+          <p:cNvSpPr/>
+          <p:nvPr/>
+        </p:nvSpPr>
+        <p:spPr>
+          <a:xfrm>
+            <a:off x="1900959" y="3549072"/>
+            <a:ext cx="225136" cy="240145"/>
+          </a:xfrm>
+          <a:prstGeom prst="star4">
+            <a:avLst/>
+          </a:prstGeom>
+        </p:spPr>
+        <p:style>
+          <a:lnRef idx="0">
+            <a:schemeClr val="accent2"/>
+          </a:lnRef>
+          <a:fillRef idx="3">
+            <a:schemeClr val="accent2"/>
+          </a:fillRef>
+          <a:effectRef idx="3">
+            <a:schemeClr val="accent2"/>
+          </a:effectRef>
+          <a:fontRef idx="minor">
+            <a:schemeClr val="lt1"/>
+          </a:fontRef>
+        </p:style>
+        <p:txBody>
+          <a:bodyPr rot="0" spcFirstLastPara="0" vert="horz" wrap="square" lIns="91440" tIns="45720" rIns="91440" bIns="45720" numCol="1" spcCol="0" rtlCol="0" fromWordArt="0" anchor="ctr" anchorCtr="0" forceAA="0" compatLnSpc="1">
+            <a:prstTxWarp prst="textNoShape">
+              <a:avLst/>
+            </a:prstTxWarp>
+            <a:noAutofit/>
+          </a:bodyPr>
+          <a:lstStyle>
+            <a:defPPr>
+              <a:defRPr lang="zh-CN"/>
+            </a:defPPr>
+            <a:lvl1pPr marL="0" algn="l" defTabSz="914400" rtl="0" eaLnBrk="1" latinLnBrk="0" hangingPunct="1">
+              <a:defRPr sz="1800" kern="1200">
+                <a:solidFill>
+                  <a:schemeClr val="lt1"/>
+                </a:solidFill>
+                <a:latin typeface="+mn-lt"/>
+                <a:ea typeface="+mn-ea"/>
+                <a:cs typeface="+mn-cs"/>
+              </a:defRPr>
+            </a:lvl1pPr>
+            <a:lvl2pPr marL="457200" algn="l" defTabSz="914400" rtl="0" eaLnBrk="1" latinLnBrk="0" hangingPunct="1">
+              <a:defRPr sz="1800" kern="1200">
+                <a:solidFill>
+                  <a:schemeClr val="lt1"/>
+                </a:solidFill>
+                <a:latin typeface="+mn-lt"/>
+                <a:ea typeface="+mn-ea"/>
+                <a:cs typeface="+mn-cs"/>
+              </a:defRPr>
+            </a:lvl2pPr>
+            <a:lvl3pPr marL="914400" algn="l" defTabSz="914400" rtl="0" eaLnBrk="1" latinLnBrk="0" hangingPunct="1">
+              <a:defRPr sz="1800" kern="1200">
+                <a:solidFill>
+                  <a:schemeClr val="lt1"/>
+                </a:solidFill>
+                <a:latin typeface="+mn-lt"/>
+                <a:ea typeface="+mn-ea"/>
+                <a:cs typeface="+mn-cs"/>
+              </a:defRPr>
+            </a:lvl3pPr>
+            <a:lvl4pPr marL="1371600" algn="l" defTabSz="914400" rtl="0" eaLnBrk="1" latinLnBrk="0" hangingPunct="1">
+              <a:defRPr sz="1800" kern="1200">
+                <a:solidFill>
+                  <a:schemeClr val="lt1"/>
+                </a:solidFill>
+                <a:latin typeface="+mn-lt"/>
+                <a:ea typeface="+mn-ea"/>
+                <a:cs typeface="+mn-cs"/>
+              </a:defRPr>
+            </a:lvl4pPr>
+            <a:lvl5pPr marL="1828800" algn="l" defTabSz="914400" rtl="0" eaLnBrk="1" latinLnBrk="0" hangingPunct="1">
+              <a:defRPr sz="1800" kern="1200">
+                <a:solidFill>
+                  <a:schemeClr val="lt1"/>
+                </a:solidFill>
+                <a:latin typeface="+mn-lt"/>
+                <a:ea typeface="+mn-ea"/>
+                <a:cs typeface="+mn-cs"/>
+              </a:defRPr>
+            </a:lvl5pPr>
+            <a:lvl6pPr marL="2286000" algn="l" defTabSz="914400" rtl="0" eaLnBrk="1" latinLnBrk="0" hangingPunct="1">
+              <a:defRPr sz="1800" kern="1200">
+                <a:solidFill>
+                  <a:schemeClr val="lt1"/>
+                </a:solidFill>
+                <a:latin typeface="+mn-lt"/>
+                <a:ea typeface="+mn-ea"/>
+                <a:cs typeface="+mn-cs"/>
+              </a:defRPr>
+            </a:lvl6pPr>
+            <a:lvl7pPr marL="2743200" algn="l" defTabSz="914400" rtl="0" eaLnBrk="1" latinLnBrk="0" hangingPunct="1">
+              <a:defRPr sz="1800" kern="1200">
+                <a:solidFill>
+                  <a:schemeClr val="lt1"/>
+                </a:solidFill>
+                <a:latin typeface="+mn-lt"/>
+                <a:ea typeface="+mn-ea"/>
+                <a:cs typeface="+mn-cs"/>
+              </a:defRPr>
+            </a:lvl7pPr>
+            <a:lvl8pPr marL="3200400" algn="l" defTabSz="914400" rtl="0" eaLnBrk="1" latinLnBrk="0" hangingPunct="1">
+              <a:defRPr sz="1800" kern="1200">
+                <a:solidFill>
+                  <a:schemeClr val="lt1"/>
+                </a:solidFill>
+                <a:latin typeface="+mn-lt"/>
+                <a:ea typeface="+mn-ea"/>
+                <a:cs typeface="+mn-cs"/>
+              </a:defRPr>
+            </a:lvl8pPr>
+            <a:lvl9pPr marL="3657600" algn="l" defTabSz="914400" rtl="0" eaLnBrk="1" latinLnBrk="0" hangingPunct="1">
+              <a:defRPr sz="1800" kern="1200">
+                <a:solidFill>
+                  <a:schemeClr val="lt1"/>
+                </a:solidFill>
+                <a:latin typeface="+mn-lt"/>
+                <a:ea typeface="+mn-ea"/>
+                <a:cs typeface="+mn-cs"/>
+              </a:defRPr>
+            </a:lvl9pPr>
+          </a:lstStyle>
+          <a:p>
+            <a:pPr algn="ctr"/>
+            <a:endParaRPr lang="zh-CN" altLang="en-US"/>
+          </a:p>
+        </p:txBody>
+      </p:sp>
+      <p:sp>
+        <p:nvSpPr>
+          <p:cNvPr id="7" name="十字星 6"/>
+          <p:cNvSpPr/>
+          <p:nvPr/>
+        </p:nvSpPr>
+        <p:spPr>
+          <a:xfrm>
+            <a:off x="4634923" y="3789217"/>
+            <a:ext cx="225136" cy="240145"/>
+          </a:xfrm>
+          <a:prstGeom prst="star4">
+            <a:avLst/>
+          </a:prstGeom>
+        </p:spPr>
+        <p:style>
+          <a:lnRef idx="0">
+            <a:schemeClr val="accent2"/>
+          </a:lnRef>
+          <a:fillRef idx="3">
+            <a:schemeClr val="accent2"/>
+          </a:fillRef>
+          <a:effectRef idx="3">
+            <a:schemeClr val="accent2"/>
+          </a:effectRef>
+          <a:fontRef idx="minor">
+            <a:schemeClr val="lt1"/>
+          </a:fontRef>
+        </p:style>
+        <p:txBody>
+          <a:bodyPr rot="0" spcFirstLastPara="0" vert="horz" wrap="square" lIns="91440" tIns="45720" rIns="91440" bIns="45720" numCol="1" spcCol="0" rtlCol="0" fromWordArt="0" anchor="ctr" anchorCtr="0" forceAA="0" compatLnSpc="1">
+            <a:prstTxWarp prst="textNoShape">
+              <a:avLst/>
+            </a:prstTxWarp>
+            <a:noAutofit/>
+          </a:bodyPr>
+          <a:lstStyle>
+            <a:defPPr>
+              <a:defRPr lang="zh-CN"/>
+            </a:defPPr>
+            <a:lvl1pPr marL="0" algn="l" defTabSz="914400" rtl="0" eaLnBrk="1" latinLnBrk="0" hangingPunct="1">
+              <a:defRPr sz="1800" kern="1200">
+                <a:solidFill>
+                  <a:schemeClr val="lt1"/>
+                </a:solidFill>
+                <a:latin typeface="+mn-lt"/>
+                <a:ea typeface="+mn-ea"/>
+                <a:cs typeface="+mn-cs"/>
+              </a:defRPr>
+            </a:lvl1pPr>
+            <a:lvl2pPr marL="457200" algn="l" defTabSz="914400" rtl="0" eaLnBrk="1" latinLnBrk="0" hangingPunct="1">
+              <a:defRPr sz="1800" kern="1200">
+                <a:solidFill>
+                  <a:schemeClr val="lt1"/>
+                </a:solidFill>
+                <a:latin typeface="+mn-lt"/>
+                <a:ea typeface="+mn-ea"/>
+                <a:cs typeface="+mn-cs"/>
+              </a:defRPr>
+            </a:lvl2pPr>
+            <a:lvl3pPr marL="914400" algn="l" defTabSz="914400" rtl="0" eaLnBrk="1" latinLnBrk="0" hangingPunct="1">
+              <a:defRPr sz="1800" kern="1200">
+                <a:solidFill>
+                  <a:schemeClr val="lt1"/>
+                </a:solidFill>
+                <a:latin typeface="+mn-lt"/>
+                <a:ea typeface="+mn-ea"/>
+                <a:cs typeface="+mn-cs"/>
+              </a:defRPr>
+            </a:lvl3pPr>
+            <a:lvl4pPr marL="1371600" algn="l" defTabSz="914400" rtl="0" eaLnBrk="1" latinLnBrk="0" hangingPunct="1">
+              <a:defRPr sz="1800" kern="1200">
+                <a:solidFill>
+                  <a:schemeClr val="lt1"/>
+                </a:solidFill>
+                <a:latin typeface="+mn-lt"/>
+                <a:ea typeface="+mn-ea"/>
+                <a:cs typeface="+mn-cs"/>
+              </a:defRPr>
+            </a:lvl4pPr>
+            <a:lvl5pPr marL="1828800" algn="l" defTabSz="914400" rtl="0" eaLnBrk="1" latinLnBrk="0" hangingPunct="1">
+              <a:defRPr sz="1800" kern="1200">
+                <a:solidFill>
+                  <a:schemeClr val="lt1"/>
+                </a:solidFill>
+                <a:latin typeface="+mn-lt"/>
+                <a:ea typeface="+mn-ea"/>
+                <a:cs typeface="+mn-cs"/>
+              </a:defRPr>
+            </a:lvl5pPr>
+            <a:lvl6pPr marL="2286000" algn="l" defTabSz="914400" rtl="0" eaLnBrk="1" latinLnBrk="0" hangingPunct="1">
+              <a:defRPr sz="1800" kern="1200">
+                <a:solidFill>
+                  <a:schemeClr val="lt1"/>
+                </a:solidFill>
+                <a:latin typeface="+mn-lt"/>
+                <a:ea typeface="+mn-ea"/>
+                <a:cs typeface="+mn-cs"/>
+              </a:defRPr>
+            </a:lvl6pPr>
+            <a:lvl7pPr marL="2743200" algn="l" defTabSz="914400" rtl="0" eaLnBrk="1" latinLnBrk="0" hangingPunct="1">
+              <a:defRPr sz="1800" kern="1200">
+                <a:solidFill>
+                  <a:schemeClr val="lt1"/>
+                </a:solidFill>
+                <a:latin typeface="+mn-lt"/>
+                <a:ea typeface="+mn-ea"/>
+                <a:cs typeface="+mn-cs"/>
+              </a:defRPr>
+            </a:lvl7pPr>
+            <a:lvl8pPr marL="3200400" algn="l" defTabSz="914400" rtl="0" eaLnBrk="1" latinLnBrk="0" hangingPunct="1">
+              <a:defRPr sz="1800" kern="1200">
+                <a:solidFill>
+                  <a:schemeClr val="lt1"/>
+                </a:solidFill>
+                <a:latin typeface="+mn-lt"/>
+                <a:ea typeface="+mn-ea"/>
+                <a:cs typeface="+mn-cs"/>
+              </a:defRPr>
+            </a:lvl8pPr>
+            <a:lvl9pPr marL="3657600" algn="l" defTabSz="914400" rtl="0" eaLnBrk="1" latinLnBrk="0" hangingPunct="1">
+              <a:defRPr sz="1800" kern="1200">
+                <a:solidFill>
+                  <a:schemeClr val="lt1"/>
+                </a:solidFill>
+                <a:latin typeface="+mn-lt"/>
+                <a:ea typeface="+mn-ea"/>
+                <a:cs typeface="+mn-cs"/>
+              </a:defRPr>
+            </a:lvl9pPr>
+          </a:lstStyle>
+          <a:p>
+            <a:pPr algn="ctr"/>
+            <a:endParaRPr lang="zh-CN" altLang="en-US"/>
+          </a:p>
+        </p:txBody>
+      </p:sp>
+      <p:sp>
+        <p:nvSpPr>
+          <p:cNvPr id="8" name="十字星 7"/>
+          <p:cNvSpPr/>
+          <p:nvPr/>
+        </p:nvSpPr>
+        <p:spPr>
+          <a:xfrm>
+            <a:off x="3832514" y="5525654"/>
+            <a:ext cx="225136" cy="240145"/>
+          </a:xfrm>
+          <a:prstGeom prst="star4">
+            <a:avLst/>
+          </a:prstGeom>
+        </p:spPr>
+        <p:style>
+          <a:lnRef idx="0">
+            <a:schemeClr val="accent2"/>
+          </a:lnRef>
+          <a:fillRef idx="3">
+            <a:schemeClr val="accent2"/>
+          </a:fillRef>
+          <a:effectRef idx="3">
+            <a:schemeClr val="accent2"/>
+          </a:effectRef>
+          <a:fontRef idx="minor">
+            <a:schemeClr val="lt1"/>
+          </a:fontRef>
+        </p:style>
+        <p:txBody>
+          <a:bodyPr rot="0" spcFirstLastPara="0" vert="horz" wrap="square" lIns="91440" tIns="45720" rIns="91440" bIns="45720" numCol="1" spcCol="0" rtlCol="0" fromWordArt="0" anchor="ctr" anchorCtr="0" forceAA="0" compatLnSpc="1">
+            <a:prstTxWarp prst="textNoShape">
+              <a:avLst/>
+            </a:prstTxWarp>
+            <a:noAutofit/>
+          </a:bodyPr>
+          <a:lstStyle>
+            <a:defPPr>
+              <a:defRPr lang="zh-CN"/>
+            </a:defPPr>
+            <a:lvl1pPr marL="0" algn="l" defTabSz="914400" rtl="0" eaLnBrk="1" latinLnBrk="0" hangingPunct="1">
+              <a:defRPr sz="1800" kern="1200">
+                <a:solidFill>
+                  <a:schemeClr val="lt1"/>
+                </a:solidFill>
+                <a:latin typeface="+mn-lt"/>
+                <a:ea typeface="+mn-ea"/>
+                <a:cs typeface="+mn-cs"/>
+              </a:defRPr>
+            </a:lvl1pPr>
+            <a:lvl2pPr marL="457200" algn="l" defTabSz="914400" rtl="0" eaLnBrk="1" latinLnBrk="0" hangingPunct="1">
+              <a:defRPr sz="1800" kern="1200">
+                <a:solidFill>
+                  <a:schemeClr val="lt1"/>
+                </a:solidFill>
+                <a:latin typeface="+mn-lt"/>
+                <a:ea typeface="+mn-ea"/>
+                <a:cs typeface="+mn-cs"/>
+              </a:defRPr>
+            </a:lvl2pPr>
+            <a:lvl3pPr marL="914400" algn="l" defTabSz="914400" rtl="0" eaLnBrk="1" latinLnBrk="0" hangingPunct="1">
+              <a:defRPr sz="1800" kern="1200">
+                <a:solidFill>
+                  <a:schemeClr val="lt1"/>
+                </a:solidFill>
+                <a:latin typeface="+mn-lt"/>
+                <a:ea typeface="+mn-ea"/>
+                <a:cs typeface="+mn-cs"/>
+              </a:defRPr>
+            </a:lvl3pPr>
+            <a:lvl4pPr marL="1371600" algn="l" defTabSz="914400" rtl="0" eaLnBrk="1" latinLnBrk="0" hangingPunct="1">
+              <a:defRPr sz="1800" kern="1200">
+                <a:solidFill>
+                  <a:schemeClr val="lt1"/>
+                </a:solidFill>
+                <a:latin typeface="+mn-lt"/>
+                <a:ea typeface="+mn-ea"/>
+                <a:cs typeface="+mn-cs"/>
+              </a:defRPr>
+            </a:lvl4pPr>
+            <a:lvl5pPr marL="1828800" algn="l" defTabSz="914400" rtl="0" eaLnBrk="1" latinLnBrk="0" hangingPunct="1">
+              <a:defRPr sz="1800" kern="1200">
+                <a:solidFill>
+                  <a:schemeClr val="lt1"/>
+                </a:solidFill>
+                <a:latin typeface="+mn-lt"/>
+                <a:ea typeface="+mn-ea"/>
+                <a:cs typeface="+mn-cs"/>
+              </a:defRPr>
+            </a:lvl5pPr>
+            <a:lvl6pPr marL="2286000" algn="l" defTabSz="914400" rtl="0" eaLnBrk="1" latinLnBrk="0" hangingPunct="1">
+              <a:defRPr sz="1800" kern="1200">
+                <a:solidFill>
+                  <a:schemeClr val="lt1"/>
+                </a:solidFill>
+                <a:latin typeface="+mn-lt"/>
+                <a:ea typeface="+mn-ea"/>
+                <a:cs typeface="+mn-cs"/>
+              </a:defRPr>
+            </a:lvl6pPr>
+            <a:lvl7pPr marL="2743200" algn="l" defTabSz="914400" rtl="0" eaLnBrk="1" latinLnBrk="0" hangingPunct="1">
+              <a:defRPr sz="1800" kern="1200">
+                <a:solidFill>
+                  <a:schemeClr val="lt1"/>
+                </a:solidFill>
+                <a:latin typeface="+mn-lt"/>
+                <a:ea typeface="+mn-ea"/>
+                <a:cs typeface="+mn-cs"/>
+              </a:defRPr>
+            </a:lvl7pPr>
+            <a:lvl8pPr marL="3200400" algn="l" defTabSz="914400" rtl="0" eaLnBrk="1" latinLnBrk="0" hangingPunct="1">
+              <a:defRPr sz="1800" kern="1200">
+                <a:solidFill>
+                  <a:schemeClr val="lt1"/>
+                </a:solidFill>
+                <a:latin typeface="+mn-lt"/>
+                <a:ea typeface="+mn-ea"/>
+                <a:cs typeface="+mn-cs"/>
+              </a:defRPr>
+            </a:lvl8pPr>
+            <a:lvl9pPr marL="3657600" algn="l" defTabSz="914400" rtl="0" eaLnBrk="1" latinLnBrk="0" hangingPunct="1">
+              <a:defRPr sz="1800" kern="1200">
+                <a:solidFill>
+                  <a:schemeClr val="lt1"/>
+                </a:solidFill>
+                <a:latin typeface="+mn-lt"/>
+                <a:ea typeface="+mn-ea"/>
+                <a:cs typeface="+mn-cs"/>
+              </a:defRPr>
+            </a:lvl9pPr>
+          </a:lstStyle>
+          <a:p>
+            <a:pPr algn="ctr"/>
+            <a:endParaRPr lang="zh-CN" altLang="en-US"/>
+          </a:p>
+        </p:txBody>
+      </p:sp>
     </p:spTree>
     <p:extLst>
       <p:ext uri="{BB962C8B-B14F-4D97-AF65-F5344CB8AC3E}">
@@ -39927,6 +40737,36 @@
           <a:chExt cx="0" cy="0"/>
         </a:xfrm>
       </p:grpSpPr>
+      <p:pic>
+        <p:nvPicPr>
+          <p:cNvPr id="2" name="图片 1"/>
+          <p:cNvPicPr>
+            <a:picLocks noChangeAspect="1"/>
+          </p:cNvPicPr>
+          <p:nvPr/>
+        </p:nvPicPr>
+        <p:blipFill>
+          <a:blip r:embed="rId2">
+            <a:extLst>
+              <a:ext uri="{28A0092B-C50C-407E-A947-70E740481C1C}">
+                <a14:useLocalDpi xmlns:a14="http://schemas.microsoft.com/office/drawing/2010/main" val="0"/>
+              </a:ext>
+            </a:extLst>
+          </a:blip>
+          <a:stretch>
+            <a:fillRect/>
+          </a:stretch>
+        </p:blipFill>
+        <p:spPr>
+          <a:xfrm>
+            <a:off x="699334" y="318653"/>
+            <a:ext cx="10058400" cy="5797118"/>
+          </a:xfrm>
+          <a:prstGeom prst="rect">
+            <a:avLst/>
+          </a:prstGeom>
+        </p:spPr>
+      </p:pic>
     </p:spTree>
     <p:extLst>
       <p:ext uri="{BB962C8B-B14F-4D97-AF65-F5344CB8AC3E}">

--- a/Diploma paper/Figures.pptx
+++ b/Diploma paper/Figures.pptx
@@ -198,7 +198,6 @@
           </a:p>
         </c:rich>
       </c:tx>
-      <c:layout/>
       <c:overlay val="0"/>
       <c:spPr>
         <a:noFill/>
@@ -708,7 +707,6 @@
     </c:plotArea>
     <c:legend>
       <c:legendPos val="b"/>
-      <c:layout/>
       <c:overlay val="0"/>
       <c:spPr>
         <a:noFill/>
@@ -1390,7 +1388,7 @@
           <a:p>
             <a:fld id="{A43A1234-6667-4DE0-865A-9C5BC084BE07}" type="datetimeFigureOut">
               <a:rPr lang="zh-CN" altLang="en-US" smtClean="0"/>
-              <a:t>2016/1/3</a:t>
+              <a:t>2016/1/11</a:t>
             </a:fld>
             <a:endParaRPr lang="zh-CN" altLang="en-US"/>
           </a:p>
@@ -1975,7 +1973,7 @@
           <a:p>
             <a:fld id="{2F9DF95A-80B2-48A9-AE83-225FFA8B48F6}" type="datetimeFigureOut">
               <a:rPr lang="zh-CN" altLang="en-US" smtClean="0"/>
-              <a:t>2016/1/3</a:t>
+              <a:t>2016/1/11</a:t>
             </a:fld>
             <a:endParaRPr lang="zh-CN" altLang="en-US"/>
           </a:p>
@@ -2145,7 +2143,7 @@
           <a:p>
             <a:fld id="{2F9DF95A-80B2-48A9-AE83-225FFA8B48F6}" type="datetimeFigureOut">
               <a:rPr lang="zh-CN" altLang="en-US" smtClean="0"/>
-              <a:t>2016/1/3</a:t>
+              <a:t>2016/1/11</a:t>
             </a:fld>
             <a:endParaRPr lang="zh-CN" altLang="en-US"/>
           </a:p>
@@ -2325,7 +2323,7 @@
           <a:p>
             <a:fld id="{2F9DF95A-80B2-48A9-AE83-225FFA8B48F6}" type="datetimeFigureOut">
               <a:rPr lang="zh-CN" altLang="en-US" smtClean="0"/>
-              <a:t>2016/1/3</a:t>
+              <a:t>2016/1/11</a:t>
             </a:fld>
             <a:endParaRPr lang="zh-CN" altLang="en-US"/>
           </a:p>
@@ -2495,7 +2493,7 @@
           <a:p>
             <a:fld id="{2F9DF95A-80B2-48A9-AE83-225FFA8B48F6}" type="datetimeFigureOut">
               <a:rPr lang="zh-CN" altLang="en-US" smtClean="0"/>
-              <a:t>2016/1/3</a:t>
+              <a:t>2016/1/11</a:t>
             </a:fld>
             <a:endParaRPr lang="zh-CN" altLang="en-US"/>
           </a:p>
@@ -2741,7 +2739,7 @@
           <a:p>
             <a:fld id="{2F9DF95A-80B2-48A9-AE83-225FFA8B48F6}" type="datetimeFigureOut">
               <a:rPr lang="zh-CN" altLang="en-US" smtClean="0"/>
-              <a:t>2016/1/3</a:t>
+              <a:t>2016/1/11</a:t>
             </a:fld>
             <a:endParaRPr lang="zh-CN" altLang="en-US"/>
           </a:p>
@@ -2973,7 +2971,7 @@
           <a:p>
             <a:fld id="{2F9DF95A-80B2-48A9-AE83-225FFA8B48F6}" type="datetimeFigureOut">
               <a:rPr lang="zh-CN" altLang="en-US" smtClean="0"/>
-              <a:t>2016/1/3</a:t>
+              <a:t>2016/1/11</a:t>
             </a:fld>
             <a:endParaRPr lang="zh-CN" altLang="en-US"/>
           </a:p>
@@ -3340,7 +3338,7 @@
           <a:p>
             <a:fld id="{2F9DF95A-80B2-48A9-AE83-225FFA8B48F6}" type="datetimeFigureOut">
               <a:rPr lang="zh-CN" altLang="en-US" smtClean="0"/>
-              <a:t>2016/1/3</a:t>
+              <a:t>2016/1/11</a:t>
             </a:fld>
             <a:endParaRPr lang="zh-CN" altLang="en-US"/>
           </a:p>
@@ -3458,7 +3456,7 @@
           <a:p>
             <a:fld id="{2F9DF95A-80B2-48A9-AE83-225FFA8B48F6}" type="datetimeFigureOut">
               <a:rPr lang="zh-CN" altLang="en-US" smtClean="0"/>
-              <a:t>2016/1/3</a:t>
+              <a:t>2016/1/11</a:t>
             </a:fld>
             <a:endParaRPr lang="zh-CN" altLang="en-US"/>
           </a:p>
@@ -3553,7 +3551,7 @@
           <a:p>
             <a:fld id="{2F9DF95A-80B2-48A9-AE83-225FFA8B48F6}" type="datetimeFigureOut">
               <a:rPr lang="zh-CN" altLang="en-US" smtClean="0"/>
-              <a:t>2016/1/3</a:t>
+              <a:t>2016/1/11</a:t>
             </a:fld>
             <a:endParaRPr lang="zh-CN" altLang="en-US"/>
           </a:p>
@@ -3830,7 +3828,7 @@
           <a:p>
             <a:fld id="{2F9DF95A-80B2-48A9-AE83-225FFA8B48F6}" type="datetimeFigureOut">
               <a:rPr lang="zh-CN" altLang="en-US" smtClean="0"/>
-              <a:t>2016/1/3</a:t>
+              <a:t>2016/1/11</a:t>
             </a:fld>
             <a:endParaRPr lang="zh-CN" altLang="en-US"/>
           </a:p>
@@ -4083,7 +4081,7 @@
           <a:p>
             <a:fld id="{2F9DF95A-80B2-48A9-AE83-225FFA8B48F6}" type="datetimeFigureOut">
               <a:rPr lang="zh-CN" altLang="en-US" smtClean="0"/>
-              <a:t>2016/1/3</a:t>
+              <a:t>2016/1/11</a:t>
             </a:fld>
             <a:endParaRPr lang="zh-CN" altLang="en-US"/>
           </a:p>
@@ -4296,7 +4294,7 @@
           <a:p>
             <a:fld id="{2F9DF95A-80B2-48A9-AE83-225FFA8B48F6}" type="datetimeFigureOut">
               <a:rPr lang="zh-CN" altLang="en-US" smtClean="0"/>
-              <a:t>2016/1/3</a:t>
+              <a:t>2016/1/11</a:t>
             </a:fld>
             <a:endParaRPr lang="zh-CN" altLang="en-US"/>
           </a:p>
@@ -13650,6 +13648,243 @@
           </a:p>
         </p:txBody>
       </p:sp>
+      <p:sp>
+        <p:nvSpPr>
+          <p:cNvPr id="50" name="文本框 49"/>
+          <p:cNvSpPr txBox="1"/>
+          <p:nvPr/>
+        </p:nvSpPr>
+        <p:spPr>
+          <a:xfrm>
+            <a:off x="9216631" y="5976925"/>
+            <a:ext cx="2125529" cy="246221"/>
+          </a:xfrm>
+          <a:prstGeom prst="rect">
+            <a:avLst/>
+          </a:prstGeom>
+          <a:noFill/>
+        </p:spPr>
+        <p:txBody>
+          <a:bodyPr wrap="square" rtlCol="0">
+            <a:spAutoFit/>
+          </a:bodyPr>
+          <a:lstStyle/>
+          <a:p>
+            <a:r>
+              <a:rPr lang="zh-CN" altLang="en-US" sz="1000" dirty="0" smtClean="0"/>
+              <a:t>应用服务</a:t>
+            </a:r>
+            <a:endParaRPr lang="zh-CN" altLang="en-US" sz="1000" dirty="0"/>
+          </a:p>
+        </p:txBody>
+      </p:sp>
+      <p:sp>
+        <p:nvSpPr>
+          <p:cNvPr id="51" name="圆角矩形 50"/>
+          <p:cNvSpPr/>
+          <p:nvPr/>
+        </p:nvSpPr>
+        <p:spPr>
+          <a:xfrm>
+            <a:off x="8701923" y="5283111"/>
+            <a:ext cx="1939942" cy="978720"/>
+          </a:xfrm>
+          <a:prstGeom prst="roundRect">
+            <a:avLst/>
+          </a:prstGeom>
+          <a:noFill/>
+          <a:ln w="25400">
+            <a:solidFill>
+              <a:schemeClr val="bg2">
+                <a:lumMod val="75000"/>
+              </a:schemeClr>
+            </a:solidFill>
+            <a:prstDash val="solid"/>
+          </a:ln>
+        </p:spPr>
+        <p:style>
+          <a:lnRef idx="2">
+            <a:schemeClr val="accent1">
+              <a:shade val="50000"/>
+            </a:schemeClr>
+          </a:lnRef>
+          <a:fillRef idx="1">
+            <a:schemeClr val="accent1"/>
+          </a:fillRef>
+          <a:effectRef idx="0">
+            <a:schemeClr val="accent1"/>
+          </a:effectRef>
+          <a:fontRef idx="minor">
+            <a:schemeClr val="lt1"/>
+          </a:fontRef>
+        </p:style>
+        <p:txBody>
+          <a:bodyPr rtlCol="0" anchor="ctr"/>
+          <a:lstStyle/>
+          <a:p>
+            <a:pPr algn="ctr"/>
+            <a:endParaRPr lang="zh-CN" altLang="en-US"/>
+          </a:p>
+        </p:txBody>
+      </p:sp>
+      <p:pic>
+        <p:nvPicPr>
+          <p:cNvPr id="53" name="图片 52"/>
+          <p:cNvPicPr>
+            <a:picLocks noChangeAspect="1"/>
+          </p:cNvPicPr>
+          <p:nvPr/>
+        </p:nvPicPr>
+        <p:blipFill>
+          <a:blip r:embed="rId4" cstate="print">
+            <a:extLst>
+              <a:ext uri="{28A0092B-C50C-407E-A947-70E740481C1C}">
+                <a14:useLocalDpi xmlns:a14="http://schemas.microsoft.com/office/drawing/2010/main" val="0"/>
+              </a:ext>
+            </a:extLst>
+          </a:blip>
+          <a:stretch>
+            <a:fillRect/>
+          </a:stretch>
+        </p:blipFill>
+        <p:spPr>
+          <a:xfrm>
+            <a:off x="9040412" y="5397603"/>
+            <a:ext cx="352439" cy="543931"/>
+          </a:xfrm>
+          <a:prstGeom prst="rect">
+            <a:avLst/>
+          </a:prstGeom>
+        </p:spPr>
+      </p:pic>
+      <p:pic>
+        <p:nvPicPr>
+          <p:cNvPr id="54" name="图片 53"/>
+          <p:cNvPicPr>
+            <a:picLocks noChangeAspect="1"/>
+          </p:cNvPicPr>
+          <p:nvPr/>
+        </p:nvPicPr>
+        <p:blipFill>
+          <a:blip r:embed="rId4" cstate="print">
+            <a:extLst>
+              <a:ext uri="{28A0092B-C50C-407E-A947-70E740481C1C}">
+                <a14:useLocalDpi xmlns:a14="http://schemas.microsoft.com/office/drawing/2010/main" val="0"/>
+              </a:ext>
+            </a:extLst>
+          </a:blip>
+          <a:stretch>
+            <a:fillRect/>
+          </a:stretch>
+        </p:blipFill>
+        <p:spPr>
+          <a:xfrm>
+            <a:off x="9462013" y="5394309"/>
+            <a:ext cx="352439" cy="543931"/>
+          </a:xfrm>
+          <a:prstGeom prst="rect">
+            <a:avLst/>
+          </a:prstGeom>
+        </p:spPr>
+      </p:pic>
+      <p:pic>
+        <p:nvPicPr>
+          <p:cNvPr id="55" name="图片 54"/>
+          <p:cNvPicPr>
+            <a:picLocks noChangeAspect="1"/>
+          </p:cNvPicPr>
+          <p:nvPr/>
+        </p:nvPicPr>
+        <p:blipFill>
+          <a:blip r:embed="rId4" cstate="print">
+            <a:extLst>
+              <a:ext uri="{28A0092B-C50C-407E-A947-70E740481C1C}">
+                <a14:useLocalDpi xmlns:a14="http://schemas.microsoft.com/office/drawing/2010/main" val="0"/>
+              </a:ext>
+            </a:extLst>
+          </a:blip>
+          <a:stretch>
+            <a:fillRect/>
+          </a:stretch>
+        </p:blipFill>
+        <p:spPr>
+          <a:xfrm>
+            <a:off x="9907559" y="5378555"/>
+            <a:ext cx="352439" cy="543931"/>
+          </a:xfrm>
+          <a:prstGeom prst="rect">
+            <a:avLst/>
+          </a:prstGeom>
+        </p:spPr>
+      </p:pic>
+      <p:cxnSp>
+        <p:nvCxnSpPr>
+          <p:cNvPr id="56" name="直接箭头连接符 55"/>
+          <p:cNvCxnSpPr/>
+          <p:nvPr/>
+        </p:nvCxnSpPr>
+        <p:spPr>
+          <a:xfrm>
+            <a:off x="6480268" y="4141140"/>
+            <a:ext cx="2221655" cy="1141971"/>
+          </a:xfrm>
+          <a:prstGeom prst="straightConnector1">
+            <a:avLst/>
+          </a:prstGeom>
+          <a:ln w="28575">
+            <a:solidFill>
+              <a:schemeClr val="accent1">
+                <a:lumMod val="75000"/>
+              </a:schemeClr>
+            </a:solidFill>
+            <a:tailEnd type="triangle"/>
+          </a:ln>
+        </p:spPr>
+        <p:style>
+          <a:lnRef idx="1">
+            <a:schemeClr val="accent1"/>
+          </a:lnRef>
+          <a:fillRef idx="0">
+            <a:schemeClr val="accent1"/>
+          </a:fillRef>
+          <a:effectRef idx="0">
+            <a:schemeClr val="accent1"/>
+          </a:effectRef>
+          <a:fontRef idx="minor">
+            <a:schemeClr val="tx1"/>
+          </a:fontRef>
+        </p:style>
+      </p:cxnSp>
+      <p:sp>
+        <p:nvSpPr>
+          <p:cNvPr id="59" name="文本框 58"/>
+          <p:cNvSpPr txBox="1"/>
+          <p:nvPr/>
+        </p:nvSpPr>
+        <p:spPr>
+          <a:xfrm rot="1568954">
+            <a:off x="6827975" y="4471994"/>
+            <a:ext cx="1786951" cy="246221"/>
+          </a:xfrm>
+          <a:prstGeom prst="rect">
+            <a:avLst/>
+          </a:prstGeom>
+          <a:noFill/>
+        </p:spPr>
+        <p:txBody>
+          <a:bodyPr wrap="square" rtlCol="0">
+            <a:spAutoFit/>
+          </a:bodyPr>
+          <a:lstStyle/>
+          <a:p>
+            <a:r>
+              <a:rPr lang="zh-CN" altLang="en-US" sz="1000" dirty="0" smtClean="0"/>
+              <a:t>应用服务请求转发</a:t>
+            </a:r>
+            <a:endParaRPr lang="zh-CN" altLang="en-US" sz="1000" dirty="0"/>
+          </a:p>
+        </p:txBody>
+      </p:sp>
     </p:spTree>
     <p:extLst>
       <p:ext uri="{BB962C8B-B14F-4D97-AF65-F5344CB8AC3E}">
@@ -25141,7 +25376,7 @@
       </p:pic>
       <p:pic>
         <p:nvPicPr>
-          <p:cNvPr id="5" name="图片 4"/>
+          <p:cNvPr id="6" name="图片 5"/>
           <p:cNvPicPr>
             <a:picLocks noChangeAspect="1"/>
           </p:cNvPicPr>
